--- a/presentazione2.pptx
+++ b/presentazione2.pptx
@@ -4,77 +4,83 @@
   <p:sldMasterIdLst>
     <p:sldMasterId id="2147483648" r:id="rId1"/>
   </p:sldMasterIdLst>
+  <p:notesMasterIdLst>
+    <p:notesMasterId r:id="rId75"/>
+  </p:notesMasterIdLst>
   <p:sldIdLst>
-    <p:sldId id="256" r:id="rId2"/>
-    <p:sldId id="258" r:id="rId3"/>
-    <p:sldId id="259" r:id="rId4"/>
-    <p:sldId id="260" r:id="rId5"/>
-    <p:sldId id="261" r:id="rId6"/>
-    <p:sldId id="262" r:id="rId7"/>
-    <p:sldId id="263" r:id="rId8"/>
-    <p:sldId id="264" r:id="rId9"/>
-    <p:sldId id="265" r:id="rId10"/>
-    <p:sldId id="266" r:id="rId11"/>
-    <p:sldId id="267" r:id="rId12"/>
-    <p:sldId id="268" r:id="rId13"/>
-    <p:sldId id="269" r:id="rId14"/>
-    <p:sldId id="270" r:id="rId15"/>
-    <p:sldId id="271" r:id="rId16"/>
-    <p:sldId id="276" r:id="rId17"/>
-    <p:sldId id="273" r:id="rId18"/>
-    <p:sldId id="274" r:id="rId19"/>
-    <p:sldId id="275" r:id="rId20"/>
-    <p:sldId id="272" r:id="rId21"/>
-    <p:sldId id="277" r:id="rId22"/>
-    <p:sldId id="280" r:id="rId23"/>
-    <p:sldId id="281" r:id="rId24"/>
-    <p:sldId id="282" r:id="rId25"/>
-    <p:sldId id="283" r:id="rId26"/>
-    <p:sldId id="284" r:id="rId27"/>
-    <p:sldId id="285" r:id="rId28"/>
-    <p:sldId id="290" r:id="rId29"/>
-    <p:sldId id="291" r:id="rId30"/>
-    <p:sldId id="286" r:id="rId31"/>
-    <p:sldId id="287" r:id="rId32"/>
-    <p:sldId id="304" r:id="rId33"/>
-    <p:sldId id="289" r:id="rId34"/>
-    <p:sldId id="292" r:id="rId35"/>
-    <p:sldId id="293" r:id="rId36"/>
-    <p:sldId id="298" r:id="rId37"/>
-    <p:sldId id="279" r:id="rId38"/>
-    <p:sldId id="278" r:id="rId39"/>
-    <p:sldId id="299" r:id="rId40"/>
-    <p:sldId id="294" r:id="rId41"/>
-    <p:sldId id="295" r:id="rId42"/>
-    <p:sldId id="296" r:id="rId43"/>
-    <p:sldId id="297" r:id="rId44"/>
-    <p:sldId id="300" r:id="rId45"/>
-    <p:sldId id="301" r:id="rId46"/>
-    <p:sldId id="302" r:id="rId47"/>
-    <p:sldId id="303" r:id="rId48"/>
-    <p:sldId id="308" r:id="rId49"/>
-    <p:sldId id="309" r:id="rId50"/>
-    <p:sldId id="288" r:id="rId51"/>
-    <p:sldId id="305" r:id="rId52"/>
-    <p:sldId id="306" r:id="rId53"/>
-    <p:sldId id="307" r:id="rId54"/>
-    <p:sldId id="310" r:id="rId55"/>
-    <p:sldId id="311" r:id="rId56"/>
-    <p:sldId id="312" r:id="rId57"/>
-    <p:sldId id="313" r:id="rId58"/>
-    <p:sldId id="316" r:id="rId59"/>
-    <p:sldId id="315" r:id="rId60"/>
-    <p:sldId id="314" r:id="rId61"/>
-    <p:sldId id="317" r:id="rId62"/>
-    <p:sldId id="324" r:id="rId63"/>
-    <p:sldId id="325" r:id="rId64"/>
-    <p:sldId id="318" r:id="rId65"/>
-    <p:sldId id="319" r:id="rId66"/>
-    <p:sldId id="320" r:id="rId67"/>
-    <p:sldId id="321" r:id="rId68"/>
-    <p:sldId id="322" r:id="rId69"/>
-    <p:sldId id="323" r:id="rId70"/>
-    <p:sldId id="326" r:id="rId71"/>
+    <p:sldId id="328" r:id="rId2"/>
+    <p:sldId id="256" r:id="rId3"/>
+    <p:sldId id="258" r:id="rId4"/>
+    <p:sldId id="259" r:id="rId5"/>
+    <p:sldId id="260" r:id="rId6"/>
+    <p:sldId id="261" r:id="rId7"/>
+    <p:sldId id="262" r:id="rId8"/>
+    <p:sldId id="263" r:id="rId9"/>
+    <p:sldId id="264" r:id="rId10"/>
+    <p:sldId id="265" r:id="rId11"/>
+    <p:sldId id="266" r:id="rId12"/>
+    <p:sldId id="267" r:id="rId13"/>
+    <p:sldId id="268" r:id="rId14"/>
+    <p:sldId id="269" r:id="rId15"/>
+    <p:sldId id="270" r:id="rId16"/>
+    <p:sldId id="271" r:id="rId17"/>
+    <p:sldId id="276" r:id="rId18"/>
+    <p:sldId id="273" r:id="rId19"/>
+    <p:sldId id="274" r:id="rId20"/>
+    <p:sldId id="275" r:id="rId21"/>
+    <p:sldId id="272" r:id="rId22"/>
+    <p:sldId id="277" r:id="rId23"/>
+    <p:sldId id="280" r:id="rId24"/>
+    <p:sldId id="281" r:id="rId25"/>
+    <p:sldId id="282" r:id="rId26"/>
+    <p:sldId id="283" r:id="rId27"/>
+    <p:sldId id="284" r:id="rId28"/>
+    <p:sldId id="285" r:id="rId29"/>
+    <p:sldId id="290" r:id="rId30"/>
+    <p:sldId id="291" r:id="rId31"/>
+    <p:sldId id="286" r:id="rId32"/>
+    <p:sldId id="287" r:id="rId33"/>
+    <p:sldId id="304" r:id="rId34"/>
+    <p:sldId id="289" r:id="rId35"/>
+    <p:sldId id="292" r:id="rId36"/>
+    <p:sldId id="293" r:id="rId37"/>
+    <p:sldId id="298" r:id="rId38"/>
+    <p:sldId id="279" r:id="rId39"/>
+    <p:sldId id="278" r:id="rId40"/>
+    <p:sldId id="299" r:id="rId41"/>
+    <p:sldId id="294" r:id="rId42"/>
+    <p:sldId id="295" r:id="rId43"/>
+    <p:sldId id="296" r:id="rId44"/>
+    <p:sldId id="297" r:id="rId45"/>
+    <p:sldId id="300" r:id="rId46"/>
+    <p:sldId id="301" r:id="rId47"/>
+    <p:sldId id="302" r:id="rId48"/>
+    <p:sldId id="303" r:id="rId49"/>
+    <p:sldId id="308" r:id="rId50"/>
+    <p:sldId id="309" r:id="rId51"/>
+    <p:sldId id="288" r:id="rId52"/>
+    <p:sldId id="305" r:id="rId53"/>
+    <p:sldId id="306" r:id="rId54"/>
+    <p:sldId id="307" r:id="rId55"/>
+    <p:sldId id="310" r:id="rId56"/>
+    <p:sldId id="311" r:id="rId57"/>
+    <p:sldId id="312" r:id="rId58"/>
+    <p:sldId id="313" r:id="rId59"/>
+    <p:sldId id="316" r:id="rId60"/>
+    <p:sldId id="315" r:id="rId61"/>
+    <p:sldId id="314" r:id="rId62"/>
+    <p:sldId id="317" r:id="rId63"/>
+    <p:sldId id="324" r:id="rId64"/>
+    <p:sldId id="325" r:id="rId65"/>
+    <p:sldId id="318" r:id="rId66"/>
+    <p:sldId id="319" r:id="rId67"/>
+    <p:sldId id="320" r:id="rId68"/>
+    <p:sldId id="321" r:id="rId69"/>
+    <p:sldId id="322" r:id="rId70"/>
+    <p:sldId id="323" r:id="rId71"/>
+    <p:sldId id="326" r:id="rId72"/>
+    <p:sldId id="329" r:id="rId73"/>
+    <p:sldId id="330" r:id="rId74"/>
   </p:sldIdLst>
   <p:sldSz cx="12192000" cy="6858000"/>
   <p:notesSz cx="6858000" cy="9144000"/>
@@ -181,6 +187,439 @@
 </p:presentation>
 </file>
 
+<file path=ppt/notesMasters/notesMaster1.xml><?xml version="1.0" encoding="utf-8"?>
+<p:notesMaster xmlns:a="http://schemas.openxmlformats.org/drawingml/2006/main" xmlns:r="http://schemas.openxmlformats.org/officeDocument/2006/relationships" xmlns:p="http://schemas.openxmlformats.org/presentationml/2006/main">
+  <p:cSld>
+    <p:bg>
+      <p:bgRef idx="1001">
+        <a:schemeClr val="bg1"/>
+      </p:bgRef>
+    </p:bg>
+    <p:spTree>
+      <p:nvGrpSpPr>
+        <p:cNvPr id="1" name=""/>
+        <p:cNvGrpSpPr/>
+        <p:nvPr/>
+      </p:nvGrpSpPr>
+      <p:grpSpPr>
+        <a:xfrm>
+          <a:off x="0" y="0"/>
+          <a:ext cx="0" cy="0"/>
+          <a:chOff x="0" y="0"/>
+          <a:chExt cx="0" cy="0"/>
+        </a:xfrm>
+      </p:grpSpPr>
+      <p:sp>
+        <p:nvSpPr>
+          <p:cNvPr id="2" name="Segnaposto intestazione 1"/>
+          <p:cNvSpPr>
+            <a:spLocks noGrp="1"/>
+          </p:cNvSpPr>
+          <p:nvPr>
+            <p:ph type="hdr" sz="quarter"/>
+          </p:nvPr>
+        </p:nvSpPr>
+        <p:spPr>
+          <a:xfrm>
+            <a:off x="0" y="0"/>
+            <a:ext cx="2971800" cy="458788"/>
+          </a:xfrm>
+          <a:prstGeom prst="rect">
+            <a:avLst/>
+          </a:prstGeom>
+        </p:spPr>
+        <p:txBody>
+          <a:bodyPr vert="horz" lIns="91440" tIns="45720" rIns="91440" bIns="45720" rtlCol="0"/>
+          <a:lstStyle>
+            <a:lvl1pPr algn="l">
+              <a:defRPr sz="1200"/>
+            </a:lvl1pPr>
+          </a:lstStyle>
+          <a:p>
+            <a:endParaRPr lang="it-IT"/>
+          </a:p>
+        </p:txBody>
+      </p:sp>
+      <p:sp>
+        <p:nvSpPr>
+          <p:cNvPr id="3" name="Segnaposto data 2"/>
+          <p:cNvSpPr>
+            <a:spLocks noGrp="1"/>
+          </p:cNvSpPr>
+          <p:nvPr>
+            <p:ph type="dt" idx="1"/>
+          </p:nvPr>
+        </p:nvSpPr>
+        <p:spPr>
+          <a:xfrm>
+            <a:off x="3884613" y="0"/>
+            <a:ext cx="2971800" cy="458788"/>
+          </a:xfrm>
+          <a:prstGeom prst="rect">
+            <a:avLst/>
+          </a:prstGeom>
+        </p:spPr>
+        <p:txBody>
+          <a:bodyPr vert="horz" lIns="91440" tIns="45720" rIns="91440" bIns="45720" rtlCol="0"/>
+          <a:lstStyle>
+            <a:lvl1pPr algn="r">
+              <a:defRPr sz="1200"/>
+            </a:lvl1pPr>
+          </a:lstStyle>
+          <a:p>
+            <a:fld id="{677BC2CC-AA09-1747-85AD-6A1F12565411}" type="datetimeFigureOut">
+              <a:rPr lang="it-IT" smtClean="0"/>
+              <a:t>17/02/23</a:t>
+            </a:fld>
+            <a:endParaRPr lang="it-IT"/>
+          </a:p>
+        </p:txBody>
+      </p:sp>
+      <p:sp>
+        <p:nvSpPr>
+          <p:cNvPr id="4" name="Segnaposto immagine diapositiva 3"/>
+          <p:cNvSpPr>
+            <a:spLocks noGrp="1" noRot="1" noChangeAspect="1"/>
+          </p:cNvSpPr>
+          <p:nvPr>
+            <p:ph type="sldImg" idx="2"/>
+          </p:nvPr>
+        </p:nvSpPr>
+        <p:spPr>
+          <a:xfrm>
+            <a:off x="685800" y="1143000"/>
+            <a:ext cx="5486400" cy="3086100"/>
+          </a:xfrm>
+          <a:prstGeom prst="rect">
+            <a:avLst/>
+          </a:prstGeom>
+          <a:noFill/>
+          <a:ln w="12700">
+            <a:solidFill>
+              <a:prstClr val="black"/>
+            </a:solidFill>
+          </a:ln>
+        </p:spPr>
+        <p:txBody>
+          <a:bodyPr vert="horz" lIns="91440" tIns="45720" rIns="91440" bIns="45720" rtlCol="0" anchor="ctr"/>
+          <a:lstStyle/>
+          <a:p>
+            <a:endParaRPr lang="it-IT"/>
+          </a:p>
+        </p:txBody>
+      </p:sp>
+      <p:sp>
+        <p:nvSpPr>
+          <p:cNvPr id="5" name="Segnaposto note 4"/>
+          <p:cNvSpPr>
+            <a:spLocks noGrp="1"/>
+          </p:cNvSpPr>
+          <p:nvPr>
+            <p:ph type="body" sz="quarter" idx="3"/>
+          </p:nvPr>
+        </p:nvSpPr>
+        <p:spPr>
+          <a:xfrm>
+            <a:off x="685800" y="4400550"/>
+            <a:ext cx="5486400" cy="3600450"/>
+          </a:xfrm>
+          <a:prstGeom prst="rect">
+            <a:avLst/>
+          </a:prstGeom>
+        </p:spPr>
+        <p:txBody>
+          <a:bodyPr vert="horz" lIns="91440" tIns="45720" rIns="91440" bIns="45720" rtlCol="0"/>
+          <a:lstStyle/>
+          <a:p>
+            <a:pPr lvl="0"/>
+            <a:r>
+              <a:rPr lang="it-IT"/>
+              <a:t>Fare clic per modificare gli stili del testo dello schema</a:t>
+            </a:r>
+          </a:p>
+          <a:p>
+            <a:pPr lvl="1"/>
+            <a:r>
+              <a:rPr lang="it-IT"/>
+              <a:t>Secondo livello</a:t>
+            </a:r>
+          </a:p>
+          <a:p>
+            <a:pPr lvl="2"/>
+            <a:r>
+              <a:rPr lang="it-IT"/>
+              <a:t>Terzo livello</a:t>
+            </a:r>
+          </a:p>
+          <a:p>
+            <a:pPr lvl="3"/>
+            <a:r>
+              <a:rPr lang="it-IT"/>
+              <a:t>Quarto livello</a:t>
+            </a:r>
+          </a:p>
+          <a:p>
+            <a:pPr lvl="4"/>
+            <a:r>
+              <a:rPr lang="it-IT"/>
+              <a:t>Quinto livello</a:t>
+            </a:r>
+          </a:p>
+        </p:txBody>
+      </p:sp>
+      <p:sp>
+        <p:nvSpPr>
+          <p:cNvPr id="6" name="Segnaposto piè di pagina 5"/>
+          <p:cNvSpPr>
+            <a:spLocks noGrp="1"/>
+          </p:cNvSpPr>
+          <p:nvPr>
+            <p:ph type="ftr" sz="quarter" idx="4"/>
+          </p:nvPr>
+        </p:nvSpPr>
+        <p:spPr>
+          <a:xfrm>
+            <a:off x="0" y="8685213"/>
+            <a:ext cx="2971800" cy="458787"/>
+          </a:xfrm>
+          <a:prstGeom prst="rect">
+            <a:avLst/>
+          </a:prstGeom>
+        </p:spPr>
+        <p:txBody>
+          <a:bodyPr vert="horz" lIns="91440" tIns="45720" rIns="91440" bIns="45720" rtlCol="0" anchor="b"/>
+          <a:lstStyle>
+            <a:lvl1pPr algn="l">
+              <a:defRPr sz="1200"/>
+            </a:lvl1pPr>
+          </a:lstStyle>
+          <a:p>
+            <a:endParaRPr lang="it-IT"/>
+          </a:p>
+        </p:txBody>
+      </p:sp>
+      <p:sp>
+        <p:nvSpPr>
+          <p:cNvPr id="7" name="Segnaposto numero diapositiva 6"/>
+          <p:cNvSpPr>
+            <a:spLocks noGrp="1"/>
+          </p:cNvSpPr>
+          <p:nvPr>
+            <p:ph type="sldNum" sz="quarter" idx="5"/>
+          </p:nvPr>
+        </p:nvSpPr>
+        <p:spPr>
+          <a:xfrm>
+            <a:off x="3884613" y="8685213"/>
+            <a:ext cx="2971800" cy="458787"/>
+          </a:xfrm>
+          <a:prstGeom prst="rect">
+            <a:avLst/>
+          </a:prstGeom>
+        </p:spPr>
+        <p:txBody>
+          <a:bodyPr vert="horz" lIns="91440" tIns="45720" rIns="91440" bIns="45720" rtlCol="0" anchor="b"/>
+          <a:lstStyle>
+            <a:lvl1pPr algn="r">
+              <a:defRPr sz="1200"/>
+            </a:lvl1pPr>
+          </a:lstStyle>
+          <a:p>
+            <a:fld id="{8D1E843B-F973-2844-9E91-AF7FBEE10BDF}" type="slidenum">
+              <a:rPr lang="it-IT" smtClean="0"/>
+              <a:t>‹N›</a:t>
+            </a:fld>
+            <a:endParaRPr lang="it-IT"/>
+          </a:p>
+        </p:txBody>
+      </p:sp>
+    </p:spTree>
+    <p:extLst>
+      <p:ext uri="{BB962C8B-B14F-4D97-AF65-F5344CB8AC3E}">
+        <p14:creationId xmlns:p14="http://schemas.microsoft.com/office/powerpoint/2010/main" val="952675192"/>
+      </p:ext>
+    </p:extLst>
+  </p:cSld>
+  <p:clrMap bg1="lt1" tx1="dk1" bg2="lt2" tx2="dk2" accent1="accent1" accent2="accent2" accent3="accent3" accent4="accent4" accent5="accent5" accent6="accent6" hlink="hlink" folHlink="folHlink"/>
+  <p:notesStyle>
+    <a:lvl1pPr marL="0" algn="l" defTabSz="914400" rtl="0" eaLnBrk="1" latinLnBrk="0" hangingPunct="1">
+      <a:defRPr sz="1200" kern="1200">
+        <a:solidFill>
+          <a:schemeClr val="tx1"/>
+        </a:solidFill>
+        <a:latin typeface="+mn-lt"/>
+        <a:ea typeface="+mn-ea"/>
+        <a:cs typeface="+mn-cs"/>
+      </a:defRPr>
+    </a:lvl1pPr>
+    <a:lvl2pPr marL="457200" algn="l" defTabSz="914400" rtl="0" eaLnBrk="1" latinLnBrk="0" hangingPunct="1">
+      <a:defRPr sz="1200" kern="1200">
+        <a:solidFill>
+          <a:schemeClr val="tx1"/>
+        </a:solidFill>
+        <a:latin typeface="+mn-lt"/>
+        <a:ea typeface="+mn-ea"/>
+        <a:cs typeface="+mn-cs"/>
+      </a:defRPr>
+    </a:lvl2pPr>
+    <a:lvl3pPr marL="914400" algn="l" defTabSz="914400" rtl="0" eaLnBrk="1" latinLnBrk="0" hangingPunct="1">
+      <a:defRPr sz="1200" kern="1200">
+        <a:solidFill>
+          <a:schemeClr val="tx1"/>
+        </a:solidFill>
+        <a:latin typeface="+mn-lt"/>
+        <a:ea typeface="+mn-ea"/>
+        <a:cs typeface="+mn-cs"/>
+      </a:defRPr>
+    </a:lvl3pPr>
+    <a:lvl4pPr marL="1371600" algn="l" defTabSz="914400" rtl="0" eaLnBrk="1" latinLnBrk="0" hangingPunct="1">
+      <a:defRPr sz="1200" kern="1200">
+        <a:solidFill>
+          <a:schemeClr val="tx1"/>
+        </a:solidFill>
+        <a:latin typeface="+mn-lt"/>
+        <a:ea typeface="+mn-ea"/>
+        <a:cs typeface="+mn-cs"/>
+      </a:defRPr>
+    </a:lvl4pPr>
+    <a:lvl5pPr marL="1828800" algn="l" defTabSz="914400" rtl="0" eaLnBrk="1" latinLnBrk="0" hangingPunct="1">
+      <a:defRPr sz="1200" kern="1200">
+        <a:solidFill>
+          <a:schemeClr val="tx1"/>
+        </a:solidFill>
+        <a:latin typeface="+mn-lt"/>
+        <a:ea typeface="+mn-ea"/>
+        <a:cs typeface="+mn-cs"/>
+      </a:defRPr>
+    </a:lvl5pPr>
+    <a:lvl6pPr marL="2286000" algn="l" defTabSz="914400" rtl="0" eaLnBrk="1" latinLnBrk="0" hangingPunct="1">
+      <a:defRPr sz="1200" kern="1200">
+        <a:solidFill>
+          <a:schemeClr val="tx1"/>
+        </a:solidFill>
+        <a:latin typeface="+mn-lt"/>
+        <a:ea typeface="+mn-ea"/>
+        <a:cs typeface="+mn-cs"/>
+      </a:defRPr>
+    </a:lvl6pPr>
+    <a:lvl7pPr marL="2743200" algn="l" defTabSz="914400" rtl="0" eaLnBrk="1" latinLnBrk="0" hangingPunct="1">
+      <a:defRPr sz="1200" kern="1200">
+        <a:solidFill>
+          <a:schemeClr val="tx1"/>
+        </a:solidFill>
+        <a:latin typeface="+mn-lt"/>
+        <a:ea typeface="+mn-ea"/>
+        <a:cs typeface="+mn-cs"/>
+      </a:defRPr>
+    </a:lvl7pPr>
+    <a:lvl8pPr marL="3200400" algn="l" defTabSz="914400" rtl="0" eaLnBrk="1" latinLnBrk="0" hangingPunct="1">
+      <a:defRPr sz="1200" kern="1200">
+        <a:solidFill>
+          <a:schemeClr val="tx1"/>
+        </a:solidFill>
+        <a:latin typeface="+mn-lt"/>
+        <a:ea typeface="+mn-ea"/>
+        <a:cs typeface="+mn-cs"/>
+      </a:defRPr>
+    </a:lvl8pPr>
+    <a:lvl9pPr marL="3657600" algn="l" defTabSz="914400" rtl="0" eaLnBrk="1" latinLnBrk="0" hangingPunct="1">
+      <a:defRPr sz="1200" kern="1200">
+        <a:solidFill>
+          <a:schemeClr val="tx1"/>
+        </a:solidFill>
+        <a:latin typeface="+mn-lt"/>
+        <a:ea typeface="+mn-ea"/>
+        <a:cs typeface="+mn-cs"/>
+      </a:defRPr>
+    </a:lvl9pPr>
+  </p:notesStyle>
+</p:notesMaster>
+</file>
+
+<file path=ppt/notesSlides/notesSlide1.xml><?xml version="1.0" encoding="utf-8"?>
+<p:notes xmlns:a="http://schemas.openxmlformats.org/drawingml/2006/main" xmlns:r="http://schemas.openxmlformats.org/officeDocument/2006/relationships" xmlns:p="http://schemas.openxmlformats.org/presentationml/2006/main">
+  <p:cSld>
+    <p:spTree>
+      <p:nvGrpSpPr>
+        <p:cNvPr id="1" name=""/>
+        <p:cNvGrpSpPr/>
+        <p:nvPr/>
+      </p:nvGrpSpPr>
+      <p:grpSpPr>
+        <a:xfrm>
+          <a:off x="0" y="0"/>
+          <a:ext cx="0" cy="0"/>
+          <a:chOff x="0" y="0"/>
+          <a:chExt cx="0" cy="0"/>
+        </a:xfrm>
+      </p:grpSpPr>
+      <p:sp>
+        <p:nvSpPr>
+          <p:cNvPr id="2" name="Segnaposto immagine diapositiva 1"/>
+          <p:cNvSpPr>
+            <a:spLocks noGrp="1" noRot="1" noChangeAspect="1"/>
+          </p:cNvSpPr>
+          <p:nvPr>
+            <p:ph type="sldImg"/>
+          </p:nvPr>
+        </p:nvSpPr>
+        <p:spPr/>
+      </p:sp>
+      <p:sp>
+        <p:nvSpPr>
+          <p:cNvPr id="3" name="Segnaposto note 2"/>
+          <p:cNvSpPr>
+            <a:spLocks noGrp="1"/>
+          </p:cNvSpPr>
+          <p:nvPr>
+            <p:ph type="body" idx="1"/>
+          </p:nvPr>
+        </p:nvSpPr>
+        <p:spPr/>
+        <p:txBody>
+          <a:bodyPr/>
+          <a:lstStyle/>
+          <a:p>
+            <a:endParaRPr lang="it-IT" dirty="0"/>
+          </a:p>
+        </p:txBody>
+      </p:sp>
+      <p:sp>
+        <p:nvSpPr>
+          <p:cNvPr id="4" name="Segnaposto numero diapositiva 3"/>
+          <p:cNvSpPr>
+            <a:spLocks noGrp="1"/>
+          </p:cNvSpPr>
+          <p:nvPr>
+            <p:ph type="sldNum" sz="quarter" idx="5"/>
+          </p:nvPr>
+        </p:nvSpPr>
+        <p:spPr/>
+        <p:txBody>
+          <a:bodyPr/>
+          <a:lstStyle/>
+          <a:p>
+            <a:fld id="{C34BEB8D-A289-3F4D-9BDC-964FD6871EB5}" type="slidenum">
+              <a:rPr lang="it-IT" smtClean="0"/>
+              <a:t>1</a:t>
+            </a:fld>
+            <a:endParaRPr lang="it-IT"/>
+          </a:p>
+        </p:txBody>
+      </p:sp>
+    </p:spTree>
+    <p:extLst>
+      <p:ext uri="{BB962C8B-B14F-4D97-AF65-F5344CB8AC3E}">
+        <p14:creationId xmlns:p14="http://schemas.microsoft.com/office/powerpoint/2010/main" val="1483886084"/>
+      </p:ext>
+    </p:extLst>
+  </p:cSld>
+  <p:clrMapOvr>
+    <a:masterClrMapping/>
+  </p:clrMapOvr>
+</p:notes>
+</file>
+
 <file path=ppt/slideLayouts/slideLayout1.xml><?xml version="1.0" encoding="utf-8"?>
 <p:sldLayout xmlns:a="http://schemas.openxmlformats.org/drawingml/2006/main" xmlns:r="http://schemas.openxmlformats.org/officeDocument/2006/relationships" xmlns:p="http://schemas.openxmlformats.org/presentationml/2006/main" type="title" preserve="1">
   <p:cSld name="Diapositiva titolo">
@@ -328,7 +767,7 @@
           <a:p>
             <a:fld id="{68333F53-7B7C-4946-9435-3820CC995503}" type="datetimeFigureOut">
               <a:rPr lang="it-IT" smtClean="0"/>
-              <a:t>14/02/23</a:t>
+              <a:t>17/02/23</a:t>
             </a:fld>
             <a:endParaRPr lang="it-IT"/>
           </a:p>
@@ -526,7 +965,7 @@
           <a:p>
             <a:fld id="{68333F53-7B7C-4946-9435-3820CC995503}" type="datetimeFigureOut">
               <a:rPr lang="it-IT" smtClean="0"/>
-              <a:t>14/02/23</a:t>
+              <a:t>17/02/23</a:t>
             </a:fld>
             <a:endParaRPr lang="it-IT"/>
           </a:p>
@@ -734,7 +1173,7 @@
           <a:p>
             <a:fld id="{68333F53-7B7C-4946-9435-3820CC995503}" type="datetimeFigureOut">
               <a:rPr lang="it-IT" smtClean="0"/>
-              <a:t>14/02/23</a:t>
+              <a:t>17/02/23</a:t>
             </a:fld>
             <a:endParaRPr lang="it-IT"/>
           </a:p>
@@ -932,7 +1371,7 @@
           <a:p>
             <a:fld id="{68333F53-7B7C-4946-9435-3820CC995503}" type="datetimeFigureOut">
               <a:rPr lang="it-IT" smtClean="0"/>
-              <a:t>14/02/23</a:t>
+              <a:t>17/02/23</a:t>
             </a:fld>
             <a:endParaRPr lang="it-IT"/>
           </a:p>
@@ -1207,7 +1646,7 @@
           <a:p>
             <a:fld id="{68333F53-7B7C-4946-9435-3820CC995503}" type="datetimeFigureOut">
               <a:rPr lang="it-IT" smtClean="0"/>
-              <a:t>14/02/23</a:t>
+              <a:t>17/02/23</a:t>
             </a:fld>
             <a:endParaRPr lang="it-IT"/>
           </a:p>
@@ -1472,7 +1911,7 @@
           <a:p>
             <a:fld id="{68333F53-7B7C-4946-9435-3820CC995503}" type="datetimeFigureOut">
               <a:rPr lang="it-IT" smtClean="0"/>
-              <a:t>14/02/23</a:t>
+              <a:t>17/02/23</a:t>
             </a:fld>
             <a:endParaRPr lang="it-IT"/>
           </a:p>
@@ -1884,7 +2323,7 @@
           <a:p>
             <a:fld id="{68333F53-7B7C-4946-9435-3820CC995503}" type="datetimeFigureOut">
               <a:rPr lang="it-IT" smtClean="0"/>
-              <a:t>14/02/23</a:t>
+              <a:t>17/02/23</a:t>
             </a:fld>
             <a:endParaRPr lang="it-IT"/>
           </a:p>
@@ -2025,7 +2464,7 @@
           <a:p>
             <a:fld id="{68333F53-7B7C-4946-9435-3820CC995503}" type="datetimeFigureOut">
               <a:rPr lang="it-IT" smtClean="0"/>
-              <a:t>14/02/23</a:t>
+              <a:t>17/02/23</a:t>
             </a:fld>
             <a:endParaRPr lang="it-IT"/>
           </a:p>
@@ -2138,7 +2577,7 @@
           <a:p>
             <a:fld id="{68333F53-7B7C-4946-9435-3820CC995503}" type="datetimeFigureOut">
               <a:rPr lang="it-IT" smtClean="0"/>
-              <a:t>14/02/23</a:t>
+              <a:t>17/02/23</a:t>
             </a:fld>
             <a:endParaRPr lang="it-IT"/>
           </a:p>
@@ -2449,7 +2888,7 @@
           <a:p>
             <a:fld id="{68333F53-7B7C-4946-9435-3820CC995503}" type="datetimeFigureOut">
               <a:rPr lang="it-IT" smtClean="0"/>
-              <a:t>14/02/23</a:t>
+              <a:t>17/02/23</a:t>
             </a:fld>
             <a:endParaRPr lang="it-IT"/>
           </a:p>
@@ -2737,7 +3176,7 @@
           <a:p>
             <a:fld id="{68333F53-7B7C-4946-9435-3820CC995503}" type="datetimeFigureOut">
               <a:rPr lang="it-IT" smtClean="0"/>
-              <a:t>14/02/23</a:t>
+              <a:t>17/02/23</a:t>
             </a:fld>
             <a:endParaRPr lang="it-IT"/>
           </a:p>
@@ -2981,7 +3420,7 @@
           <a:p>
             <a:fld id="{68333F53-7B7C-4946-9435-3820CC995503}" type="datetimeFigureOut">
               <a:rPr lang="it-IT" smtClean="0"/>
-              <a:t>14/02/23</a:t>
+              <a:t>17/02/23</a:t>
             </a:fld>
             <a:endParaRPr lang="it-IT"/>
           </a:p>
@@ -3400,49 +3839,58 @@
       </p:grpSpPr>
       <p:sp>
         <p:nvSpPr>
-          <p:cNvPr id="5" name="CasellaDiTesto 4">
-            <a:extLst>
-              <a:ext uri="{FF2B5EF4-FFF2-40B4-BE49-F238E27FC236}">
-                <a16:creationId xmlns:a16="http://schemas.microsoft.com/office/drawing/2014/main" id="{BD8962F1-B732-9259-B4E8-C6D18B78160E}"/>
-              </a:ext>
-            </a:extLst>
-          </p:cNvPr>
-          <p:cNvSpPr txBox="1">
-            <a:spLocks/>
-          </p:cNvSpPr>
-          <p:nvPr/>
-        </p:nvSpPr>
-        <p:spPr>
-          <a:xfrm>
-            <a:off x="5677929" y="2613392"/>
-            <a:ext cx="836141" cy="1631216"/>
-          </a:xfrm>
-          <a:prstGeom prst="rect">
-            <a:avLst/>
-          </a:prstGeom>
-          <a:noFill/>
-        </p:spPr>
-        <p:txBody>
-          <a:bodyPr wrap="square" rtlCol="0">
-            <a:spAutoFit/>
-          </a:bodyPr>
+          <p:cNvPr id="2" name="Titolo 1">
+            <a:extLst>
+              <a:ext uri="{FF2B5EF4-FFF2-40B4-BE49-F238E27FC236}">
+                <a16:creationId xmlns:a16="http://schemas.microsoft.com/office/drawing/2014/main" id="{F87BCF18-1269-31A8-5462-DE3764673A96}"/>
+              </a:ext>
+            </a:extLst>
+          </p:cNvPr>
+          <p:cNvSpPr>
+            <a:spLocks noGrp="1"/>
+          </p:cNvSpPr>
+          <p:nvPr>
+            <p:ph type="title"/>
+          </p:nvPr>
+        </p:nvSpPr>
+        <p:spPr/>
+        <p:txBody>
+          <a:bodyPr/>
           <a:lstStyle/>
           <a:p>
-            <a:r>
-              <a:rPr lang="it-IT" sz="10000" b="1" dirty="0">
-                <a:solidFill>
-                  <a:schemeClr val="bg1"/>
-                </a:solidFill>
-              </a:rPr>
-              <a:t>+</a:t>
-            </a:r>
+            <a:endParaRPr lang="it-IT"/>
+          </a:p>
+        </p:txBody>
+      </p:sp>
+      <p:sp>
+        <p:nvSpPr>
+          <p:cNvPr id="3" name="Segnaposto contenuto 2">
+            <a:extLst>
+              <a:ext uri="{FF2B5EF4-FFF2-40B4-BE49-F238E27FC236}">
+                <a16:creationId xmlns:a16="http://schemas.microsoft.com/office/drawing/2014/main" id="{BA16E854-17D9-A48B-86A5-1D34B75A47BA}"/>
+              </a:ext>
+            </a:extLst>
+          </p:cNvPr>
+          <p:cNvSpPr>
+            <a:spLocks noGrp="1"/>
+          </p:cNvSpPr>
+          <p:nvPr>
+            <p:ph idx="1"/>
+          </p:nvPr>
+        </p:nvSpPr>
+        <p:spPr/>
+        <p:txBody>
+          <a:bodyPr/>
+          <a:lstStyle/>
+          <a:p>
+            <a:endParaRPr lang="it-IT"/>
           </a:p>
         </p:txBody>
       </p:sp>
     </p:spTree>
     <p:extLst>
       <p:ext uri="{BB962C8B-B14F-4D97-AF65-F5344CB8AC3E}">
-        <p14:creationId xmlns:p14="http://schemas.microsoft.com/office/powerpoint/2010/main" val="2057116570"/>
+        <p14:creationId xmlns:p14="http://schemas.microsoft.com/office/powerpoint/2010/main" val="2707177864"/>
       </p:ext>
     </p:extLst>
   </p:cSld>
@@ -3451,10 +3899,10 @@
   </p:clrMapOvr>
   <mc:AlternateContent xmlns:mc="http://schemas.openxmlformats.org/markup-compatibility/2006" xmlns:p14="http://schemas.microsoft.com/office/powerpoint/2010/main">
     <mc:Choice Requires="p14">
-      <p:transition p14:dur="10" advClick="0" advTm="5000"/>
+      <p:transition p14:dur="10" advTm="30000"/>
     </mc:Choice>
     <mc:Fallback xmlns="">
-      <p:transition advClick="0" advTm="5000"/>
+      <p:transition advTm="30000"/>
     </mc:Fallback>
   </mc:AlternateContent>
 </p:sld>
@@ -3477,52 +3925,63 @@
           <a:chExt cx="0" cy="0"/>
         </a:xfrm>
       </p:grpSpPr>
-      <p:pic>
-        <p:nvPicPr>
-          <p:cNvPr id="3" name="Immagine 2" descr="Immagine che contiene testo, uomo, fissando&#10;&#10;Descrizione generata automaticamente">
-            <a:extLst>
-              <a:ext uri="{FF2B5EF4-FFF2-40B4-BE49-F238E27FC236}">
-                <a16:creationId xmlns:a16="http://schemas.microsoft.com/office/drawing/2014/main" id="{7EFD96A6-EFD2-D9DD-0A9F-A68F4FE85887}"/>
-              </a:ext>
-            </a:extLst>
-          </p:cNvPr>
-          <p:cNvPicPr>
-            <a:picLocks noChangeAspect="1"/>
-          </p:cNvPicPr>
+      <p:sp>
+        <p:nvSpPr>
+          <p:cNvPr id="5" name="CasellaDiTesto 4">
+            <a:extLst>
+              <a:ext uri="{FF2B5EF4-FFF2-40B4-BE49-F238E27FC236}">
+                <a16:creationId xmlns:a16="http://schemas.microsoft.com/office/drawing/2014/main" id="{BD8962F1-B732-9259-B4E8-C6D18B78160E}"/>
+              </a:ext>
+            </a:extLst>
+          </p:cNvPr>
+          <p:cNvSpPr txBox="1">
+            <a:spLocks/>
+          </p:cNvSpPr>
           <p:nvPr/>
-        </p:nvPicPr>
-        <p:blipFill>
-          <a:blip r:embed="rId2"/>
-          <a:stretch>
-            <a:fillRect/>
-          </a:stretch>
-        </p:blipFill>
-        <p:spPr>
-          <a:xfrm>
-            <a:off x="4469023" y="1449000"/>
-            <a:ext cx="3253953" cy="3960000"/>
+        </p:nvSpPr>
+        <p:spPr>
+          <a:xfrm>
+            <a:off x="5677929" y="2613392"/>
+            <a:ext cx="836141" cy="1631216"/>
           </a:xfrm>
           <a:prstGeom prst="rect">
             <a:avLst/>
           </a:prstGeom>
-        </p:spPr>
-      </p:pic>
+          <a:noFill/>
+        </p:spPr>
+        <p:txBody>
+          <a:bodyPr wrap="square" rtlCol="0">
+            <a:spAutoFit/>
+          </a:bodyPr>
+          <a:lstStyle/>
+          <a:p>
+            <a:r>
+              <a:rPr lang="it-IT" sz="10000" b="1" dirty="0">
+                <a:solidFill>
+                  <a:schemeClr val="bg1"/>
+                </a:solidFill>
+              </a:rPr>
+              <a:t>+</a:t>
+            </a:r>
+          </a:p>
+        </p:txBody>
+      </p:sp>
     </p:spTree>
     <p:extLst>
       <p:ext uri="{BB962C8B-B14F-4D97-AF65-F5344CB8AC3E}">
-        <p14:creationId xmlns:p14="http://schemas.microsoft.com/office/powerpoint/2010/main" val="2829831225"/>
+        <p14:creationId xmlns:p14="http://schemas.microsoft.com/office/powerpoint/2010/main" val="2944098668"/>
       </p:ext>
     </p:extLst>
   </p:cSld>
   <p:clrMapOvr>
     <a:masterClrMapping/>
   </p:clrMapOvr>
-  <mc:AlternateContent xmlns:mc="http://schemas.openxmlformats.org/markup-compatibility/2006">
-    <mc:Choice xmlns:p14="http://schemas.microsoft.com/office/powerpoint/2010/main" Requires="p14">
-      <p:transition p14:dur="10" advClick="0" advTm="10000"/>
+  <mc:AlternateContent xmlns:mc="http://schemas.openxmlformats.org/markup-compatibility/2006" xmlns:p14="http://schemas.microsoft.com/office/powerpoint/2010/main">
+    <mc:Choice Requires="p14">
+      <p:transition p14:dur="10" advClick="0" advTm="5000"/>
     </mc:Choice>
-    <mc:Fallback>
-      <p:transition advClick="0" advTm="10000"/>
+    <mc:Fallback xmlns="">
+      <p:transition advClick="0" advTm="5000"/>
     </mc:Fallback>
   </mc:AlternateContent>
 </p:sld>
@@ -3545,51 +4004,40 @@
           <a:chExt cx="0" cy="0"/>
         </a:xfrm>
       </p:grpSpPr>
-      <p:sp>
-        <p:nvSpPr>
-          <p:cNvPr id="5" name="CasellaDiTesto 4">
-            <a:extLst>
-              <a:ext uri="{FF2B5EF4-FFF2-40B4-BE49-F238E27FC236}">
-                <a16:creationId xmlns:a16="http://schemas.microsoft.com/office/drawing/2014/main" id="{BD8962F1-B732-9259-B4E8-C6D18B78160E}"/>
-              </a:ext>
-            </a:extLst>
-          </p:cNvPr>
-          <p:cNvSpPr txBox="1">
-            <a:spLocks/>
-          </p:cNvSpPr>
+      <p:pic>
+        <p:nvPicPr>
+          <p:cNvPr id="3" name="Immagine 2" descr="Immagine che contiene testo, uomo, fissando&#10;&#10;Descrizione generata automaticamente">
+            <a:extLst>
+              <a:ext uri="{FF2B5EF4-FFF2-40B4-BE49-F238E27FC236}">
+                <a16:creationId xmlns:a16="http://schemas.microsoft.com/office/drawing/2014/main" id="{7EFD96A6-EFD2-D9DD-0A9F-A68F4FE85887}"/>
+              </a:ext>
+            </a:extLst>
+          </p:cNvPr>
+          <p:cNvPicPr>
+            <a:picLocks noChangeAspect="1"/>
+          </p:cNvPicPr>
           <p:nvPr/>
-        </p:nvSpPr>
-        <p:spPr>
-          <a:xfrm>
-            <a:off x="5677929" y="2613392"/>
-            <a:ext cx="836141" cy="1631216"/>
+        </p:nvPicPr>
+        <p:blipFill>
+          <a:blip r:embed="rId2"/>
+          <a:stretch>
+            <a:fillRect/>
+          </a:stretch>
+        </p:blipFill>
+        <p:spPr>
+          <a:xfrm>
+            <a:off x="4469023" y="1449000"/>
+            <a:ext cx="3253953" cy="3960000"/>
           </a:xfrm>
           <a:prstGeom prst="rect">
             <a:avLst/>
           </a:prstGeom>
-          <a:noFill/>
-        </p:spPr>
-        <p:txBody>
-          <a:bodyPr wrap="square" rtlCol="0">
-            <a:spAutoFit/>
-          </a:bodyPr>
-          <a:lstStyle/>
-          <a:p>
-            <a:r>
-              <a:rPr lang="it-IT" sz="10000" b="1" dirty="0">
-                <a:solidFill>
-                  <a:schemeClr val="bg1"/>
-                </a:solidFill>
-              </a:rPr>
-              <a:t>+</a:t>
-            </a:r>
-          </a:p>
-        </p:txBody>
-      </p:sp>
+        </p:spPr>
+      </p:pic>
     </p:spTree>
     <p:extLst>
       <p:ext uri="{BB962C8B-B14F-4D97-AF65-F5344CB8AC3E}">
-        <p14:creationId xmlns:p14="http://schemas.microsoft.com/office/powerpoint/2010/main" val="1664973281"/>
+        <p14:creationId xmlns:p14="http://schemas.microsoft.com/office/powerpoint/2010/main" val="2829831225"/>
       </p:ext>
     </p:extLst>
   </p:cSld>
@@ -3598,10 +4046,10 @@
   </p:clrMapOvr>
   <mc:AlternateContent xmlns:mc="http://schemas.openxmlformats.org/markup-compatibility/2006" xmlns:p14="http://schemas.microsoft.com/office/powerpoint/2010/main">
     <mc:Choice Requires="p14">
-      <p:transition p14:dur="10" advClick="0" advTm="5000"/>
+      <p:transition p14:dur="10" advClick="0" advTm="10000"/>
     </mc:Choice>
     <mc:Fallback xmlns="">
-      <p:transition advClick="0" advTm="5000"/>
+      <p:transition advClick="0" advTm="10000"/>
     </mc:Fallback>
   </mc:AlternateContent>
 </p:sld>
@@ -3624,52 +4072,63 @@
           <a:chExt cx="0" cy="0"/>
         </a:xfrm>
       </p:grpSpPr>
-      <p:pic>
-        <p:nvPicPr>
-          <p:cNvPr id="3" name="Immagine 2" descr="Immagine che contiene testo, uomo, primate, mammifero&#10;&#10;Descrizione generata automaticamente">
-            <a:extLst>
-              <a:ext uri="{FF2B5EF4-FFF2-40B4-BE49-F238E27FC236}">
-                <a16:creationId xmlns:a16="http://schemas.microsoft.com/office/drawing/2014/main" id="{0C036FCA-B572-3081-0776-8C95BAA291FF}"/>
-              </a:ext>
-            </a:extLst>
-          </p:cNvPr>
-          <p:cNvPicPr>
-            <a:picLocks noChangeAspect="1"/>
-          </p:cNvPicPr>
+      <p:sp>
+        <p:nvSpPr>
+          <p:cNvPr id="5" name="CasellaDiTesto 4">
+            <a:extLst>
+              <a:ext uri="{FF2B5EF4-FFF2-40B4-BE49-F238E27FC236}">
+                <a16:creationId xmlns:a16="http://schemas.microsoft.com/office/drawing/2014/main" id="{BD8962F1-B732-9259-B4E8-C6D18B78160E}"/>
+              </a:ext>
+            </a:extLst>
+          </p:cNvPr>
+          <p:cNvSpPr txBox="1">
+            <a:spLocks/>
+          </p:cNvSpPr>
           <p:nvPr/>
-        </p:nvPicPr>
-        <p:blipFill>
-          <a:blip r:embed="rId2"/>
-          <a:stretch>
-            <a:fillRect/>
-          </a:stretch>
-        </p:blipFill>
-        <p:spPr>
-          <a:xfrm>
-            <a:off x="4542461" y="1449000"/>
-            <a:ext cx="3107077" cy="3960000"/>
+        </p:nvSpPr>
+        <p:spPr>
+          <a:xfrm>
+            <a:off x="5677929" y="2613392"/>
+            <a:ext cx="836141" cy="1631216"/>
           </a:xfrm>
           <a:prstGeom prst="rect">
             <a:avLst/>
           </a:prstGeom>
-        </p:spPr>
-      </p:pic>
+          <a:noFill/>
+        </p:spPr>
+        <p:txBody>
+          <a:bodyPr wrap="square" rtlCol="0">
+            <a:spAutoFit/>
+          </a:bodyPr>
+          <a:lstStyle/>
+          <a:p>
+            <a:r>
+              <a:rPr lang="it-IT" sz="10000" b="1" dirty="0">
+                <a:solidFill>
+                  <a:schemeClr val="bg1"/>
+                </a:solidFill>
+              </a:rPr>
+              <a:t>+</a:t>
+            </a:r>
+          </a:p>
+        </p:txBody>
+      </p:sp>
     </p:spTree>
     <p:extLst>
       <p:ext uri="{BB962C8B-B14F-4D97-AF65-F5344CB8AC3E}">
-        <p14:creationId xmlns:p14="http://schemas.microsoft.com/office/powerpoint/2010/main" val="2283676748"/>
+        <p14:creationId xmlns:p14="http://schemas.microsoft.com/office/powerpoint/2010/main" val="1664973281"/>
       </p:ext>
     </p:extLst>
   </p:cSld>
   <p:clrMapOvr>
     <a:masterClrMapping/>
   </p:clrMapOvr>
-  <mc:AlternateContent xmlns:mc="http://schemas.openxmlformats.org/markup-compatibility/2006">
-    <mc:Choice xmlns:p14="http://schemas.microsoft.com/office/powerpoint/2010/main" Requires="p14">
-      <p:transition p14:dur="10" advClick="0" advTm="10000"/>
+  <mc:AlternateContent xmlns:mc="http://schemas.openxmlformats.org/markup-compatibility/2006" xmlns:p14="http://schemas.microsoft.com/office/powerpoint/2010/main">
+    <mc:Choice Requires="p14">
+      <p:transition p14:dur="10" advClick="0" advTm="5000"/>
     </mc:Choice>
-    <mc:Fallback>
-      <p:transition advClick="0" advTm="10000"/>
+    <mc:Fallback xmlns="">
+      <p:transition advClick="0" advTm="5000"/>
     </mc:Fallback>
   </mc:AlternateContent>
 </p:sld>
@@ -3692,51 +4151,40 @@
           <a:chExt cx="0" cy="0"/>
         </a:xfrm>
       </p:grpSpPr>
-      <p:sp>
-        <p:nvSpPr>
-          <p:cNvPr id="5" name="CasellaDiTesto 4">
-            <a:extLst>
-              <a:ext uri="{FF2B5EF4-FFF2-40B4-BE49-F238E27FC236}">
-                <a16:creationId xmlns:a16="http://schemas.microsoft.com/office/drawing/2014/main" id="{BD8962F1-B732-9259-B4E8-C6D18B78160E}"/>
-              </a:ext>
-            </a:extLst>
-          </p:cNvPr>
-          <p:cNvSpPr txBox="1">
-            <a:spLocks/>
-          </p:cNvSpPr>
+      <p:pic>
+        <p:nvPicPr>
+          <p:cNvPr id="3" name="Immagine 2" descr="Immagine che contiene testo, uomo, primate, mammifero&#10;&#10;Descrizione generata automaticamente">
+            <a:extLst>
+              <a:ext uri="{FF2B5EF4-FFF2-40B4-BE49-F238E27FC236}">
+                <a16:creationId xmlns:a16="http://schemas.microsoft.com/office/drawing/2014/main" id="{0C036FCA-B572-3081-0776-8C95BAA291FF}"/>
+              </a:ext>
+            </a:extLst>
+          </p:cNvPr>
+          <p:cNvPicPr>
+            <a:picLocks noChangeAspect="1"/>
+          </p:cNvPicPr>
           <p:nvPr/>
-        </p:nvSpPr>
-        <p:spPr>
-          <a:xfrm>
-            <a:off x="5677929" y="2613392"/>
-            <a:ext cx="836141" cy="1631216"/>
+        </p:nvPicPr>
+        <p:blipFill>
+          <a:blip r:embed="rId2"/>
+          <a:stretch>
+            <a:fillRect/>
+          </a:stretch>
+        </p:blipFill>
+        <p:spPr>
+          <a:xfrm>
+            <a:off x="4542461" y="1449000"/>
+            <a:ext cx="3107077" cy="3960000"/>
           </a:xfrm>
           <a:prstGeom prst="rect">
             <a:avLst/>
           </a:prstGeom>
-          <a:noFill/>
-        </p:spPr>
-        <p:txBody>
-          <a:bodyPr wrap="square" rtlCol="0">
-            <a:spAutoFit/>
-          </a:bodyPr>
-          <a:lstStyle/>
-          <a:p>
-            <a:r>
-              <a:rPr lang="it-IT" sz="10000" b="1" dirty="0">
-                <a:solidFill>
-                  <a:schemeClr val="bg1"/>
-                </a:solidFill>
-              </a:rPr>
-              <a:t>+</a:t>
-            </a:r>
-          </a:p>
-        </p:txBody>
-      </p:sp>
+        </p:spPr>
+      </p:pic>
     </p:spTree>
     <p:extLst>
       <p:ext uri="{BB962C8B-B14F-4D97-AF65-F5344CB8AC3E}">
-        <p14:creationId xmlns:p14="http://schemas.microsoft.com/office/powerpoint/2010/main" val="1030074804"/>
+        <p14:creationId xmlns:p14="http://schemas.microsoft.com/office/powerpoint/2010/main" val="2283676748"/>
       </p:ext>
     </p:extLst>
   </p:cSld>
@@ -3745,10 +4193,10 @@
   </p:clrMapOvr>
   <mc:AlternateContent xmlns:mc="http://schemas.openxmlformats.org/markup-compatibility/2006" xmlns:p14="http://schemas.microsoft.com/office/powerpoint/2010/main">
     <mc:Choice Requires="p14">
-      <p:transition p14:dur="10" advClick="0" advTm="5000"/>
+      <p:transition p14:dur="10" advClick="0" advTm="10000"/>
     </mc:Choice>
     <mc:Fallback xmlns="">
-      <p:transition advClick="0" advTm="5000"/>
+      <p:transition advClick="0" advTm="10000"/>
     </mc:Fallback>
   </mc:AlternateContent>
 </p:sld>
@@ -3771,52 +4219,63 @@
           <a:chExt cx="0" cy="0"/>
         </a:xfrm>
       </p:grpSpPr>
-      <p:pic>
-        <p:nvPicPr>
-          <p:cNvPr id="3" name="Immagine 2" descr="Immagine che contiene testo, uomo, persona, interni&#10;&#10;Descrizione generata automaticamente">
-            <a:extLst>
-              <a:ext uri="{FF2B5EF4-FFF2-40B4-BE49-F238E27FC236}">
-                <a16:creationId xmlns:a16="http://schemas.microsoft.com/office/drawing/2014/main" id="{50E155B5-E615-3378-BADC-6A8D28332CC4}"/>
-              </a:ext>
-            </a:extLst>
-          </p:cNvPr>
-          <p:cNvPicPr>
-            <a:picLocks noChangeAspect="1"/>
-          </p:cNvPicPr>
+      <p:sp>
+        <p:nvSpPr>
+          <p:cNvPr id="5" name="CasellaDiTesto 4">
+            <a:extLst>
+              <a:ext uri="{FF2B5EF4-FFF2-40B4-BE49-F238E27FC236}">
+                <a16:creationId xmlns:a16="http://schemas.microsoft.com/office/drawing/2014/main" id="{BD8962F1-B732-9259-B4E8-C6D18B78160E}"/>
+              </a:ext>
+            </a:extLst>
+          </p:cNvPr>
+          <p:cNvSpPr txBox="1">
+            <a:spLocks/>
+          </p:cNvSpPr>
           <p:nvPr/>
-        </p:nvPicPr>
-        <p:blipFill>
-          <a:blip r:embed="rId2"/>
-          <a:stretch>
-            <a:fillRect/>
-          </a:stretch>
-        </p:blipFill>
-        <p:spPr>
-          <a:xfrm>
-            <a:off x="4728857" y="1449000"/>
-            <a:ext cx="2734286" cy="3960000"/>
+        </p:nvSpPr>
+        <p:spPr>
+          <a:xfrm>
+            <a:off x="5677929" y="2613392"/>
+            <a:ext cx="836141" cy="1631216"/>
           </a:xfrm>
           <a:prstGeom prst="rect">
             <a:avLst/>
           </a:prstGeom>
-        </p:spPr>
-      </p:pic>
+          <a:noFill/>
+        </p:spPr>
+        <p:txBody>
+          <a:bodyPr wrap="square" rtlCol="0">
+            <a:spAutoFit/>
+          </a:bodyPr>
+          <a:lstStyle/>
+          <a:p>
+            <a:r>
+              <a:rPr lang="it-IT" sz="10000" b="1" dirty="0">
+                <a:solidFill>
+                  <a:schemeClr val="bg1"/>
+                </a:solidFill>
+              </a:rPr>
+              <a:t>+</a:t>
+            </a:r>
+          </a:p>
+        </p:txBody>
+      </p:sp>
     </p:spTree>
     <p:extLst>
       <p:ext uri="{BB962C8B-B14F-4D97-AF65-F5344CB8AC3E}">
-        <p14:creationId xmlns:p14="http://schemas.microsoft.com/office/powerpoint/2010/main" val="1317129944"/>
+        <p14:creationId xmlns:p14="http://schemas.microsoft.com/office/powerpoint/2010/main" val="1030074804"/>
       </p:ext>
     </p:extLst>
   </p:cSld>
   <p:clrMapOvr>
     <a:masterClrMapping/>
   </p:clrMapOvr>
-  <mc:AlternateContent xmlns:mc="http://schemas.openxmlformats.org/markup-compatibility/2006">
-    <mc:Choice xmlns:p14="http://schemas.microsoft.com/office/powerpoint/2010/main" Requires="p14">
-      <p:transition p14:dur="10" advClick="0" advTm="10000"/>
+  <mc:AlternateContent xmlns:mc="http://schemas.openxmlformats.org/markup-compatibility/2006" xmlns:p14="http://schemas.microsoft.com/office/powerpoint/2010/main">
+    <mc:Choice Requires="p14">
+      <p:transition p14:dur="10" advClick="0" advTm="5000"/>
     </mc:Choice>
-    <mc:Fallback>
-      <p:transition advClick="0" advTm="10000"/>
+    <mc:Fallback xmlns="">
+      <p:transition advClick="0" advTm="5000"/>
     </mc:Fallback>
   </mc:AlternateContent>
 </p:sld>
@@ -3839,51 +4298,40 @@
           <a:chExt cx="0" cy="0"/>
         </a:xfrm>
       </p:grpSpPr>
-      <p:sp>
-        <p:nvSpPr>
-          <p:cNvPr id="5" name="CasellaDiTesto 4">
-            <a:extLst>
-              <a:ext uri="{FF2B5EF4-FFF2-40B4-BE49-F238E27FC236}">
-                <a16:creationId xmlns:a16="http://schemas.microsoft.com/office/drawing/2014/main" id="{BD8962F1-B732-9259-B4E8-C6D18B78160E}"/>
-              </a:ext>
-            </a:extLst>
-          </p:cNvPr>
-          <p:cNvSpPr txBox="1">
-            <a:spLocks/>
-          </p:cNvSpPr>
+      <p:pic>
+        <p:nvPicPr>
+          <p:cNvPr id="3" name="Immagine 2" descr="Immagine che contiene testo, uomo, persona, interni&#10;&#10;Descrizione generata automaticamente">
+            <a:extLst>
+              <a:ext uri="{FF2B5EF4-FFF2-40B4-BE49-F238E27FC236}">
+                <a16:creationId xmlns:a16="http://schemas.microsoft.com/office/drawing/2014/main" id="{50E155B5-E615-3378-BADC-6A8D28332CC4}"/>
+              </a:ext>
+            </a:extLst>
+          </p:cNvPr>
+          <p:cNvPicPr>
+            <a:picLocks noChangeAspect="1"/>
+          </p:cNvPicPr>
           <p:nvPr/>
-        </p:nvSpPr>
-        <p:spPr>
-          <a:xfrm>
-            <a:off x="5677929" y="2613392"/>
-            <a:ext cx="836141" cy="1631216"/>
+        </p:nvPicPr>
+        <p:blipFill>
+          <a:blip r:embed="rId2"/>
+          <a:stretch>
+            <a:fillRect/>
+          </a:stretch>
+        </p:blipFill>
+        <p:spPr>
+          <a:xfrm>
+            <a:off x="4728857" y="1449000"/>
+            <a:ext cx="2734286" cy="3960000"/>
           </a:xfrm>
           <a:prstGeom prst="rect">
             <a:avLst/>
           </a:prstGeom>
-          <a:noFill/>
-        </p:spPr>
-        <p:txBody>
-          <a:bodyPr wrap="square" rtlCol="0">
-            <a:spAutoFit/>
-          </a:bodyPr>
-          <a:lstStyle/>
-          <a:p>
-            <a:r>
-              <a:rPr lang="it-IT" sz="10000" b="1" dirty="0">
-                <a:solidFill>
-                  <a:schemeClr val="bg1"/>
-                </a:solidFill>
-              </a:rPr>
-              <a:t>+</a:t>
-            </a:r>
-          </a:p>
-        </p:txBody>
-      </p:sp>
+        </p:spPr>
+      </p:pic>
     </p:spTree>
     <p:extLst>
       <p:ext uri="{BB962C8B-B14F-4D97-AF65-F5344CB8AC3E}">
-        <p14:creationId xmlns:p14="http://schemas.microsoft.com/office/powerpoint/2010/main" val="1910788294"/>
+        <p14:creationId xmlns:p14="http://schemas.microsoft.com/office/powerpoint/2010/main" val="1317129944"/>
       </p:ext>
     </p:extLst>
   </p:cSld>
@@ -3892,10 +4340,10 @@
   </p:clrMapOvr>
   <mc:AlternateContent xmlns:mc="http://schemas.openxmlformats.org/markup-compatibility/2006" xmlns:p14="http://schemas.microsoft.com/office/powerpoint/2010/main">
     <mc:Choice Requires="p14">
-      <p:transition p14:dur="10" advClick="0" advTm="5000"/>
+      <p:transition p14:dur="10" advClick="0" advTm="10000"/>
     </mc:Choice>
     <mc:Fallback xmlns="">
-      <p:transition advClick="0" advTm="5000"/>
+      <p:transition advClick="0" advTm="10000"/>
     </mc:Fallback>
   </mc:AlternateContent>
 </p:sld>
@@ -3918,52 +4366,63 @@
           <a:chExt cx="0" cy="0"/>
         </a:xfrm>
       </p:grpSpPr>
-      <p:pic>
-        <p:nvPicPr>
-          <p:cNvPr id="3" name="Immagine 2" descr="Immagine che contiene testo, uomo, primate, mammifero&#10;&#10;Descrizione generata automaticamente">
-            <a:extLst>
-              <a:ext uri="{FF2B5EF4-FFF2-40B4-BE49-F238E27FC236}">
-                <a16:creationId xmlns:a16="http://schemas.microsoft.com/office/drawing/2014/main" id="{149FF073-E05B-2B61-13AA-33497CC8BBBC}"/>
-              </a:ext>
-            </a:extLst>
-          </p:cNvPr>
-          <p:cNvPicPr>
-            <a:picLocks noChangeAspect="1"/>
-          </p:cNvPicPr>
+      <p:sp>
+        <p:nvSpPr>
+          <p:cNvPr id="5" name="CasellaDiTesto 4">
+            <a:extLst>
+              <a:ext uri="{FF2B5EF4-FFF2-40B4-BE49-F238E27FC236}">
+                <a16:creationId xmlns:a16="http://schemas.microsoft.com/office/drawing/2014/main" id="{BD8962F1-B732-9259-B4E8-C6D18B78160E}"/>
+              </a:ext>
+            </a:extLst>
+          </p:cNvPr>
+          <p:cNvSpPr txBox="1">
+            <a:spLocks/>
+          </p:cNvSpPr>
           <p:nvPr/>
-        </p:nvPicPr>
-        <p:blipFill>
-          <a:blip r:embed="rId2"/>
-          <a:stretch>
-            <a:fillRect/>
-          </a:stretch>
-        </p:blipFill>
-        <p:spPr>
-          <a:xfrm>
-            <a:off x="4588154" y="1449000"/>
-            <a:ext cx="3015692" cy="3960000"/>
+        </p:nvSpPr>
+        <p:spPr>
+          <a:xfrm>
+            <a:off x="5677929" y="2613392"/>
+            <a:ext cx="836141" cy="1631216"/>
           </a:xfrm>
           <a:prstGeom prst="rect">
             <a:avLst/>
           </a:prstGeom>
-        </p:spPr>
-      </p:pic>
+          <a:noFill/>
+        </p:spPr>
+        <p:txBody>
+          <a:bodyPr wrap="square" rtlCol="0">
+            <a:spAutoFit/>
+          </a:bodyPr>
+          <a:lstStyle/>
+          <a:p>
+            <a:r>
+              <a:rPr lang="it-IT" sz="10000" b="1" dirty="0">
+                <a:solidFill>
+                  <a:schemeClr val="bg1"/>
+                </a:solidFill>
+              </a:rPr>
+              <a:t>+</a:t>
+            </a:r>
+          </a:p>
+        </p:txBody>
+      </p:sp>
     </p:spTree>
     <p:extLst>
       <p:ext uri="{BB962C8B-B14F-4D97-AF65-F5344CB8AC3E}">
-        <p14:creationId xmlns:p14="http://schemas.microsoft.com/office/powerpoint/2010/main" val="1518515017"/>
+        <p14:creationId xmlns:p14="http://schemas.microsoft.com/office/powerpoint/2010/main" val="1910788294"/>
       </p:ext>
     </p:extLst>
   </p:cSld>
   <p:clrMapOvr>
     <a:masterClrMapping/>
   </p:clrMapOvr>
-  <mc:AlternateContent xmlns:mc="http://schemas.openxmlformats.org/markup-compatibility/2006">
-    <mc:Choice xmlns:p14="http://schemas.microsoft.com/office/powerpoint/2010/main" Requires="p14">
-      <p:transition p14:dur="10" advClick="0" advTm="10000"/>
+  <mc:AlternateContent xmlns:mc="http://schemas.openxmlformats.org/markup-compatibility/2006" xmlns:p14="http://schemas.microsoft.com/office/powerpoint/2010/main">
+    <mc:Choice Requires="p14">
+      <p:transition p14:dur="10" advClick="0" advTm="5000"/>
     </mc:Choice>
-    <mc:Fallback>
-      <p:transition advClick="0" advTm="10000"/>
+    <mc:Fallback xmlns="">
+      <p:transition advClick="0" advTm="5000"/>
     </mc:Fallback>
   </mc:AlternateContent>
 </p:sld>
@@ -3986,51 +4445,40 @@
           <a:chExt cx="0" cy="0"/>
         </a:xfrm>
       </p:grpSpPr>
-      <p:sp>
-        <p:nvSpPr>
-          <p:cNvPr id="5" name="CasellaDiTesto 4">
-            <a:extLst>
-              <a:ext uri="{FF2B5EF4-FFF2-40B4-BE49-F238E27FC236}">
-                <a16:creationId xmlns:a16="http://schemas.microsoft.com/office/drawing/2014/main" id="{BD8962F1-B732-9259-B4E8-C6D18B78160E}"/>
-              </a:ext>
-            </a:extLst>
-          </p:cNvPr>
-          <p:cNvSpPr txBox="1">
-            <a:spLocks/>
-          </p:cNvSpPr>
+      <p:pic>
+        <p:nvPicPr>
+          <p:cNvPr id="3" name="Immagine 2" descr="Immagine che contiene testo, uomo, primate, mammifero&#10;&#10;Descrizione generata automaticamente">
+            <a:extLst>
+              <a:ext uri="{FF2B5EF4-FFF2-40B4-BE49-F238E27FC236}">
+                <a16:creationId xmlns:a16="http://schemas.microsoft.com/office/drawing/2014/main" id="{149FF073-E05B-2B61-13AA-33497CC8BBBC}"/>
+              </a:ext>
+            </a:extLst>
+          </p:cNvPr>
+          <p:cNvPicPr>
+            <a:picLocks noChangeAspect="1"/>
+          </p:cNvPicPr>
           <p:nvPr/>
-        </p:nvSpPr>
-        <p:spPr>
-          <a:xfrm>
-            <a:off x="5677929" y="2613392"/>
-            <a:ext cx="836141" cy="1631216"/>
+        </p:nvPicPr>
+        <p:blipFill>
+          <a:blip r:embed="rId2"/>
+          <a:stretch>
+            <a:fillRect/>
+          </a:stretch>
+        </p:blipFill>
+        <p:spPr>
+          <a:xfrm>
+            <a:off x="4588154" y="1449000"/>
+            <a:ext cx="3015692" cy="3960000"/>
           </a:xfrm>
           <a:prstGeom prst="rect">
             <a:avLst/>
           </a:prstGeom>
-          <a:noFill/>
-        </p:spPr>
-        <p:txBody>
-          <a:bodyPr wrap="square" rtlCol="0">
-            <a:spAutoFit/>
-          </a:bodyPr>
-          <a:lstStyle/>
-          <a:p>
-            <a:r>
-              <a:rPr lang="it-IT" sz="10000" b="1" dirty="0">
-                <a:solidFill>
-                  <a:schemeClr val="bg1"/>
-                </a:solidFill>
-              </a:rPr>
-              <a:t>+</a:t>
-            </a:r>
-          </a:p>
-        </p:txBody>
-      </p:sp>
+        </p:spPr>
+      </p:pic>
     </p:spTree>
     <p:extLst>
       <p:ext uri="{BB962C8B-B14F-4D97-AF65-F5344CB8AC3E}">
-        <p14:creationId xmlns:p14="http://schemas.microsoft.com/office/powerpoint/2010/main" val="3329205686"/>
+        <p14:creationId xmlns:p14="http://schemas.microsoft.com/office/powerpoint/2010/main" val="1518515017"/>
       </p:ext>
     </p:extLst>
   </p:cSld>
@@ -4039,10 +4487,10 @@
   </p:clrMapOvr>
   <mc:AlternateContent xmlns:mc="http://schemas.openxmlformats.org/markup-compatibility/2006" xmlns:p14="http://schemas.microsoft.com/office/powerpoint/2010/main">
     <mc:Choice Requires="p14">
-      <p:transition p14:dur="10" advClick="0" advTm="5000"/>
+      <p:transition p14:dur="10" advClick="0" advTm="10000"/>
     </mc:Choice>
     <mc:Fallback xmlns="">
-      <p:transition advClick="0" advTm="5000"/>
+      <p:transition advClick="0" advTm="10000"/>
     </mc:Fallback>
   </mc:AlternateContent>
 </p:sld>
@@ -4065,52 +4513,63 @@
           <a:chExt cx="0" cy="0"/>
         </a:xfrm>
       </p:grpSpPr>
-      <p:pic>
-        <p:nvPicPr>
-          <p:cNvPr id="3" name="Immagine 2" descr="Immagine che contiene testo, uomo, vecchio&#10;&#10;Descrizione generata automaticamente">
-            <a:extLst>
-              <a:ext uri="{FF2B5EF4-FFF2-40B4-BE49-F238E27FC236}">
-                <a16:creationId xmlns:a16="http://schemas.microsoft.com/office/drawing/2014/main" id="{8DD45351-5188-9ADE-8E5B-28B53FCBD450}"/>
-              </a:ext>
-            </a:extLst>
-          </p:cNvPr>
-          <p:cNvPicPr>
-            <a:picLocks noChangeAspect="1"/>
-          </p:cNvPicPr>
+      <p:sp>
+        <p:nvSpPr>
+          <p:cNvPr id="5" name="CasellaDiTesto 4">
+            <a:extLst>
+              <a:ext uri="{FF2B5EF4-FFF2-40B4-BE49-F238E27FC236}">
+                <a16:creationId xmlns:a16="http://schemas.microsoft.com/office/drawing/2014/main" id="{BD8962F1-B732-9259-B4E8-C6D18B78160E}"/>
+              </a:ext>
+            </a:extLst>
+          </p:cNvPr>
+          <p:cNvSpPr txBox="1">
+            <a:spLocks/>
+          </p:cNvSpPr>
           <p:nvPr/>
-        </p:nvPicPr>
-        <p:blipFill>
-          <a:blip r:embed="rId2"/>
-          <a:stretch>
-            <a:fillRect/>
-          </a:stretch>
-        </p:blipFill>
-        <p:spPr>
-          <a:xfrm>
-            <a:off x="4564594" y="1449000"/>
-            <a:ext cx="3062812" cy="3960000"/>
+        </p:nvSpPr>
+        <p:spPr>
+          <a:xfrm>
+            <a:off x="5677929" y="2613392"/>
+            <a:ext cx="836141" cy="1631216"/>
           </a:xfrm>
           <a:prstGeom prst="rect">
             <a:avLst/>
           </a:prstGeom>
-        </p:spPr>
-      </p:pic>
+          <a:noFill/>
+        </p:spPr>
+        <p:txBody>
+          <a:bodyPr wrap="square" rtlCol="0">
+            <a:spAutoFit/>
+          </a:bodyPr>
+          <a:lstStyle/>
+          <a:p>
+            <a:r>
+              <a:rPr lang="it-IT" sz="10000" b="1" dirty="0">
+                <a:solidFill>
+                  <a:schemeClr val="bg1"/>
+                </a:solidFill>
+              </a:rPr>
+              <a:t>+</a:t>
+            </a:r>
+          </a:p>
+        </p:txBody>
+      </p:sp>
     </p:spTree>
     <p:extLst>
       <p:ext uri="{BB962C8B-B14F-4D97-AF65-F5344CB8AC3E}">
-        <p14:creationId xmlns:p14="http://schemas.microsoft.com/office/powerpoint/2010/main" val="3235848986"/>
+        <p14:creationId xmlns:p14="http://schemas.microsoft.com/office/powerpoint/2010/main" val="3329205686"/>
       </p:ext>
     </p:extLst>
   </p:cSld>
   <p:clrMapOvr>
     <a:masterClrMapping/>
   </p:clrMapOvr>
-  <mc:AlternateContent xmlns:mc="http://schemas.openxmlformats.org/markup-compatibility/2006">
-    <mc:Choice xmlns:p14="http://schemas.microsoft.com/office/powerpoint/2010/main" Requires="p14">
-      <p:transition p14:dur="10" advClick="0" advTm="10000"/>
+  <mc:AlternateContent xmlns:mc="http://schemas.openxmlformats.org/markup-compatibility/2006" xmlns:p14="http://schemas.microsoft.com/office/powerpoint/2010/main">
+    <mc:Choice Requires="p14">
+      <p:transition p14:dur="10" advClick="0" advTm="5000"/>
     </mc:Choice>
-    <mc:Fallback>
-      <p:transition advClick="0" advTm="10000"/>
+    <mc:Fallback xmlns="">
+      <p:transition advClick="0" advTm="5000"/>
     </mc:Fallback>
   </mc:AlternateContent>
 </p:sld>
@@ -4133,51 +4592,40 @@
           <a:chExt cx="0" cy="0"/>
         </a:xfrm>
       </p:grpSpPr>
-      <p:sp>
-        <p:nvSpPr>
-          <p:cNvPr id="5" name="CasellaDiTesto 4">
-            <a:extLst>
-              <a:ext uri="{FF2B5EF4-FFF2-40B4-BE49-F238E27FC236}">
-                <a16:creationId xmlns:a16="http://schemas.microsoft.com/office/drawing/2014/main" id="{BD8962F1-B732-9259-B4E8-C6D18B78160E}"/>
-              </a:ext>
-            </a:extLst>
-          </p:cNvPr>
-          <p:cNvSpPr txBox="1">
-            <a:spLocks/>
-          </p:cNvSpPr>
+      <p:pic>
+        <p:nvPicPr>
+          <p:cNvPr id="3" name="Immagine 2" descr="Immagine che contiene testo, uomo, vecchio&#10;&#10;Descrizione generata automaticamente">
+            <a:extLst>
+              <a:ext uri="{FF2B5EF4-FFF2-40B4-BE49-F238E27FC236}">
+                <a16:creationId xmlns:a16="http://schemas.microsoft.com/office/drawing/2014/main" id="{8DD45351-5188-9ADE-8E5B-28B53FCBD450}"/>
+              </a:ext>
+            </a:extLst>
+          </p:cNvPr>
+          <p:cNvPicPr>
+            <a:picLocks noChangeAspect="1"/>
+          </p:cNvPicPr>
           <p:nvPr/>
-        </p:nvSpPr>
-        <p:spPr>
-          <a:xfrm>
-            <a:off x="5677929" y="2613392"/>
-            <a:ext cx="836141" cy="1631216"/>
+        </p:nvPicPr>
+        <p:blipFill>
+          <a:blip r:embed="rId2"/>
+          <a:stretch>
+            <a:fillRect/>
+          </a:stretch>
+        </p:blipFill>
+        <p:spPr>
+          <a:xfrm>
+            <a:off x="4564594" y="1449000"/>
+            <a:ext cx="3062812" cy="3960000"/>
           </a:xfrm>
           <a:prstGeom prst="rect">
             <a:avLst/>
           </a:prstGeom>
-          <a:noFill/>
-        </p:spPr>
-        <p:txBody>
-          <a:bodyPr wrap="square" rtlCol="0">
-            <a:spAutoFit/>
-          </a:bodyPr>
-          <a:lstStyle/>
-          <a:p>
-            <a:r>
-              <a:rPr lang="it-IT" sz="10000" b="1" dirty="0">
-                <a:solidFill>
-                  <a:schemeClr val="bg1"/>
-                </a:solidFill>
-              </a:rPr>
-              <a:t>+</a:t>
-            </a:r>
-          </a:p>
-        </p:txBody>
-      </p:sp>
+        </p:spPr>
+      </p:pic>
     </p:spTree>
     <p:extLst>
       <p:ext uri="{BB962C8B-B14F-4D97-AF65-F5344CB8AC3E}">
-        <p14:creationId xmlns:p14="http://schemas.microsoft.com/office/powerpoint/2010/main" val="235731913"/>
+        <p14:creationId xmlns:p14="http://schemas.microsoft.com/office/powerpoint/2010/main" val="3235848986"/>
       </p:ext>
     </p:extLst>
   </p:cSld>
@@ -4186,10 +4634,10 @@
   </p:clrMapOvr>
   <mc:AlternateContent xmlns:mc="http://schemas.openxmlformats.org/markup-compatibility/2006" xmlns:p14="http://schemas.microsoft.com/office/powerpoint/2010/main">
     <mc:Choice Requires="p14">
-      <p:transition p14:dur="10" advClick="0" advTm="5000"/>
+      <p:transition p14:dur="10" advClick="0" advTm="10000"/>
     </mc:Choice>
     <mc:Fallback xmlns="">
-      <p:transition advClick="0" advTm="5000"/>
+      <p:transition advClick="0" advTm="10000"/>
     </mc:Fallback>
   </mc:AlternateContent>
 </p:sld>
@@ -4212,52 +4660,63 @@
           <a:chExt cx="0" cy="0"/>
         </a:xfrm>
       </p:grpSpPr>
-      <p:pic>
-        <p:nvPicPr>
-          <p:cNvPr id="3" name="Immagine 2" descr="Immagine che contiene testo, uomo&#10;&#10;Descrizione generata automaticamente">
-            <a:extLst>
-              <a:ext uri="{FF2B5EF4-FFF2-40B4-BE49-F238E27FC236}">
-                <a16:creationId xmlns:a16="http://schemas.microsoft.com/office/drawing/2014/main" id="{8B976846-25D3-377E-A672-00FCC1C87556}"/>
-              </a:ext>
-            </a:extLst>
-          </p:cNvPr>
-          <p:cNvPicPr>
-            <a:picLocks noChangeAspect="1"/>
-          </p:cNvPicPr>
+      <p:sp>
+        <p:nvSpPr>
+          <p:cNvPr id="5" name="CasellaDiTesto 4">
+            <a:extLst>
+              <a:ext uri="{FF2B5EF4-FFF2-40B4-BE49-F238E27FC236}">
+                <a16:creationId xmlns:a16="http://schemas.microsoft.com/office/drawing/2014/main" id="{BD8962F1-B732-9259-B4E8-C6D18B78160E}"/>
+              </a:ext>
+            </a:extLst>
+          </p:cNvPr>
+          <p:cNvSpPr txBox="1">
+            <a:spLocks/>
+          </p:cNvSpPr>
           <p:nvPr/>
-        </p:nvPicPr>
-        <p:blipFill>
-          <a:blip r:embed="rId2"/>
-          <a:stretch>
-            <a:fillRect/>
-          </a:stretch>
-        </p:blipFill>
-        <p:spPr>
-          <a:xfrm>
-            <a:off x="4591814" y="1449000"/>
-            <a:ext cx="3008372" cy="3960000"/>
+        </p:nvSpPr>
+        <p:spPr>
+          <a:xfrm>
+            <a:off x="5677929" y="2613392"/>
+            <a:ext cx="836141" cy="1631216"/>
           </a:xfrm>
           <a:prstGeom prst="rect">
             <a:avLst/>
           </a:prstGeom>
-        </p:spPr>
-      </p:pic>
+          <a:noFill/>
+        </p:spPr>
+        <p:txBody>
+          <a:bodyPr wrap="square" rtlCol="0">
+            <a:spAutoFit/>
+          </a:bodyPr>
+          <a:lstStyle/>
+          <a:p>
+            <a:r>
+              <a:rPr lang="it-IT" sz="10000" b="1" dirty="0">
+                <a:solidFill>
+                  <a:schemeClr val="bg1"/>
+                </a:solidFill>
+              </a:rPr>
+              <a:t>+</a:t>
+            </a:r>
+          </a:p>
+        </p:txBody>
+      </p:sp>
     </p:spTree>
     <p:extLst>
       <p:ext uri="{BB962C8B-B14F-4D97-AF65-F5344CB8AC3E}">
-        <p14:creationId xmlns:p14="http://schemas.microsoft.com/office/powerpoint/2010/main" val="4035739598"/>
+        <p14:creationId xmlns:p14="http://schemas.microsoft.com/office/powerpoint/2010/main" val="2057116570"/>
       </p:ext>
     </p:extLst>
   </p:cSld>
   <p:clrMapOvr>
     <a:masterClrMapping/>
   </p:clrMapOvr>
-  <mc:AlternateContent xmlns:mc="http://schemas.openxmlformats.org/markup-compatibility/2006">
-    <mc:Choice xmlns:p14="http://schemas.microsoft.com/office/powerpoint/2010/main" Requires="p14">
-      <p:transition p14:dur="10" advClick="0" advTm="10000"/>
+  <mc:AlternateContent xmlns:mc="http://schemas.openxmlformats.org/markup-compatibility/2006" xmlns:p14="http://schemas.microsoft.com/office/powerpoint/2010/main">
+    <mc:Choice Requires="p14">
+      <p:transition p14:dur="10" advClick="0" advTm="5000"/>
     </mc:Choice>
-    <mc:Fallback>
-      <p:transition advClick="0" advTm="10000"/>
+    <mc:Fallback xmlns="">
+      <p:transition advClick="0" advTm="5000"/>
     </mc:Fallback>
   </mc:AlternateContent>
 </p:sld>
@@ -4280,52 +4739,63 @@
           <a:chExt cx="0" cy="0"/>
         </a:xfrm>
       </p:grpSpPr>
-      <p:pic>
-        <p:nvPicPr>
-          <p:cNvPr id="3" name="Immagine 2" descr="Immagine che contiene testo, uomo&#10;&#10;Descrizione generata automaticamente">
-            <a:extLst>
-              <a:ext uri="{FF2B5EF4-FFF2-40B4-BE49-F238E27FC236}">
-                <a16:creationId xmlns:a16="http://schemas.microsoft.com/office/drawing/2014/main" id="{8B976846-25D3-377E-A672-00FCC1C87556}"/>
-              </a:ext>
-            </a:extLst>
-          </p:cNvPr>
-          <p:cNvPicPr>
-            <a:picLocks noChangeAspect="1"/>
-          </p:cNvPicPr>
+      <p:sp>
+        <p:nvSpPr>
+          <p:cNvPr id="5" name="CasellaDiTesto 4">
+            <a:extLst>
+              <a:ext uri="{FF2B5EF4-FFF2-40B4-BE49-F238E27FC236}">
+                <a16:creationId xmlns:a16="http://schemas.microsoft.com/office/drawing/2014/main" id="{BD8962F1-B732-9259-B4E8-C6D18B78160E}"/>
+              </a:ext>
+            </a:extLst>
+          </p:cNvPr>
+          <p:cNvSpPr txBox="1">
+            <a:spLocks/>
+          </p:cNvSpPr>
           <p:nvPr/>
-        </p:nvPicPr>
-        <p:blipFill>
-          <a:blip r:embed="rId2"/>
-          <a:stretch>
-            <a:fillRect/>
-          </a:stretch>
-        </p:blipFill>
-        <p:spPr>
-          <a:xfrm>
-            <a:off x="4591814" y="1449000"/>
-            <a:ext cx="3008372" cy="3960000"/>
+        </p:nvSpPr>
+        <p:spPr>
+          <a:xfrm>
+            <a:off x="5677929" y="2613392"/>
+            <a:ext cx="836141" cy="1631216"/>
           </a:xfrm>
           <a:prstGeom prst="rect">
             <a:avLst/>
           </a:prstGeom>
-        </p:spPr>
-      </p:pic>
+          <a:noFill/>
+        </p:spPr>
+        <p:txBody>
+          <a:bodyPr wrap="square" rtlCol="0">
+            <a:spAutoFit/>
+          </a:bodyPr>
+          <a:lstStyle/>
+          <a:p>
+            <a:r>
+              <a:rPr lang="it-IT" sz="10000" b="1" dirty="0">
+                <a:solidFill>
+                  <a:schemeClr val="bg1"/>
+                </a:solidFill>
+              </a:rPr>
+              <a:t>+</a:t>
+            </a:r>
+          </a:p>
+        </p:txBody>
+      </p:sp>
     </p:spTree>
     <p:extLst>
       <p:ext uri="{BB962C8B-B14F-4D97-AF65-F5344CB8AC3E}">
-        <p14:creationId xmlns:p14="http://schemas.microsoft.com/office/powerpoint/2010/main" val="1407154518"/>
+        <p14:creationId xmlns:p14="http://schemas.microsoft.com/office/powerpoint/2010/main" val="235731913"/>
       </p:ext>
     </p:extLst>
   </p:cSld>
   <p:clrMapOvr>
     <a:masterClrMapping/>
   </p:clrMapOvr>
-  <mc:AlternateContent xmlns:mc="http://schemas.openxmlformats.org/markup-compatibility/2006">
-    <mc:Choice xmlns:p14="http://schemas.microsoft.com/office/powerpoint/2010/main" Requires="p14">
-      <p:transition p14:dur="10" advClick="0" advTm="10000"/>
+  <mc:AlternateContent xmlns:mc="http://schemas.openxmlformats.org/markup-compatibility/2006" xmlns:p14="http://schemas.microsoft.com/office/powerpoint/2010/main">
+    <mc:Choice Requires="p14">
+      <p:transition p14:dur="10" advClick="0" advTm="5000"/>
     </mc:Choice>
-    <mc:Fallback>
-      <p:transition advClick="0" advTm="10000"/>
+    <mc:Fallback xmlns="">
+      <p:transition advClick="0" advTm="5000"/>
     </mc:Fallback>
   </mc:AlternateContent>
 </p:sld>
@@ -4348,51 +4818,40 @@
           <a:chExt cx="0" cy="0"/>
         </a:xfrm>
       </p:grpSpPr>
-      <p:sp>
-        <p:nvSpPr>
-          <p:cNvPr id="5" name="CasellaDiTesto 4">
-            <a:extLst>
-              <a:ext uri="{FF2B5EF4-FFF2-40B4-BE49-F238E27FC236}">
-                <a16:creationId xmlns:a16="http://schemas.microsoft.com/office/drawing/2014/main" id="{BD8962F1-B732-9259-B4E8-C6D18B78160E}"/>
-              </a:ext>
-            </a:extLst>
-          </p:cNvPr>
-          <p:cNvSpPr txBox="1">
-            <a:spLocks/>
-          </p:cNvSpPr>
+      <p:pic>
+        <p:nvPicPr>
+          <p:cNvPr id="3" name="Immagine 2" descr="Immagine che contiene testo, uomo&#10;&#10;Descrizione generata automaticamente">
+            <a:extLst>
+              <a:ext uri="{FF2B5EF4-FFF2-40B4-BE49-F238E27FC236}">
+                <a16:creationId xmlns:a16="http://schemas.microsoft.com/office/drawing/2014/main" id="{8B976846-25D3-377E-A672-00FCC1C87556}"/>
+              </a:ext>
+            </a:extLst>
+          </p:cNvPr>
+          <p:cNvPicPr>
+            <a:picLocks noChangeAspect="1"/>
+          </p:cNvPicPr>
           <p:nvPr/>
-        </p:nvSpPr>
-        <p:spPr>
-          <a:xfrm>
-            <a:off x="5677929" y="2613392"/>
-            <a:ext cx="836141" cy="1631216"/>
+        </p:nvPicPr>
+        <p:blipFill>
+          <a:blip r:embed="rId2"/>
+          <a:stretch>
+            <a:fillRect/>
+          </a:stretch>
+        </p:blipFill>
+        <p:spPr>
+          <a:xfrm>
+            <a:off x="4591814" y="1449000"/>
+            <a:ext cx="3008372" cy="3960000"/>
           </a:xfrm>
           <a:prstGeom prst="rect">
             <a:avLst/>
           </a:prstGeom>
-          <a:noFill/>
-        </p:spPr>
-        <p:txBody>
-          <a:bodyPr wrap="square" rtlCol="0">
-            <a:spAutoFit/>
-          </a:bodyPr>
-          <a:lstStyle/>
-          <a:p>
-            <a:r>
-              <a:rPr lang="it-IT" sz="10000" b="1" dirty="0">
-                <a:solidFill>
-                  <a:schemeClr val="bg1"/>
-                </a:solidFill>
-              </a:rPr>
-              <a:t>+</a:t>
-            </a:r>
-          </a:p>
-        </p:txBody>
-      </p:sp>
+        </p:spPr>
+      </p:pic>
     </p:spTree>
     <p:extLst>
       <p:ext uri="{BB962C8B-B14F-4D97-AF65-F5344CB8AC3E}">
-        <p14:creationId xmlns:p14="http://schemas.microsoft.com/office/powerpoint/2010/main" val="635268400"/>
+        <p14:creationId xmlns:p14="http://schemas.microsoft.com/office/powerpoint/2010/main" val="1407154518"/>
       </p:ext>
     </p:extLst>
   </p:cSld>
@@ -4401,10 +4860,10 @@
   </p:clrMapOvr>
   <mc:AlternateContent xmlns:mc="http://schemas.openxmlformats.org/markup-compatibility/2006" xmlns:p14="http://schemas.microsoft.com/office/powerpoint/2010/main">
     <mc:Choice Requires="p14">
-      <p:transition p14:dur="10" advClick="0" advTm="5000"/>
+      <p:transition p14:dur="10" advClick="0" advTm="10000"/>
     </mc:Choice>
     <mc:Fallback xmlns="">
-      <p:transition advClick="0" advTm="5000"/>
+      <p:transition advClick="0" advTm="10000"/>
     </mc:Fallback>
   </mc:AlternateContent>
 </p:sld>
@@ -4427,52 +4886,63 @@
           <a:chExt cx="0" cy="0"/>
         </a:xfrm>
       </p:grpSpPr>
-      <p:pic>
-        <p:nvPicPr>
-          <p:cNvPr id="3" name="Immagine 2" descr="Immagine che contiene testo, uomo, fissando&#10;&#10;Descrizione generata automaticamente">
-            <a:extLst>
-              <a:ext uri="{FF2B5EF4-FFF2-40B4-BE49-F238E27FC236}">
-                <a16:creationId xmlns:a16="http://schemas.microsoft.com/office/drawing/2014/main" id="{7EFD96A6-EFD2-D9DD-0A9F-A68F4FE85887}"/>
-              </a:ext>
-            </a:extLst>
-          </p:cNvPr>
-          <p:cNvPicPr>
-            <a:picLocks noChangeAspect="1"/>
-          </p:cNvPicPr>
+      <p:sp>
+        <p:nvSpPr>
+          <p:cNvPr id="5" name="CasellaDiTesto 4">
+            <a:extLst>
+              <a:ext uri="{FF2B5EF4-FFF2-40B4-BE49-F238E27FC236}">
+                <a16:creationId xmlns:a16="http://schemas.microsoft.com/office/drawing/2014/main" id="{BD8962F1-B732-9259-B4E8-C6D18B78160E}"/>
+              </a:ext>
+            </a:extLst>
+          </p:cNvPr>
+          <p:cNvSpPr txBox="1">
+            <a:spLocks/>
+          </p:cNvSpPr>
           <p:nvPr/>
-        </p:nvPicPr>
-        <p:blipFill>
-          <a:blip r:embed="rId2"/>
-          <a:stretch>
-            <a:fillRect/>
-          </a:stretch>
-        </p:blipFill>
-        <p:spPr>
-          <a:xfrm>
-            <a:off x="4469023" y="1449000"/>
-            <a:ext cx="3253953" cy="3960000"/>
+        </p:nvSpPr>
+        <p:spPr>
+          <a:xfrm>
+            <a:off x="5677929" y="2613392"/>
+            <a:ext cx="836141" cy="1631216"/>
           </a:xfrm>
           <a:prstGeom prst="rect">
             <a:avLst/>
           </a:prstGeom>
-        </p:spPr>
-      </p:pic>
+          <a:noFill/>
+        </p:spPr>
+        <p:txBody>
+          <a:bodyPr wrap="square" rtlCol="0">
+            <a:spAutoFit/>
+          </a:bodyPr>
+          <a:lstStyle/>
+          <a:p>
+            <a:r>
+              <a:rPr lang="it-IT" sz="10000" b="1" dirty="0">
+                <a:solidFill>
+                  <a:schemeClr val="bg1"/>
+                </a:solidFill>
+              </a:rPr>
+              <a:t>+</a:t>
+            </a:r>
+          </a:p>
+        </p:txBody>
+      </p:sp>
     </p:spTree>
     <p:extLst>
       <p:ext uri="{BB962C8B-B14F-4D97-AF65-F5344CB8AC3E}">
-        <p14:creationId xmlns:p14="http://schemas.microsoft.com/office/powerpoint/2010/main" val="3216415998"/>
+        <p14:creationId xmlns:p14="http://schemas.microsoft.com/office/powerpoint/2010/main" val="635268400"/>
       </p:ext>
     </p:extLst>
   </p:cSld>
   <p:clrMapOvr>
     <a:masterClrMapping/>
   </p:clrMapOvr>
-  <mc:AlternateContent xmlns:mc="http://schemas.openxmlformats.org/markup-compatibility/2006">
-    <mc:Choice xmlns:p14="http://schemas.microsoft.com/office/powerpoint/2010/main" Requires="p14">
-      <p:transition p14:dur="10" advClick="0" advTm="10000"/>
+  <mc:AlternateContent xmlns:mc="http://schemas.openxmlformats.org/markup-compatibility/2006" xmlns:p14="http://schemas.microsoft.com/office/powerpoint/2010/main">
+    <mc:Choice Requires="p14">
+      <p:transition p14:dur="10" advClick="0" advTm="5000"/>
     </mc:Choice>
-    <mc:Fallback>
-      <p:transition advClick="0" advTm="10000"/>
+    <mc:Fallback xmlns="">
+      <p:transition advClick="0" advTm="5000"/>
     </mc:Fallback>
   </mc:AlternateContent>
 </p:sld>
@@ -4495,51 +4965,40 @@
           <a:chExt cx="0" cy="0"/>
         </a:xfrm>
       </p:grpSpPr>
-      <p:sp>
-        <p:nvSpPr>
-          <p:cNvPr id="5" name="CasellaDiTesto 4">
-            <a:extLst>
-              <a:ext uri="{FF2B5EF4-FFF2-40B4-BE49-F238E27FC236}">
-                <a16:creationId xmlns:a16="http://schemas.microsoft.com/office/drawing/2014/main" id="{BD8962F1-B732-9259-B4E8-C6D18B78160E}"/>
-              </a:ext>
-            </a:extLst>
-          </p:cNvPr>
-          <p:cNvSpPr txBox="1">
-            <a:spLocks/>
-          </p:cNvSpPr>
+      <p:pic>
+        <p:nvPicPr>
+          <p:cNvPr id="3" name="Immagine 2" descr="Immagine che contiene testo, uomo, fissando&#10;&#10;Descrizione generata automaticamente">
+            <a:extLst>
+              <a:ext uri="{FF2B5EF4-FFF2-40B4-BE49-F238E27FC236}">
+                <a16:creationId xmlns:a16="http://schemas.microsoft.com/office/drawing/2014/main" id="{7EFD96A6-EFD2-D9DD-0A9F-A68F4FE85887}"/>
+              </a:ext>
+            </a:extLst>
+          </p:cNvPr>
+          <p:cNvPicPr>
+            <a:picLocks noChangeAspect="1"/>
+          </p:cNvPicPr>
           <p:nvPr/>
-        </p:nvSpPr>
-        <p:spPr>
-          <a:xfrm>
-            <a:off x="5677929" y="2613392"/>
-            <a:ext cx="836141" cy="1631216"/>
+        </p:nvPicPr>
+        <p:blipFill>
+          <a:blip r:embed="rId2"/>
+          <a:stretch>
+            <a:fillRect/>
+          </a:stretch>
+        </p:blipFill>
+        <p:spPr>
+          <a:xfrm>
+            <a:off x="4469023" y="1449000"/>
+            <a:ext cx="3253953" cy="3960000"/>
           </a:xfrm>
           <a:prstGeom prst="rect">
             <a:avLst/>
           </a:prstGeom>
-          <a:noFill/>
-        </p:spPr>
-        <p:txBody>
-          <a:bodyPr wrap="square" rtlCol="0">
-            <a:spAutoFit/>
-          </a:bodyPr>
-          <a:lstStyle/>
-          <a:p>
-            <a:r>
-              <a:rPr lang="it-IT" sz="10000" b="1" dirty="0">
-                <a:solidFill>
-                  <a:schemeClr val="bg1"/>
-                </a:solidFill>
-              </a:rPr>
-              <a:t>+</a:t>
-            </a:r>
-          </a:p>
-        </p:txBody>
-      </p:sp>
+        </p:spPr>
+      </p:pic>
     </p:spTree>
     <p:extLst>
       <p:ext uri="{BB962C8B-B14F-4D97-AF65-F5344CB8AC3E}">
-        <p14:creationId xmlns:p14="http://schemas.microsoft.com/office/powerpoint/2010/main" val="1811804664"/>
+        <p14:creationId xmlns:p14="http://schemas.microsoft.com/office/powerpoint/2010/main" val="3216415998"/>
       </p:ext>
     </p:extLst>
   </p:cSld>
@@ -4548,10 +5007,10 @@
   </p:clrMapOvr>
   <mc:AlternateContent xmlns:mc="http://schemas.openxmlformats.org/markup-compatibility/2006" xmlns:p14="http://schemas.microsoft.com/office/powerpoint/2010/main">
     <mc:Choice Requires="p14">
-      <p:transition p14:dur="10" advClick="0" advTm="5000"/>
+      <p:transition p14:dur="10" advClick="0" advTm="10000"/>
     </mc:Choice>
     <mc:Fallback xmlns="">
-      <p:transition advClick="0" advTm="5000"/>
+      <p:transition advClick="0" advTm="10000"/>
     </mc:Fallback>
   </mc:AlternateContent>
 </p:sld>
@@ -4574,52 +5033,63 @@
           <a:chExt cx="0" cy="0"/>
         </a:xfrm>
       </p:grpSpPr>
-      <p:pic>
-        <p:nvPicPr>
-          <p:cNvPr id="3" name="Immagine 2" descr="Immagine che contiene testo, uomo, primate, mammifero&#10;&#10;Descrizione generata automaticamente">
-            <a:extLst>
-              <a:ext uri="{FF2B5EF4-FFF2-40B4-BE49-F238E27FC236}">
-                <a16:creationId xmlns:a16="http://schemas.microsoft.com/office/drawing/2014/main" id="{0C036FCA-B572-3081-0776-8C95BAA291FF}"/>
-              </a:ext>
-            </a:extLst>
-          </p:cNvPr>
-          <p:cNvPicPr>
-            <a:picLocks noChangeAspect="1"/>
-          </p:cNvPicPr>
+      <p:sp>
+        <p:nvSpPr>
+          <p:cNvPr id="5" name="CasellaDiTesto 4">
+            <a:extLst>
+              <a:ext uri="{FF2B5EF4-FFF2-40B4-BE49-F238E27FC236}">
+                <a16:creationId xmlns:a16="http://schemas.microsoft.com/office/drawing/2014/main" id="{BD8962F1-B732-9259-B4E8-C6D18B78160E}"/>
+              </a:ext>
+            </a:extLst>
+          </p:cNvPr>
+          <p:cNvSpPr txBox="1">
+            <a:spLocks/>
+          </p:cNvSpPr>
           <p:nvPr/>
-        </p:nvPicPr>
-        <p:blipFill>
-          <a:blip r:embed="rId2"/>
-          <a:stretch>
-            <a:fillRect/>
-          </a:stretch>
-        </p:blipFill>
-        <p:spPr>
-          <a:xfrm>
-            <a:off x="4542461" y="1449000"/>
-            <a:ext cx="3107077" cy="3960000"/>
+        </p:nvSpPr>
+        <p:spPr>
+          <a:xfrm>
+            <a:off x="5677929" y="2613392"/>
+            <a:ext cx="836141" cy="1631216"/>
           </a:xfrm>
           <a:prstGeom prst="rect">
             <a:avLst/>
           </a:prstGeom>
-        </p:spPr>
-      </p:pic>
+          <a:noFill/>
+        </p:spPr>
+        <p:txBody>
+          <a:bodyPr wrap="square" rtlCol="0">
+            <a:spAutoFit/>
+          </a:bodyPr>
+          <a:lstStyle/>
+          <a:p>
+            <a:r>
+              <a:rPr lang="it-IT" sz="10000" b="1" dirty="0">
+                <a:solidFill>
+                  <a:schemeClr val="bg1"/>
+                </a:solidFill>
+              </a:rPr>
+              <a:t>+</a:t>
+            </a:r>
+          </a:p>
+        </p:txBody>
+      </p:sp>
     </p:spTree>
     <p:extLst>
       <p:ext uri="{BB962C8B-B14F-4D97-AF65-F5344CB8AC3E}">
-        <p14:creationId xmlns:p14="http://schemas.microsoft.com/office/powerpoint/2010/main" val="877188929"/>
+        <p14:creationId xmlns:p14="http://schemas.microsoft.com/office/powerpoint/2010/main" val="1811804664"/>
       </p:ext>
     </p:extLst>
   </p:cSld>
   <p:clrMapOvr>
     <a:masterClrMapping/>
   </p:clrMapOvr>
-  <mc:AlternateContent xmlns:mc="http://schemas.openxmlformats.org/markup-compatibility/2006">
-    <mc:Choice xmlns:p14="http://schemas.microsoft.com/office/powerpoint/2010/main" Requires="p14">
-      <p:transition p14:dur="10" advClick="0" advTm="10000"/>
+  <mc:AlternateContent xmlns:mc="http://schemas.openxmlformats.org/markup-compatibility/2006" xmlns:p14="http://schemas.microsoft.com/office/powerpoint/2010/main">
+    <mc:Choice Requires="p14">
+      <p:transition p14:dur="10" advClick="0" advTm="5000"/>
     </mc:Choice>
-    <mc:Fallback>
-      <p:transition advClick="0" advTm="10000"/>
+    <mc:Fallback xmlns="">
+      <p:transition advClick="0" advTm="5000"/>
     </mc:Fallback>
   </mc:AlternateContent>
 </p:sld>
@@ -4642,51 +5112,40 @@
           <a:chExt cx="0" cy="0"/>
         </a:xfrm>
       </p:grpSpPr>
-      <p:sp>
-        <p:nvSpPr>
-          <p:cNvPr id="5" name="CasellaDiTesto 4">
-            <a:extLst>
-              <a:ext uri="{FF2B5EF4-FFF2-40B4-BE49-F238E27FC236}">
-                <a16:creationId xmlns:a16="http://schemas.microsoft.com/office/drawing/2014/main" id="{BD8962F1-B732-9259-B4E8-C6D18B78160E}"/>
-              </a:ext>
-            </a:extLst>
-          </p:cNvPr>
-          <p:cNvSpPr txBox="1">
-            <a:spLocks/>
-          </p:cNvSpPr>
+      <p:pic>
+        <p:nvPicPr>
+          <p:cNvPr id="3" name="Immagine 2" descr="Immagine che contiene testo, uomo, primate, mammifero&#10;&#10;Descrizione generata automaticamente">
+            <a:extLst>
+              <a:ext uri="{FF2B5EF4-FFF2-40B4-BE49-F238E27FC236}">
+                <a16:creationId xmlns:a16="http://schemas.microsoft.com/office/drawing/2014/main" id="{0C036FCA-B572-3081-0776-8C95BAA291FF}"/>
+              </a:ext>
+            </a:extLst>
+          </p:cNvPr>
+          <p:cNvPicPr>
+            <a:picLocks noChangeAspect="1"/>
+          </p:cNvPicPr>
           <p:nvPr/>
-        </p:nvSpPr>
-        <p:spPr>
-          <a:xfrm>
-            <a:off x="5677929" y="2613392"/>
-            <a:ext cx="836141" cy="1631216"/>
+        </p:nvPicPr>
+        <p:blipFill>
+          <a:blip r:embed="rId2"/>
+          <a:stretch>
+            <a:fillRect/>
+          </a:stretch>
+        </p:blipFill>
+        <p:spPr>
+          <a:xfrm>
+            <a:off x="4542461" y="1449000"/>
+            <a:ext cx="3107077" cy="3960000"/>
           </a:xfrm>
           <a:prstGeom prst="rect">
             <a:avLst/>
           </a:prstGeom>
-          <a:noFill/>
-        </p:spPr>
-        <p:txBody>
-          <a:bodyPr wrap="square" rtlCol="0">
-            <a:spAutoFit/>
-          </a:bodyPr>
-          <a:lstStyle/>
-          <a:p>
-            <a:r>
-              <a:rPr lang="it-IT" sz="10000" b="1" dirty="0">
-                <a:solidFill>
-                  <a:schemeClr val="bg1"/>
-                </a:solidFill>
-              </a:rPr>
-              <a:t>+</a:t>
-            </a:r>
-          </a:p>
-        </p:txBody>
-      </p:sp>
+        </p:spPr>
+      </p:pic>
     </p:spTree>
     <p:extLst>
       <p:ext uri="{BB962C8B-B14F-4D97-AF65-F5344CB8AC3E}">
-        <p14:creationId xmlns:p14="http://schemas.microsoft.com/office/powerpoint/2010/main" val="2478825567"/>
+        <p14:creationId xmlns:p14="http://schemas.microsoft.com/office/powerpoint/2010/main" val="877188929"/>
       </p:ext>
     </p:extLst>
   </p:cSld>
@@ -4695,10 +5154,10 @@
   </p:clrMapOvr>
   <mc:AlternateContent xmlns:mc="http://schemas.openxmlformats.org/markup-compatibility/2006" xmlns:p14="http://schemas.microsoft.com/office/powerpoint/2010/main">
     <mc:Choice Requires="p14">
-      <p:transition p14:dur="10" advClick="0" advTm="5000"/>
+      <p:transition p14:dur="10" advClick="0" advTm="10000"/>
     </mc:Choice>
     <mc:Fallback xmlns="">
-      <p:transition advClick="0" advTm="5000"/>
+      <p:transition advClick="0" advTm="10000"/>
     </mc:Fallback>
   </mc:AlternateContent>
 </p:sld>
@@ -4721,52 +5180,63 @@
           <a:chExt cx="0" cy="0"/>
         </a:xfrm>
       </p:grpSpPr>
-      <p:pic>
-        <p:nvPicPr>
-          <p:cNvPr id="3" name="Immagine 2" descr="Immagine che contiene testo, uomo, persona, interni&#10;&#10;Descrizione generata automaticamente">
-            <a:extLst>
-              <a:ext uri="{FF2B5EF4-FFF2-40B4-BE49-F238E27FC236}">
-                <a16:creationId xmlns:a16="http://schemas.microsoft.com/office/drawing/2014/main" id="{50E155B5-E615-3378-BADC-6A8D28332CC4}"/>
-              </a:ext>
-            </a:extLst>
-          </p:cNvPr>
-          <p:cNvPicPr>
-            <a:picLocks noChangeAspect="1"/>
-          </p:cNvPicPr>
+      <p:sp>
+        <p:nvSpPr>
+          <p:cNvPr id="5" name="CasellaDiTesto 4">
+            <a:extLst>
+              <a:ext uri="{FF2B5EF4-FFF2-40B4-BE49-F238E27FC236}">
+                <a16:creationId xmlns:a16="http://schemas.microsoft.com/office/drawing/2014/main" id="{BD8962F1-B732-9259-B4E8-C6D18B78160E}"/>
+              </a:ext>
+            </a:extLst>
+          </p:cNvPr>
+          <p:cNvSpPr txBox="1">
+            <a:spLocks/>
+          </p:cNvSpPr>
           <p:nvPr/>
-        </p:nvPicPr>
-        <p:blipFill>
-          <a:blip r:embed="rId2"/>
-          <a:stretch>
-            <a:fillRect/>
-          </a:stretch>
-        </p:blipFill>
-        <p:spPr>
-          <a:xfrm>
-            <a:off x="4728857" y="1449000"/>
-            <a:ext cx="2734286" cy="3960000"/>
+        </p:nvSpPr>
+        <p:spPr>
+          <a:xfrm>
+            <a:off x="5677929" y="2613392"/>
+            <a:ext cx="836141" cy="1631216"/>
           </a:xfrm>
           <a:prstGeom prst="rect">
             <a:avLst/>
           </a:prstGeom>
-        </p:spPr>
-      </p:pic>
+          <a:noFill/>
+        </p:spPr>
+        <p:txBody>
+          <a:bodyPr wrap="square" rtlCol="0">
+            <a:spAutoFit/>
+          </a:bodyPr>
+          <a:lstStyle/>
+          <a:p>
+            <a:r>
+              <a:rPr lang="it-IT" sz="10000" b="1" dirty="0">
+                <a:solidFill>
+                  <a:schemeClr val="bg1"/>
+                </a:solidFill>
+              </a:rPr>
+              <a:t>+</a:t>
+            </a:r>
+          </a:p>
+        </p:txBody>
+      </p:sp>
     </p:spTree>
     <p:extLst>
       <p:ext uri="{BB962C8B-B14F-4D97-AF65-F5344CB8AC3E}">
-        <p14:creationId xmlns:p14="http://schemas.microsoft.com/office/powerpoint/2010/main" val="2786734945"/>
+        <p14:creationId xmlns:p14="http://schemas.microsoft.com/office/powerpoint/2010/main" val="2478825567"/>
       </p:ext>
     </p:extLst>
   </p:cSld>
   <p:clrMapOvr>
     <a:masterClrMapping/>
   </p:clrMapOvr>
-  <mc:AlternateContent xmlns:mc="http://schemas.openxmlformats.org/markup-compatibility/2006">
-    <mc:Choice xmlns:p14="http://schemas.microsoft.com/office/powerpoint/2010/main" Requires="p14">
-      <p:transition p14:dur="10" advClick="0" advTm="10000"/>
+  <mc:AlternateContent xmlns:mc="http://schemas.openxmlformats.org/markup-compatibility/2006" xmlns:p14="http://schemas.microsoft.com/office/powerpoint/2010/main">
+    <mc:Choice Requires="p14">
+      <p:transition p14:dur="10" advClick="0" advTm="5000"/>
     </mc:Choice>
-    <mc:Fallback>
-      <p:transition advClick="0" advTm="10000"/>
+    <mc:Fallback xmlns="">
+      <p:transition advClick="0" advTm="5000"/>
     </mc:Fallback>
   </mc:AlternateContent>
 </p:sld>
@@ -4789,51 +5259,40 @@
           <a:chExt cx="0" cy="0"/>
         </a:xfrm>
       </p:grpSpPr>
-      <p:sp>
-        <p:nvSpPr>
-          <p:cNvPr id="5" name="CasellaDiTesto 4">
-            <a:extLst>
-              <a:ext uri="{FF2B5EF4-FFF2-40B4-BE49-F238E27FC236}">
-                <a16:creationId xmlns:a16="http://schemas.microsoft.com/office/drawing/2014/main" id="{BD8962F1-B732-9259-B4E8-C6D18B78160E}"/>
-              </a:ext>
-            </a:extLst>
-          </p:cNvPr>
-          <p:cNvSpPr txBox="1">
-            <a:spLocks/>
-          </p:cNvSpPr>
+      <p:pic>
+        <p:nvPicPr>
+          <p:cNvPr id="3" name="Immagine 2" descr="Immagine che contiene testo, uomo, persona, interni&#10;&#10;Descrizione generata automaticamente">
+            <a:extLst>
+              <a:ext uri="{FF2B5EF4-FFF2-40B4-BE49-F238E27FC236}">
+                <a16:creationId xmlns:a16="http://schemas.microsoft.com/office/drawing/2014/main" id="{50E155B5-E615-3378-BADC-6A8D28332CC4}"/>
+              </a:ext>
+            </a:extLst>
+          </p:cNvPr>
+          <p:cNvPicPr>
+            <a:picLocks noChangeAspect="1"/>
+          </p:cNvPicPr>
           <p:nvPr/>
-        </p:nvSpPr>
-        <p:spPr>
-          <a:xfrm>
-            <a:off x="5677929" y="2613392"/>
-            <a:ext cx="836141" cy="1631216"/>
+        </p:nvPicPr>
+        <p:blipFill>
+          <a:blip r:embed="rId2"/>
+          <a:stretch>
+            <a:fillRect/>
+          </a:stretch>
+        </p:blipFill>
+        <p:spPr>
+          <a:xfrm>
+            <a:off x="4728857" y="1449000"/>
+            <a:ext cx="2734286" cy="3960000"/>
           </a:xfrm>
           <a:prstGeom prst="rect">
             <a:avLst/>
           </a:prstGeom>
-          <a:noFill/>
-        </p:spPr>
-        <p:txBody>
-          <a:bodyPr wrap="square" rtlCol="0">
-            <a:spAutoFit/>
-          </a:bodyPr>
-          <a:lstStyle/>
-          <a:p>
-            <a:r>
-              <a:rPr lang="it-IT" sz="10000" b="1" dirty="0">
-                <a:solidFill>
-                  <a:schemeClr val="bg1"/>
-                </a:solidFill>
-              </a:rPr>
-              <a:t>+</a:t>
-            </a:r>
-          </a:p>
-        </p:txBody>
-      </p:sp>
+        </p:spPr>
+      </p:pic>
     </p:spTree>
     <p:extLst>
       <p:ext uri="{BB962C8B-B14F-4D97-AF65-F5344CB8AC3E}">
-        <p14:creationId xmlns:p14="http://schemas.microsoft.com/office/powerpoint/2010/main" val="115925994"/>
+        <p14:creationId xmlns:p14="http://schemas.microsoft.com/office/powerpoint/2010/main" val="2786734945"/>
       </p:ext>
     </p:extLst>
   </p:cSld>
@@ -4842,10 +5301,10 @@
   </p:clrMapOvr>
   <mc:AlternateContent xmlns:mc="http://schemas.openxmlformats.org/markup-compatibility/2006" xmlns:p14="http://schemas.microsoft.com/office/powerpoint/2010/main">
     <mc:Choice Requires="p14">
-      <p:transition p14:dur="10" advClick="0" advTm="5000"/>
+      <p:transition p14:dur="10" advClick="0" advTm="10000"/>
     </mc:Choice>
     <mc:Fallback xmlns="">
-      <p:transition advClick="0" advTm="5000"/>
+      <p:transition advClick="0" advTm="10000"/>
     </mc:Fallback>
   </mc:AlternateContent>
 </p:sld>
@@ -4868,52 +5327,63 @@
           <a:chExt cx="0" cy="0"/>
         </a:xfrm>
       </p:grpSpPr>
-      <p:pic>
-        <p:nvPicPr>
-          <p:cNvPr id="3" name="Immagine 2" descr="Immagine che contiene testo, uomo, primate, mammifero&#10;&#10;Descrizione generata automaticamente">
-            <a:extLst>
-              <a:ext uri="{FF2B5EF4-FFF2-40B4-BE49-F238E27FC236}">
-                <a16:creationId xmlns:a16="http://schemas.microsoft.com/office/drawing/2014/main" id="{149FF073-E05B-2B61-13AA-33497CC8BBBC}"/>
-              </a:ext>
-            </a:extLst>
-          </p:cNvPr>
-          <p:cNvPicPr>
-            <a:picLocks noChangeAspect="1"/>
-          </p:cNvPicPr>
+      <p:sp>
+        <p:nvSpPr>
+          <p:cNvPr id="5" name="CasellaDiTesto 4">
+            <a:extLst>
+              <a:ext uri="{FF2B5EF4-FFF2-40B4-BE49-F238E27FC236}">
+                <a16:creationId xmlns:a16="http://schemas.microsoft.com/office/drawing/2014/main" id="{BD8962F1-B732-9259-B4E8-C6D18B78160E}"/>
+              </a:ext>
+            </a:extLst>
+          </p:cNvPr>
+          <p:cNvSpPr txBox="1">
+            <a:spLocks/>
+          </p:cNvSpPr>
           <p:nvPr/>
-        </p:nvPicPr>
-        <p:blipFill>
-          <a:blip r:embed="rId2"/>
-          <a:stretch>
-            <a:fillRect/>
-          </a:stretch>
-        </p:blipFill>
-        <p:spPr>
-          <a:xfrm>
-            <a:off x="4588154" y="1449000"/>
-            <a:ext cx="3015692" cy="3960000"/>
+        </p:nvSpPr>
+        <p:spPr>
+          <a:xfrm>
+            <a:off x="5677929" y="2613392"/>
+            <a:ext cx="836141" cy="1631216"/>
           </a:xfrm>
           <a:prstGeom prst="rect">
             <a:avLst/>
           </a:prstGeom>
-        </p:spPr>
-      </p:pic>
+          <a:noFill/>
+        </p:spPr>
+        <p:txBody>
+          <a:bodyPr wrap="square" rtlCol="0">
+            <a:spAutoFit/>
+          </a:bodyPr>
+          <a:lstStyle/>
+          <a:p>
+            <a:r>
+              <a:rPr lang="it-IT" sz="10000" b="1" dirty="0">
+                <a:solidFill>
+                  <a:schemeClr val="bg1"/>
+                </a:solidFill>
+              </a:rPr>
+              <a:t>+</a:t>
+            </a:r>
+          </a:p>
+        </p:txBody>
+      </p:sp>
     </p:spTree>
     <p:extLst>
       <p:ext uri="{BB962C8B-B14F-4D97-AF65-F5344CB8AC3E}">
-        <p14:creationId xmlns:p14="http://schemas.microsoft.com/office/powerpoint/2010/main" val="1038169587"/>
+        <p14:creationId xmlns:p14="http://schemas.microsoft.com/office/powerpoint/2010/main" val="115925994"/>
       </p:ext>
     </p:extLst>
   </p:cSld>
   <p:clrMapOvr>
     <a:masterClrMapping/>
   </p:clrMapOvr>
-  <mc:AlternateContent xmlns:mc="http://schemas.openxmlformats.org/markup-compatibility/2006">
-    <mc:Choice xmlns:p14="http://schemas.microsoft.com/office/powerpoint/2010/main" Requires="p14">
-      <p:transition p14:dur="10" advClick="0" advTm="10000"/>
+  <mc:AlternateContent xmlns:mc="http://schemas.openxmlformats.org/markup-compatibility/2006" xmlns:p14="http://schemas.microsoft.com/office/powerpoint/2010/main">
+    <mc:Choice Requires="p14">
+      <p:transition p14:dur="10" advClick="0" advTm="5000"/>
     </mc:Choice>
-    <mc:Fallback>
-      <p:transition advClick="0" advTm="10000"/>
+    <mc:Fallback xmlns="">
+      <p:transition advClick="0" advTm="5000"/>
     </mc:Fallback>
   </mc:AlternateContent>
 </p:sld>
@@ -4936,51 +5406,40 @@
           <a:chExt cx="0" cy="0"/>
         </a:xfrm>
       </p:grpSpPr>
-      <p:sp>
-        <p:nvSpPr>
-          <p:cNvPr id="5" name="CasellaDiTesto 4">
-            <a:extLst>
-              <a:ext uri="{FF2B5EF4-FFF2-40B4-BE49-F238E27FC236}">
-                <a16:creationId xmlns:a16="http://schemas.microsoft.com/office/drawing/2014/main" id="{BD8962F1-B732-9259-B4E8-C6D18B78160E}"/>
-              </a:ext>
-            </a:extLst>
-          </p:cNvPr>
-          <p:cNvSpPr txBox="1">
-            <a:spLocks/>
-          </p:cNvSpPr>
+      <p:pic>
+        <p:nvPicPr>
+          <p:cNvPr id="3" name="Immagine 2" descr="Immagine che contiene testo, uomo, primate, mammifero&#10;&#10;Descrizione generata automaticamente">
+            <a:extLst>
+              <a:ext uri="{FF2B5EF4-FFF2-40B4-BE49-F238E27FC236}">
+                <a16:creationId xmlns:a16="http://schemas.microsoft.com/office/drawing/2014/main" id="{149FF073-E05B-2B61-13AA-33497CC8BBBC}"/>
+              </a:ext>
+            </a:extLst>
+          </p:cNvPr>
+          <p:cNvPicPr>
+            <a:picLocks noChangeAspect="1"/>
+          </p:cNvPicPr>
           <p:nvPr/>
-        </p:nvSpPr>
-        <p:spPr>
-          <a:xfrm>
-            <a:off x="5677929" y="2613392"/>
-            <a:ext cx="836141" cy="1631216"/>
+        </p:nvPicPr>
+        <p:blipFill>
+          <a:blip r:embed="rId2"/>
+          <a:stretch>
+            <a:fillRect/>
+          </a:stretch>
+        </p:blipFill>
+        <p:spPr>
+          <a:xfrm>
+            <a:off x="4588154" y="1449000"/>
+            <a:ext cx="3015692" cy="3960000"/>
           </a:xfrm>
           <a:prstGeom prst="rect">
             <a:avLst/>
           </a:prstGeom>
-          <a:noFill/>
-        </p:spPr>
-        <p:txBody>
-          <a:bodyPr wrap="square" rtlCol="0">
-            <a:spAutoFit/>
-          </a:bodyPr>
-          <a:lstStyle/>
-          <a:p>
-            <a:r>
-              <a:rPr lang="it-IT" sz="10000" b="1" dirty="0">
-                <a:solidFill>
-                  <a:schemeClr val="bg1"/>
-                </a:solidFill>
-              </a:rPr>
-              <a:t>+</a:t>
-            </a:r>
-          </a:p>
-        </p:txBody>
-      </p:sp>
+        </p:spPr>
+      </p:pic>
     </p:spTree>
     <p:extLst>
       <p:ext uri="{BB962C8B-B14F-4D97-AF65-F5344CB8AC3E}">
-        <p14:creationId xmlns:p14="http://schemas.microsoft.com/office/powerpoint/2010/main" val="2160773154"/>
+        <p14:creationId xmlns:p14="http://schemas.microsoft.com/office/powerpoint/2010/main" val="1038169587"/>
       </p:ext>
     </p:extLst>
   </p:cSld>
@@ -4989,10 +5448,10 @@
   </p:clrMapOvr>
   <mc:AlternateContent xmlns:mc="http://schemas.openxmlformats.org/markup-compatibility/2006" xmlns:p14="http://schemas.microsoft.com/office/powerpoint/2010/main">
     <mc:Choice Requires="p14">
-      <p:transition p14:dur="10" advClick="0" advTm="5000"/>
+      <p:transition p14:dur="10" advClick="0" advTm="10000"/>
     </mc:Choice>
     <mc:Fallback xmlns="">
-      <p:transition advClick="0" advTm="5000"/>
+      <p:transition advClick="0" advTm="10000"/>
     </mc:Fallback>
   </mc:AlternateContent>
 </p:sld>
@@ -5015,51 +5474,40 @@
           <a:chExt cx="0" cy="0"/>
         </a:xfrm>
       </p:grpSpPr>
-      <p:sp>
-        <p:nvSpPr>
-          <p:cNvPr id="5" name="CasellaDiTesto 4">
-            <a:extLst>
-              <a:ext uri="{FF2B5EF4-FFF2-40B4-BE49-F238E27FC236}">
-                <a16:creationId xmlns:a16="http://schemas.microsoft.com/office/drawing/2014/main" id="{BD8962F1-B732-9259-B4E8-C6D18B78160E}"/>
-              </a:ext>
-            </a:extLst>
-          </p:cNvPr>
-          <p:cNvSpPr txBox="1">
-            <a:spLocks/>
-          </p:cNvSpPr>
+      <p:pic>
+        <p:nvPicPr>
+          <p:cNvPr id="3" name="Immagine 2" descr="Immagine che contiene testo, uomo&#10;&#10;Descrizione generata automaticamente">
+            <a:extLst>
+              <a:ext uri="{FF2B5EF4-FFF2-40B4-BE49-F238E27FC236}">
+                <a16:creationId xmlns:a16="http://schemas.microsoft.com/office/drawing/2014/main" id="{8B976846-25D3-377E-A672-00FCC1C87556}"/>
+              </a:ext>
+            </a:extLst>
+          </p:cNvPr>
+          <p:cNvPicPr>
+            <a:picLocks noChangeAspect="1"/>
+          </p:cNvPicPr>
           <p:nvPr/>
-        </p:nvSpPr>
-        <p:spPr>
-          <a:xfrm>
-            <a:off x="5677929" y="2613392"/>
-            <a:ext cx="836141" cy="1631216"/>
+        </p:nvPicPr>
+        <p:blipFill>
+          <a:blip r:embed="rId2"/>
+          <a:stretch>
+            <a:fillRect/>
+          </a:stretch>
+        </p:blipFill>
+        <p:spPr>
+          <a:xfrm>
+            <a:off x="4591814" y="1449000"/>
+            <a:ext cx="3008372" cy="3960000"/>
           </a:xfrm>
           <a:prstGeom prst="rect">
             <a:avLst/>
           </a:prstGeom>
-          <a:noFill/>
-        </p:spPr>
-        <p:txBody>
-          <a:bodyPr wrap="square" rtlCol="0">
-            <a:spAutoFit/>
-          </a:bodyPr>
-          <a:lstStyle/>
-          <a:p>
-            <a:r>
-              <a:rPr lang="it-IT" sz="10000" b="1" dirty="0">
-                <a:solidFill>
-                  <a:schemeClr val="bg1"/>
-                </a:solidFill>
-              </a:rPr>
-              <a:t>+</a:t>
-            </a:r>
-          </a:p>
-        </p:txBody>
-      </p:sp>
+        </p:spPr>
+      </p:pic>
     </p:spTree>
     <p:extLst>
       <p:ext uri="{BB962C8B-B14F-4D97-AF65-F5344CB8AC3E}">
-        <p14:creationId xmlns:p14="http://schemas.microsoft.com/office/powerpoint/2010/main" val="449683994"/>
+        <p14:creationId xmlns:p14="http://schemas.microsoft.com/office/powerpoint/2010/main" val="4035739598"/>
       </p:ext>
     </p:extLst>
   </p:cSld>
@@ -5068,10 +5516,10 @@
   </p:clrMapOvr>
   <mc:AlternateContent xmlns:mc="http://schemas.openxmlformats.org/markup-compatibility/2006" xmlns:p14="http://schemas.microsoft.com/office/powerpoint/2010/main">
     <mc:Choice Requires="p14">
-      <p:transition p14:dur="10" advClick="0" advTm="5000"/>
+      <p:transition p14:dur="10" advClick="0" advTm="10000"/>
     </mc:Choice>
     <mc:Fallback xmlns="">
-      <p:transition advClick="0" advTm="5000"/>
+      <p:transition advClick="0" advTm="10000"/>
     </mc:Fallback>
   </mc:AlternateContent>
 </p:sld>
@@ -5094,52 +5542,63 @@
           <a:chExt cx="0" cy="0"/>
         </a:xfrm>
       </p:grpSpPr>
-      <p:pic>
-        <p:nvPicPr>
-          <p:cNvPr id="3" name="Immagine 2" descr="Immagine che contiene testo, uomo&#10;&#10;Descrizione generata automaticamente">
-            <a:extLst>
-              <a:ext uri="{FF2B5EF4-FFF2-40B4-BE49-F238E27FC236}">
-                <a16:creationId xmlns:a16="http://schemas.microsoft.com/office/drawing/2014/main" id="{8B976846-25D3-377E-A672-00FCC1C87556}"/>
-              </a:ext>
-            </a:extLst>
-          </p:cNvPr>
-          <p:cNvPicPr>
-            <a:picLocks noChangeAspect="1"/>
-          </p:cNvPicPr>
+      <p:sp>
+        <p:nvSpPr>
+          <p:cNvPr id="5" name="CasellaDiTesto 4">
+            <a:extLst>
+              <a:ext uri="{FF2B5EF4-FFF2-40B4-BE49-F238E27FC236}">
+                <a16:creationId xmlns:a16="http://schemas.microsoft.com/office/drawing/2014/main" id="{BD8962F1-B732-9259-B4E8-C6D18B78160E}"/>
+              </a:ext>
+            </a:extLst>
+          </p:cNvPr>
+          <p:cNvSpPr txBox="1">
+            <a:spLocks/>
+          </p:cNvSpPr>
           <p:nvPr/>
-        </p:nvPicPr>
-        <p:blipFill>
-          <a:blip r:embed="rId2"/>
-          <a:stretch>
-            <a:fillRect/>
-          </a:stretch>
-        </p:blipFill>
-        <p:spPr>
-          <a:xfrm>
-            <a:off x="4591814" y="1449000"/>
-            <a:ext cx="3008372" cy="3960000"/>
+        </p:nvSpPr>
+        <p:spPr>
+          <a:xfrm>
+            <a:off x="5677929" y="2613392"/>
+            <a:ext cx="836141" cy="1631216"/>
           </a:xfrm>
           <a:prstGeom prst="rect">
             <a:avLst/>
           </a:prstGeom>
-        </p:spPr>
-      </p:pic>
+          <a:noFill/>
+        </p:spPr>
+        <p:txBody>
+          <a:bodyPr wrap="square" rtlCol="0">
+            <a:spAutoFit/>
+          </a:bodyPr>
+          <a:lstStyle/>
+          <a:p>
+            <a:r>
+              <a:rPr lang="it-IT" sz="10000" b="1" dirty="0">
+                <a:solidFill>
+                  <a:schemeClr val="bg1"/>
+                </a:solidFill>
+              </a:rPr>
+              <a:t>+</a:t>
+            </a:r>
+          </a:p>
+        </p:txBody>
+      </p:sp>
     </p:spTree>
     <p:extLst>
       <p:ext uri="{BB962C8B-B14F-4D97-AF65-F5344CB8AC3E}">
-        <p14:creationId xmlns:p14="http://schemas.microsoft.com/office/powerpoint/2010/main" val="1822433080"/>
+        <p14:creationId xmlns:p14="http://schemas.microsoft.com/office/powerpoint/2010/main" val="2160773154"/>
       </p:ext>
     </p:extLst>
   </p:cSld>
   <p:clrMapOvr>
     <a:masterClrMapping/>
   </p:clrMapOvr>
-  <mc:AlternateContent xmlns:mc="http://schemas.openxmlformats.org/markup-compatibility/2006">
-    <mc:Choice xmlns:p14="http://schemas.microsoft.com/office/powerpoint/2010/main" Requires="p14">
-      <p:transition p14:dur="10" advClick="0" advTm="10000"/>
+  <mc:AlternateContent xmlns:mc="http://schemas.openxmlformats.org/markup-compatibility/2006" xmlns:p14="http://schemas.microsoft.com/office/powerpoint/2010/main">
+    <mc:Choice Requires="p14">
+      <p:transition p14:dur="10" advClick="0" advTm="5000"/>
     </mc:Choice>
-    <mc:Fallback>
-      <p:transition advClick="0" advTm="10000"/>
+    <mc:Fallback xmlns="">
+      <p:transition advClick="0" advTm="5000"/>
     </mc:Fallback>
   </mc:AlternateContent>
 </p:sld>
@@ -5162,51 +5621,40 @@
           <a:chExt cx="0" cy="0"/>
         </a:xfrm>
       </p:grpSpPr>
-      <p:sp>
-        <p:nvSpPr>
-          <p:cNvPr id="5" name="CasellaDiTesto 4">
-            <a:extLst>
-              <a:ext uri="{FF2B5EF4-FFF2-40B4-BE49-F238E27FC236}">
-                <a16:creationId xmlns:a16="http://schemas.microsoft.com/office/drawing/2014/main" id="{BD8962F1-B732-9259-B4E8-C6D18B78160E}"/>
-              </a:ext>
-            </a:extLst>
-          </p:cNvPr>
-          <p:cNvSpPr txBox="1">
-            <a:spLocks/>
-          </p:cNvSpPr>
+      <p:pic>
+        <p:nvPicPr>
+          <p:cNvPr id="3" name="Immagine 2" descr="Immagine che contiene testo, uomo&#10;&#10;Descrizione generata automaticamente">
+            <a:extLst>
+              <a:ext uri="{FF2B5EF4-FFF2-40B4-BE49-F238E27FC236}">
+                <a16:creationId xmlns:a16="http://schemas.microsoft.com/office/drawing/2014/main" id="{8B976846-25D3-377E-A672-00FCC1C87556}"/>
+              </a:ext>
+            </a:extLst>
+          </p:cNvPr>
+          <p:cNvPicPr>
+            <a:picLocks noChangeAspect="1"/>
+          </p:cNvPicPr>
           <p:nvPr/>
-        </p:nvSpPr>
-        <p:spPr>
-          <a:xfrm>
-            <a:off x="5677929" y="2613392"/>
-            <a:ext cx="836141" cy="1631216"/>
+        </p:nvPicPr>
+        <p:blipFill>
+          <a:blip r:embed="rId2"/>
+          <a:stretch>
+            <a:fillRect/>
+          </a:stretch>
+        </p:blipFill>
+        <p:spPr>
+          <a:xfrm>
+            <a:off x="4591814" y="1449000"/>
+            <a:ext cx="3008372" cy="3960000"/>
           </a:xfrm>
           <a:prstGeom prst="rect">
             <a:avLst/>
           </a:prstGeom>
-          <a:noFill/>
-        </p:spPr>
-        <p:txBody>
-          <a:bodyPr wrap="square" rtlCol="0">
-            <a:spAutoFit/>
-          </a:bodyPr>
-          <a:lstStyle/>
-          <a:p>
-            <a:r>
-              <a:rPr lang="it-IT" sz="10000" b="1" dirty="0">
-                <a:solidFill>
-                  <a:schemeClr val="bg1"/>
-                </a:solidFill>
-              </a:rPr>
-              <a:t>+</a:t>
-            </a:r>
-          </a:p>
-        </p:txBody>
-      </p:sp>
+        </p:spPr>
+      </p:pic>
     </p:spTree>
     <p:extLst>
       <p:ext uri="{BB962C8B-B14F-4D97-AF65-F5344CB8AC3E}">
-        <p14:creationId xmlns:p14="http://schemas.microsoft.com/office/powerpoint/2010/main" val="3954057625"/>
+        <p14:creationId xmlns:p14="http://schemas.microsoft.com/office/powerpoint/2010/main" val="1822433080"/>
       </p:ext>
     </p:extLst>
   </p:cSld>
@@ -5215,10 +5663,10 @@
   </p:clrMapOvr>
   <mc:AlternateContent xmlns:mc="http://schemas.openxmlformats.org/markup-compatibility/2006" xmlns:p14="http://schemas.microsoft.com/office/powerpoint/2010/main">
     <mc:Choice Requires="p14">
-      <p:transition p14:dur="10" advClick="0" advTm="5000"/>
+      <p:transition p14:dur="10" advClick="0" advTm="10000"/>
     </mc:Choice>
     <mc:Fallback xmlns="">
-      <p:transition advClick="0" advTm="5000"/>
+      <p:transition advClick="0" advTm="10000"/>
     </mc:Fallback>
   </mc:AlternateContent>
 </p:sld>
@@ -5241,52 +5689,63 @@
           <a:chExt cx="0" cy="0"/>
         </a:xfrm>
       </p:grpSpPr>
-      <p:pic>
-        <p:nvPicPr>
-          <p:cNvPr id="3" name="Immagine 2" descr="Immagine che contiene testo, uomo, primate, mammifero&#10;&#10;Descrizione generata automaticamente">
-            <a:extLst>
-              <a:ext uri="{FF2B5EF4-FFF2-40B4-BE49-F238E27FC236}">
-                <a16:creationId xmlns:a16="http://schemas.microsoft.com/office/drawing/2014/main" id="{149FF073-E05B-2B61-13AA-33497CC8BBBC}"/>
-              </a:ext>
-            </a:extLst>
-          </p:cNvPr>
-          <p:cNvPicPr>
-            <a:picLocks noChangeAspect="1"/>
-          </p:cNvPicPr>
+      <p:sp>
+        <p:nvSpPr>
+          <p:cNvPr id="5" name="CasellaDiTesto 4">
+            <a:extLst>
+              <a:ext uri="{FF2B5EF4-FFF2-40B4-BE49-F238E27FC236}">
+                <a16:creationId xmlns:a16="http://schemas.microsoft.com/office/drawing/2014/main" id="{BD8962F1-B732-9259-B4E8-C6D18B78160E}"/>
+              </a:ext>
+            </a:extLst>
+          </p:cNvPr>
+          <p:cNvSpPr txBox="1">
+            <a:spLocks/>
+          </p:cNvSpPr>
           <p:nvPr/>
-        </p:nvPicPr>
-        <p:blipFill>
-          <a:blip r:embed="rId2"/>
-          <a:stretch>
-            <a:fillRect/>
-          </a:stretch>
-        </p:blipFill>
-        <p:spPr>
-          <a:xfrm>
-            <a:off x="4588154" y="1449000"/>
-            <a:ext cx="3015692" cy="3960000"/>
+        </p:nvSpPr>
+        <p:spPr>
+          <a:xfrm>
+            <a:off x="5677929" y="2613392"/>
+            <a:ext cx="836141" cy="1631216"/>
           </a:xfrm>
           <a:prstGeom prst="rect">
             <a:avLst/>
           </a:prstGeom>
-        </p:spPr>
-      </p:pic>
+          <a:noFill/>
+        </p:spPr>
+        <p:txBody>
+          <a:bodyPr wrap="square" rtlCol="0">
+            <a:spAutoFit/>
+          </a:bodyPr>
+          <a:lstStyle/>
+          <a:p>
+            <a:r>
+              <a:rPr lang="it-IT" sz="10000" b="1" dirty="0">
+                <a:solidFill>
+                  <a:schemeClr val="bg1"/>
+                </a:solidFill>
+              </a:rPr>
+              <a:t>+</a:t>
+            </a:r>
+          </a:p>
+        </p:txBody>
+      </p:sp>
     </p:spTree>
     <p:extLst>
       <p:ext uri="{BB962C8B-B14F-4D97-AF65-F5344CB8AC3E}">
-        <p14:creationId xmlns:p14="http://schemas.microsoft.com/office/powerpoint/2010/main" val="3184303934"/>
+        <p14:creationId xmlns:p14="http://schemas.microsoft.com/office/powerpoint/2010/main" val="3954057625"/>
       </p:ext>
     </p:extLst>
   </p:cSld>
   <p:clrMapOvr>
     <a:masterClrMapping/>
   </p:clrMapOvr>
-  <mc:AlternateContent xmlns:mc="http://schemas.openxmlformats.org/markup-compatibility/2006">
-    <mc:Choice xmlns:p14="http://schemas.microsoft.com/office/powerpoint/2010/main" Requires="p14">
-      <p:transition p14:dur="10" advClick="0" advTm="10000"/>
+  <mc:AlternateContent xmlns:mc="http://schemas.openxmlformats.org/markup-compatibility/2006" xmlns:p14="http://schemas.microsoft.com/office/powerpoint/2010/main">
+    <mc:Choice Requires="p14">
+      <p:transition p14:dur="10" advClick="0" advTm="5000"/>
     </mc:Choice>
-    <mc:Fallback>
-      <p:transition advClick="0" advTm="10000"/>
+    <mc:Fallback xmlns="">
+      <p:transition advClick="0" advTm="5000"/>
     </mc:Fallback>
   </mc:AlternateContent>
 </p:sld>
@@ -5309,51 +5768,40 @@
           <a:chExt cx="0" cy="0"/>
         </a:xfrm>
       </p:grpSpPr>
-      <p:sp>
-        <p:nvSpPr>
-          <p:cNvPr id="5" name="CasellaDiTesto 4">
-            <a:extLst>
-              <a:ext uri="{FF2B5EF4-FFF2-40B4-BE49-F238E27FC236}">
-                <a16:creationId xmlns:a16="http://schemas.microsoft.com/office/drawing/2014/main" id="{BD8962F1-B732-9259-B4E8-C6D18B78160E}"/>
-              </a:ext>
-            </a:extLst>
-          </p:cNvPr>
-          <p:cNvSpPr txBox="1">
-            <a:spLocks/>
-          </p:cNvSpPr>
+      <p:pic>
+        <p:nvPicPr>
+          <p:cNvPr id="3" name="Immagine 2" descr="Immagine che contiene testo, uomo, primate, mammifero&#10;&#10;Descrizione generata automaticamente">
+            <a:extLst>
+              <a:ext uri="{FF2B5EF4-FFF2-40B4-BE49-F238E27FC236}">
+                <a16:creationId xmlns:a16="http://schemas.microsoft.com/office/drawing/2014/main" id="{149FF073-E05B-2B61-13AA-33497CC8BBBC}"/>
+              </a:ext>
+            </a:extLst>
+          </p:cNvPr>
+          <p:cNvPicPr>
+            <a:picLocks noChangeAspect="1"/>
+          </p:cNvPicPr>
           <p:nvPr/>
-        </p:nvSpPr>
-        <p:spPr>
-          <a:xfrm>
-            <a:off x="5677929" y="2613392"/>
-            <a:ext cx="836141" cy="1631216"/>
+        </p:nvPicPr>
+        <p:blipFill>
+          <a:blip r:embed="rId2"/>
+          <a:stretch>
+            <a:fillRect/>
+          </a:stretch>
+        </p:blipFill>
+        <p:spPr>
+          <a:xfrm>
+            <a:off x="4588154" y="1449000"/>
+            <a:ext cx="3015692" cy="3960000"/>
           </a:xfrm>
           <a:prstGeom prst="rect">
             <a:avLst/>
           </a:prstGeom>
-          <a:noFill/>
-        </p:spPr>
-        <p:txBody>
-          <a:bodyPr wrap="square" rtlCol="0">
-            <a:spAutoFit/>
-          </a:bodyPr>
-          <a:lstStyle/>
-          <a:p>
-            <a:r>
-              <a:rPr lang="it-IT" sz="10000" b="1" dirty="0">
-                <a:solidFill>
-                  <a:schemeClr val="bg1"/>
-                </a:solidFill>
-              </a:rPr>
-              <a:t>+</a:t>
-            </a:r>
-          </a:p>
-        </p:txBody>
-      </p:sp>
+        </p:spPr>
+      </p:pic>
     </p:spTree>
     <p:extLst>
       <p:ext uri="{BB962C8B-B14F-4D97-AF65-F5344CB8AC3E}">
-        <p14:creationId xmlns:p14="http://schemas.microsoft.com/office/powerpoint/2010/main" val="4270568422"/>
+        <p14:creationId xmlns:p14="http://schemas.microsoft.com/office/powerpoint/2010/main" val="3184303934"/>
       </p:ext>
     </p:extLst>
   </p:cSld>
@@ -5362,10 +5810,10 @@
   </p:clrMapOvr>
   <mc:AlternateContent xmlns:mc="http://schemas.openxmlformats.org/markup-compatibility/2006" xmlns:p14="http://schemas.microsoft.com/office/powerpoint/2010/main">
     <mc:Choice Requires="p14">
-      <p:transition p14:dur="10" advClick="0" advTm="5000"/>
+      <p:transition p14:dur="10" advClick="0" advTm="10000"/>
     </mc:Choice>
     <mc:Fallback xmlns="">
-      <p:transition advClick="0" advTm="5000"/>
+      <p:transition advClick="0" advTm="10000"/>
     </mc:Fallback>
   </mc:AlternateContent>
 </p:sld>
@@ -5388,52 +5836,63 @@
           <a:chExt cx="0" cy="0"/>
         </a:xfrm>
       </p:grpSpPr>
-      <p:pic>
-        <p:nvPicPr>
-          <p:cNvPr id="3" name="Immagine 2" descr="Immagine che contiene testo, uomo, vecchio&#10;&#10;Descrizione generata automaticamente">
-            <a:extLst>
-              <a:ext uri="{FF2B5EF4-FFF2-40B4-BE49-F238E27FC236}">
-                <a16:creationId xmlns:a16="http://schemas.microsoft.com/office/drawing/2014/main" id="{2B93BBFE-63A8-0457-F443-54EB79E496F7}"/>
-              </a:ext>
-            </a:extLst>
-          </p:cNvPr>
-          <p:cNvPicPr>
-            <a:picLocks noChangeAspect="1"/>
-          </p:cNvPicPr>
+      <p:sp>
+        <p:nvSpPr>
+          <p:cNvPr id="5" name="CasellaDiTesto 4">
+            <a:extLst>
+              <a:ext uri="{FF2B5EF4-FFF2-40B4-BE49-F238E27FC236}">
+                <a16:creationId xmlns:a16="http://schemas.microsoft.com/office/drawing/2014/main" id="{BD8962F1-B732-9259-B4E8-C6D18B78160E}"/>
+              </a:ext>
+            </a:extLst>
+          </p:cNvPr>
+          <p:cNvSpPr txBox="1">
+            <a:spLocks/>
+          </p:cNvSpPr>
           <p:nvPr/>
-        </p:nvPicPr>
-        <p:blipFill>
-          <a:blip r:embed="rId2"/>
-          <a:stretch>
-            <a:fillRect/>
-          </a:stretch>
-        </p:blipFill>
-        <p:spPr>
-          <a:xfrm>
-            <a:off x="4484372" y="1449000"/>
-            <a:ext cx="3223256" cy="3960000"/>
+        </p:nvSpPr>
+        <p:spPr>
+          <a:xfrm>
+            <a:off x="5677929" y="2613392"/>
+            <a:ext cx="836141" cy="1631216"/>
           </a:xfrm>
           <a:prstGeom prst="rect">
             <a:avLst/>
           </a:prstGeom>
-        </p:spPr>
-      </p:pic>
+          <a:noFill/>
+        </p:spPr>
+        <p:txBody>
+          <a:bodyPr wrap="square" rtlCol="0">
+            <a:spAutoFit/>
+          </a:bodyPr>
+          <a:lstStyle/>
+          <a:p>
+            <a:r>
+              <a:rPr lang="it-IT" sz="10000" b="1" dirty="0">
+                <a:solidFill>
+                  <a:schemeClr val="bg1"/>
+                </a:solidFill>
+              </a:rPr>
+              <a:t>+</a:t>
+            </a:r>
+          </a:p>
+        </p:txBody>
+      </p:sp>
     </p:spTree>
     <p:extLst>
       <p:ext uri="{BB962C8B-B14F-4D97-AF65-F5344CB8AC3E}">
-        <p14:creationId xmlns:p14="http://schemas.microsoft.com/office/powerpoint/2010/main" val="1730738592"/>
+        <p14:creationId xmlns:p14="http://schemas.microsoft.com/office/powerpoint/2010/main" val="4270568422"/>
       </p:ext>
     </p:extLst>
   </p:cSld>
   <p:clrMapOvr>
     <a:masterClrMapping/>
   </p:clrMapOvr>
-  <mc:AlternateContent xmlns:mc="http://schemas.openxmlformats.org/markup-compatibility/2006">
-    <mc:Choice xmlns:p14="http://schemas.microsoft.com/office/powerpoint/2010/main" Requires="p14">
-      <p:transition p14:dur="10" advClick="0" advTm="10000"/>
+  <mc:AlternateContent xmlns:mc="http://schemas.openxmlformats.org/markup-compatibility/2006" xmlns:p14="http://schemas.microsoft.com/office/powerpoint/2010/main">
+    <mc:Choice Requires="p14">
+      <p:transition p14:dur="10" advClick="0" advTm="5000"/>
     </mc:Choice>
-    <mc:Fallback>
-      <p:transition advClick="0" advTm="10000"/>
+    <mc:Fallback xmlns="">
+      <p:transition advClick="0" advTm="5000"/>
     </mc:Fallback>
   </mc:AlternateContent>
 </p:sld>
@@ -5456,51 +5915,40 @@
           <a:chExt cx="0" cy="0"/>
         </a:xfrm>
       </p:grpSpPr>
-      <p:sp>
-        <p:nvSpPr>
-          <p:cNvPr id="5" name="CasellaDiTesto 4">
-            <a:extLst>
-              <a:ext uri="{FF2B5EF4-FFF2-40B4-BE49-F238E27FC236}">
-                <a16:creationId xmlns:a16="http://schemas.microsoft.com/office/drawing/2014/main" id="{BD8962F1-B732-9259-B4E8-C6D18B78160E}"/>
-              </a:ext>
-            </a:extLst>
-          </p:cNvPr>
-          <p:cNvSpPr txBox="1">
-            <a:spLocks/>
-          </p:cNvSpPr>
+      <p:pic>
+        <p:nvPicPr>
+          <p:cNvPr id="3" name="Immagine 2" descr="Immagine che contiene testo, uomo, vecchio&#10;&#10;Descrizione generata automaticamente">
+            <a:extLst>
+              <a:ext uri="{FF2B5EF4-FFF2-40B4-BE49-F238E27FC236}">
+                <a16:creationId xmlns:a16="http://schemas.microsoft.com/office/drawing/2014/main" id="{2B93BBFE-63A8-0457-F443-54EB79E496F7}"/>
+              </a:ext>
+            </a:extLst>
+          </p:cNvPr>
+          <p:cNvPicPr>
+            <a:picLocks noChangeAspect="1"/>
+          </p:cNvPicPr>
           <p:nvPr/>
-        </p:nvSpPr>
-        <p:spPr>
-          <a:xfrm>
-            <a:off x="5677929" y="2613392"/>
-            <a:ext cx="836141" cy="1631216"/>
+        </p:nvPicPr>
+        <p:blipFill>
+          <a:blip r:embed="rId2"/>
+          <a:stretch>
+            <a:fillRect/>
+          </a:stretch>
+        </p:blipFill>
+        <p:spPr>
+          <a:xfrm>
+            <a:off x="4484372" y="1449000"/>
+            <a:ext cx="3223256" cy="3960000"/>
           </a:xfrm>
           <a:prstGeom prst="rect">
             <a:avLst/>
           </a:prstGeom>
-          <a:noFill/>
-        </p:spPr>
-        <p:txBody>
-          <a:bodyPr wrap="square" rtlCol="0">
-            <a:spAutoFit/>
-          </a:bodyPr>
-          <a:lstStyle/>
-          <a:p>
-            <a:r>
-              <a:rPr lang="it-IT" sz="10000" b="1" dirty="0">
-                <a:solidFill>
-                  <a:schemeClr val="bg1"/>
-                </a:solidFill>
-              </a:rPr>
-              <a:t>+</a:t>
-            </a:r>
-          </a:p>
-        </p:txBody>
-      </p:sp>
+        </p:spPr>
+      </p:pic>
     </p:spTree>
     <p:extLst>
       <p:ext uri="{BB962C8B-B14F-4D97-AF65-F5344CB8AC3E}">
-        <p14:creationId xmlns:p14="http://schemas.microsoft.com/office/powerpoint/2010/main" val="3502305426"/>
+        <p14:creationId xmlns:p14="http://schemas.microsoft.com/office/powerpoint/2010/main" val="1730738592"/>
       </p:ext>
     </p:extLst>
   </p:cSld>
@@ -5509,10 +5957,10 @@
   </p:clrMapOvr>
   <mc:AlternateContent xmlns:mc="http://schemas.openxmlformats.org/markup-compatibility/2006" xmlns:p14="http://schemas.microsoft.com/office/powerpoint/2010/main">
     <mc:Choice Requires="p14">
-      <p:transition p14:dur="10" advClick="0" advTm="5000"/>
+      <p:transition p14:dur="10" advClick="0" advTm="10000"/>
     </mc:Choice>
     <mc:Fallback xmlns="">
-      <p:transition advClick="0" advTm="5000"/>
+      <p:transition advClick="0" advTm="10000"/>
     </mc:Fallback>
   </mc:AlternateContent>
 </p:sld>
@@ -5535,52 +5983,63 @@
           <a:chExt cx="0" cy="0"/>
         </a:xfrm>
       </p:grpSpPr>
-      <p:pic>
-        <p:nvPicPr>
-          <p:cNvPr id="3" name="Immagine 2" descr="Immagine che contiene testo, uomo, persona, interni&#10;&#10;Descrizione generata automaticamente">
-            <a:extLst>
-              <a:ext uri="{FF2B5EF4-FFF2-40B4-BE49-F238E27FC236}">
-                <a16:creationId xmlns:a16="http://schemas.microsoft.com/office/drawing/2014/main" id="{50E155B5-E615-3378-BADC-6A8D28332CC4}"/>
-              </a:ext>
-            </a:extLst>
-          </p:cNvPr>
-          <p:cNvPicPr>
-            <a:picLocks noChangeAspect="1"/>
-          </p:cNvPicPr>
+      <p:sp>
+        <p:nvSpPr>
+          <p:cNvPr id="5" name="CasellaDiTesto 4">
+            <a:extLst>
+              <a:ext uri="{FF2B5EF4-FFF2-40B4-BE49-F238E27FC236}">
+                <a16:creationId xmlns:a16="http://schemas.microsoft.com/office/drawing/2014/main" id="{BD8962F1-B732-9259-B4E8-C6D18B78160E}"/>
+              </a:ext>
+            </a:extLst>
+          </p:cNvPr>
+          <p:cNvSpPr txBox="1">
+            <a:spLocks/>
+          </p:cNvSpPr>
           <p:nvPr/>
-        </p:nvPicPr>
-        <p:blipFill>
-          <a:blip r:embed="rId2"/>
-          <a:stretch>
-            <a:fillRect/>
-          </a:stretch>
-        </p:blipFill>
-        <p:spPr>
-          <a:xfrm>
-            <a:off x="4728857" y="1449000"/>
-            <a:ext cx="2734286" cy="3960000"/>
+        </p:nvSpPr>
+        <p:spPr>
+          <a:xfrm>
+            <a:off x="5677929" y="2613392"/>
+            <a:ext cx="836141" cy="1631216"/>
           </a:xfrm>
           <a:prstGeom prst="rect">
             <a:avLst/>
           </a:prstGeom>
-        </p:spPr>
-      </p:pic>
+          <a:noFill/>
+        </p:spPr>
+        <p:txBody>
+          <a:bodyPr wrap="square" rtlCol="0">
+            <a:spAutoFit/>
+          </a:bodyPr>
+          <a:lstStyle/>
+          <a:p>
+            <a:r>
+              <a:rPr lang="it-IT" sz="10000" b="1" dirty="0">
+                <a:solidFill>
+                  <a:schemeClr val="bg1"/>
+                </a:solidFill>
+              </a:rPr>
+              <a:t>+</a:t>
+            </a:r>
+          </a:p>
+        </p:txBody>
+      </p:sp>
     </p:spTree>
     <p:extLst>
       <p:ext uri="{BB962C8B-B14F-4D97-AF65-F5344CB8AC3E}">
-        <p14:creationId xmlns:p14="http://schemas.microsoft.com/office/powerpoint/2010/main" val="1915792472"/>
+        <p14:creationId xmlns:p14="http://schemas.microsoft.com/office/powerpoint/2010/main" val="3502305426"/>
       </p:ext>
     </p:extLst>
   </p:cSld>
   <p:clrMapOvr>
     <a:masterClrMapping/>
   </p:clrMapOvr>
-  <mc:AlternateContent xmlns:mc="http://schemas.openxmlformats.org/markup-compatibility/2006">
-    <mc:Choice xmlns:p14="http://schemas.microsoft.com/office/powerpoint/2010/main" Requires="p14">
-      <p:transition p14:dur="10" advClick="0" advTm="10000"/>
+  <mc:AlternateContent xmlns:mc="http://schemas.openxmlformats.org/markup-compatibility/2006" xmlns:p14="http://schemas.microsoft.com/office/powerpoint/2010/main">
+    <mc:Choice Requires="p14">
+      <p:transition p14:dur="10" advClick="0" advTm="5000"/>
     </mc:Choice>
-    <mc:Fallback>
-      <p:transition advClick="0" advTm="10000"/>
+    <mc:Fallback xmlns="">
+      <p:transition advClick="0" advTm="5000"/>
     </mc:Fallback>
   </mc:AlternateContent>
 </p:sld>
@@ -5603,51 +6062,40 @@
           <a:chExt cx="0" cy="0"/>
         </a:xfrm>
       </p:grpSpPr>
-      <p:sp>
-        <p:nvSpPr>
-          <p:cNvPr id="5" name="CasellaDiTesto 4">
-            <a:extLst>
-              <a:ext uri="{FF2B5EF4-FFF2-40B4-BE49-F238E27FC236}">
-                <a16:creationId xmlns:a16="http://schemas.microsoft.com/office/drawing/2014/main" id="{BD8962F1-B732-9259-B4E8-C6D18B78160E}"/>
-              </a:ext>
-            </a:extLst>
-          </p:cNvPr>
-          <p:cNvSpPr txBox="1">
-            <a:spLocks/>
-          </p:cNvSpPr>
+      <p:pic>
+        <p:nvPicPr>
+          <p:cNvPr id="3" name="Immagine 2" descr="Immagine che contiene testo, uomo, persona, interni&#10;&#10;Descrizione generata automaticamente">
+            <a:extLst>
+              <a:ext uri="{FF2B5EF4-FFF2-40B4-BE49-F238E27FC236}">
+                <a16:creationId xmlns:a16="http://schemas.microsoft.com/office/drawing/2014/main" id="{50E155B5-E615-3378-BADC-6A8D28332CC4}"/>
+              </a:ext>
+            </a:extLst>
+          </p:cNvPr>
+          <p:cNvPicPr>
+            <a:picLocks noChangeAspect="1"/>
+          </p:cNvPicPr>
           <p:nvPr/>
-        </p:nvSpPr>
-        <p:spPr>
-          <a:xfrm>
-            <a:off x="5677929" y="2613392"/>
-            <a:ext cx="836141" cy="1631216"/>
+        </p:nvPicPr>
+        <p:blipFill>
+          <a:blip r:embed="rId2"/>
+          <a:stretch>
+            <a:fillRect/>
+          </a:stretch>
+        </p:blipFill>
+        <p:spPr>
+          <a:xfrm>
+            <a:off x="4728857" y="1449000"/>
+            <a:ext cx="2734286" cy="3960000"/>
           </a:xfrm>
           <a:prstGeom prst="rect">
             <a:avLst/>
           </a:prstGeom>
-          <a:noFill/>
-        </p:spPr>
-        <p:txBody>
-          <a:bodyPr wrap="square" rtlCol="0">
-            <a:spAutoFit/>
-          </a:bodyPr>
-          <a:lstStyle/>
-          <a:p>
-            <a:r>
-              <a:rPr lang="it-IT" sz="10000" b="1" dirty="0">
-                <a:solidFill>
-                  <a:schemeClr val="bg1"/>
-                </a:solidFill>
-              </a:rPr>
-              <a:t>+</a:t>
-            </a:r>
-          </a:p>
-        </p:txBody>
-      </p:sp>
+        </p:spPr>
+      </p:pic>
     </p:spTree>
     <p:extLst>
       <p:ext uri="{BB962C8B-B14F-4D97-AF65-F5344CB8AC3E}">
-        <p14:creationId xmlns:p14="http://schemas.microsoft.com/office/powerpoint/2010/main" val="3179519381"/>
+        <p14:creationId xmlns:p14="http://schemas.microsoft.com/office/powerpoint/2010/main" val="1915792472"/>
       </p:ext>
     </p:extLst>
   </p:cSld>
@@ -5656,10 +6104,10 @@
   </p:clrMapOvr>
   <mc:AlternateContent xmlns:mc="http://schemas.openxmlformats.org/markup-compatibility/2006" xmlns:p14="http://schemas.microsoft.com/office/powerpoint/2010/main">
     <mc:Choice Requires="p14">
-      <p:transition p14:dur="10" advClick="0" advTm="5000"/>
+      <p:transition p14:dur="10" advClick="0" advTm="10000"/>
     </mc:Choice>
     <mc:Fallback xmlns="">
-      <p:transition advClick="0" advTm="5000"/>
+      <p:transition advClick="0" advTm="10000"/>
     </mc:Fallback>
   </mc:AlternateContent>
 </p:sld>
@@ -5682,52 +6130,63 @@
           <a:chExt cx="0" cy="0"/>
         </a:xfrm>
       </p:grpSpPr>
-      <p:pic>
-        <p:nvPicPr>
-          <p:cNvPr id="3" name="Immagine 2" descr="Immagine che contiene testo, uomo, vecchio&#10;&#10;Descrizione generata automaticamente">
-            <a:extLst>
-              <a:ext uri="{FF2B5EF4-FFF2-40B4-BE49-F238E27FC236}">
-                <a16:creationId xmlns:a16="http://schemas.microsoft.com/office/drawing/2014/main" id="{2B93BBFE-63A8-0457-F443-54EB79E496F7}"/>
-              </a:ext>
-            </a:extLst>
-          </p:cNvPr>
-          <p:cNvPicPr>
-            <a:picLocks noChangeAspect="1"/>
-          </p:cNvPicPr>
+      <p:sp>
+        <p:nvSpPr>
+          <p:cNvPr id="5" name="CasellaDiTesto 4">
+            <a:extLst>
+              <a:ext uri="{FF2B5EF4-FFF2-40B4-BE49-F238E27FC236}">
+                <a16:creationId xmlns:a16="http://schemas.microsoft.com/office/drawing/2014/main" id="{BD8962F1-B732-9259-B4E8-C6D18B78160E}"/>
+              </a:ext>
+            </a:extLst>
+          </p:cNvPr>
+          <p:cNvSpPr txBox="1">
+            <a:spLocks/>
+          </p:cNvSpPr>
           <p:nvPr/>
-        </p:nvPicPr>
-        <p:blipFill>
-          <a:blip r:embed="rId2"/>
-          <a:stretch>
-            <a:fillRect/>
-          </a:stretch>
-        </p:blipFill>
-        <p:spPr>
-          <a:xfrm>
-            <a:off x="4484372" y="1449000"/>
-            <a:ext cx="3223256" cy="3960000"/>
+        </p:nvSpPr>
+        <p:spPr>
+          <a:xfrm>
+            <a:off x="5677929" y="2613392"/>
+            <a:ext cx="836141" cy="1631216"/>
           </a:xfrm>
           <a:prstGeom prst="rect">
             <a:avLst/>
           </a:prstGeom>
-        </p:spPr>
-      </p:pic>
+          <a:noFill/>
+        </p:spPr>
+        <p:txBody>
+          <a:bodyPr wrap="square" rtlCol="0">
+            <a:spAutoFit/>
+          </a:bodyPr>
+          <a:lstStyle/>
+          <a:p>
+            <a:r>
+              <a:rPr lang="it-IT" sz="10000" b="1" dirty="0">
+                <a:solidFill>
+                  <a:schemeClr val="bg1"/>
+                </a:solidFill>
+              </a:rPr>
+              <a:t>+</a:t>
+            </a:r>
+          </a:p>
+        </p:txBody>
+      </p:sp>
     </p:spTree>
     <p:extLst>
       <p:ext uri="{BB962C8B-B14F-4D97-AF65-F5344CB8AC3E}">
-        <p14:creationId xmlns:p14="http://schemas.microsoft.com/office/powerpoint/2010/main" val="3338960820"/>
+        <p14:creationId xmlns:p14="http://schemas.microsoft.com/office/powerpoint/2010/main" val="3179519381"/>
       </p:ext>
     </p:extLst>
   </p:cSld>
   <p:clrMapOvr>
     <a:masterClrMapping/>
   </p:clrMapOvr>
-  <mc:AlternateContent xmlns:mc="http://schemas.openxmlformats.org/markup-compatibility/2006">
-    <mc:Choice xmlns:p14="http://schemas.microsoft.com/office/powerpoint/2010/main" Requires="p14">
-      <p:transition p14:dur="10" advClick="0" advTm="10000"/>
+  <mc:AlternateContent xmlns:mc="http://schemas.openxmlformats.org/markup-compatibility/2006" xmlns:p14="http://schemas.microsoft.com/office/powerpoint/2010/main">
+    <mc:Choice Requires="p14">
+      <p:transition p14:dur="10" advClick="0" advTm="5000"/>
     </mc:Choice>
-    <mc:Fallback>
-      <p:transition advClick="0" advTm="10000"/>
+    <mc:Fallback xmlns="">
+      <p:transition advClick="0" advTm="5000"/>
     </mc:Fallback>
   </mc:AlternateContent>
 </p:sld>
@@ -5750,51 +6209,40 @@
           <a:chExt cx="0" cy="0"/>
         </a:xfrm>
       </p:grpSpPr>
-      <p:sp>
-        <p:nvSpPr>
-          <p:cNvPr id="5" name="CasellaDiTesto 4">
-            <a:extLst>
-              <a:ext uri="{FF2B5EF4-FFF2-40B4-BE49-F238E27FC236}">
-                <a16:creationId xmlns:a16="http://schemas.microsoft.com/office/drawing/2014/main" id="{BD8962F1-B732-9259-B4E8-C6D18B78160E}"/>
-              </a:ext>
-            </a:extLst>
-          </p:cNvPr>
-          <p:cNvSpPr txBox="1">
-            <a:spLocks/>
-          </p:cNvSpPr>
+      <p:pic>
+        <p:nvPicPr>
+          <p:cNvPr id="3" name="Immagine 2" descr="Immagine che contiene testo, uomo, vecchio&#10;&#10;Descrizione generata automaticamente">
+            <a:extLst>
+              <a:ext uri="{FF2B5EF4-FFF2-40B4-BE49-F238E27FC236}">
+                <a16:creationId xmlns:a16="http://schemas.microsoft.com/office/drawing/2014/main" id="{2B93BBFE-63A8-0457-F443-54EB79E496F7}"/>
+              </a:ext>
+            </a:extLst>
+          </p:cNvPr>
+          <p:cNvPicPr>
+            <a:picLocks noChangeAspect="1"/>
+          </p:cNvPicPr>
           <p:nvPr/>
-        </p:nvSpPr>
-        <p:spPr>
-          <a:xfrm>
-            <a:off x="5677929" y="2613392"/>
-            <a:ext cx="836141" cy="1631216"/>
+        </p:nvPicPr>
+        <p:blipFill>
+          <a:blip r:embed="rId2"/>
+          <a:stretch>
+            <a:fillRect/>
+          </a:stretch>
+        </p:blipFill>
+        <p:spPr>
+          <a:xfrm>
+            <a:off x="4484372" y="1449000"/>
+            <a:ext cx="3223256" cy="3960000"/>
           </a:xfrm>
           <a:prstGeom prst="rect">
             <a:avLst/>
           </a:prstGeom>
-          <a:noFill/>
-        </p:spPr>
-        <p:txBody>
-          <a:bodyPr wrap="square" rtlCol="0">
-            <a:spAutoFit/>
-          </a:bodyPr>
-          <a:lstStyle/>
-          <a:p>
-            <a:r>
-              <a:rPr lang="it-IT" sz="10000" b="1" dirty="0">
-                <a:solidFill>
-                  <a:schemeClr val="bg1"/>
-                </a:solidFill>
-              </a:rPr>
-              <a:t>+</a:t>
-            </a:r>
-          </a:p>
-        </p:txBody>
-      </p:sp>
+        </p:spPr>
+      </p:pic>
     </p:spTree>
     <p:extLst>
       <p:ext uri="{BB962C8B-B14F-4D97-AF65-F5344CB8AC3E}">
-        <p14:creationId xmlns:p14="http://schemas.microsoft.com/office/powerpoint/2010/main" val="1542700840"/>
+        <p14:creationId xmlns:p14="http://schemas.microsoft.com/office/powerpoint/2010/main" val="3338960820"/>
       </p:ext>
     </p:extLst>
   </p:cSld>
@@ -5803,10 +6251,10 @@
   </p:clrMapOvr>
   <mc:AlternateContent xmlns:mc="http://schemas.openxmlformats.org/markup-compatibility/2006" xmlns:p14="http://schemas.microsoft.com/office/powerpoint/2010/main">
     <mc:Choice Requires="p14">
-      <p:transition p14:dur="10" advClick="0" advTm="5000"/>
+      <p:transition p14:dur="10" advClick="0" advTm="10000"/>
     </mc:Choice>
     <mc:Fallback xmlns="">
-      <p:transition advClick="0" advTm="5000"/>
+      <p:transition advClick="0" advTm="10000"/>
     </mc:Fallback>
   </mc:AlternateContent>
 </p:sld>
@@ -5829,52 +6277,63 @@
           <a:chExt cx="0" cy="0"/>
         </a:xfrm>
       </p:grpSpPr>
-      <p:pic>
-        <p:nvPicPr>
-          <p:cNvPr id="3" name="Immagine 2" descr="Immagine che contiene testo, uomo, vecchio&#10;&#10;Descrizione generata automaticamente">
-            <a:extLst>
-              <a:ext uri="{FF2B5EF4-FFF2-40B4-BE49-F238E27FC236}">
-                <a16:creationId xmlns:a16="http://schemas.microsoft.com/office/drawing/2014/main" id="{8DD45351-5188-9ADE-8E5B-28B53FCBD450}"/>
-              </a:ext>
-            </a:extLst>
-          </p:cNvPr>
-          <p:cNvPicPr>
-            <a:picLocks noChangeAspect="1"/>
-          </p:cNvPicPr>
+      <p:sp>
+        <p:nvSpPr>
+          <p:cNvPr id="5" name="CasellaDiTesto 4">
+            <a:extLst>
+              <a:ext uri="{FF2B5EF4-FFF2-40B4-BE49-F238E27FC236}">
+                <a16:creationId xmlns:a16="http://schemas.microsoft.com/office/drawing/2014/main" id="{BD8962F1-B732-9259-B4E8-C6D18B78160E}"/>
+              </a:ext>
+            </a:extLst>
+          </p:cNvPr>
+          <p:cNvSpPr txBox="1">
+            <a:spLocks/>
+          </p:cNvSpPr>
           <p:nvPr/>
-        </p:nvPicPr>
-        <p:blipFill>
-          <a:blip r:embed="rId2"/>
-          <a:stretch>
-            <a:fillRect/>
-          </a:stretch>
-        </p:blipFill>
-        <p:spPr>
-          <a:xfrm>
-            <a:off x="4564594" y="1449000"/>
-            <a:ext cx="3062812" cy="3960000"/>
+        </p:nvSpPr>
+        <p:spPr>
+          <a:xfrm>
+            <a:off x="5677929" y="2613392"/>
+            <a:ext cx="836141" cy="1631216"/>
           </a:xfrm>
           <a:prstGeom prst="rect">
             <a:avLst/>
           </a:prstGeom>
-        </p:spPr>
-      </p:pic>
+          <a:noFill/>
+        </p:spPr>
+        <p:txBody>
+          <a:bodyPr wrap="square" rtlCol="0">
+            <a:spAutoFit/>
+          </a:bodyPr>
+          <a:lstStyle/>
+          <a:p>
+            <a:r>
+              <a:rPr lang="it-IT" sz="10000" b="1" dirty="0">
+                <a:solidFill>
+                  <a:schemeClr val="bg1"/>
+                </a:solidFill>
+              </a:rPr>
+              <a:t>+</a:t>
+            </a:r>
+          </a:p>
+        </p:txBody>
+      </p:sp>
     </p:spTree>
     <p:extLst>
       <p:ext uri="{BB962C8B-B14F-4D97-AF65-F5344CB8AC3E}">
-        <p14:creationId xmlns:p14="http://schemas.microsoft.com/office/powerpoint/2010/main" val="2577775168"/>
+        <p14:creationId xmlns:p14="http://schemas.microsoft.com/office/powerpoint/2010/main" val="449683994"/>
       </p:ext>
     </p:extLst>
   </p:cSld>
   <p:clrMapOvr>
     <a:masterClrMapping/>
   </p:clrMapOvr>
-  <mc:AlternateContent xmlns:mc="http://schemas.openxmlformats.org/markup-compatibility/2006">
-    <mc:Choice xmlns:p14="http://schemas.microsoft.com/office/powerpoint/2010/main" Requires="p14">
-      <p:transition p14:dur="10" advClick="0" advTm="10000"/>
+  <mc:AlternateContent xmlns:mc="http://schemas.openxmlformats.org/markup-compatibility/2006" xmlns:p14="http://schemas.microsoft.com/office/powerpoint/2010/main">
+    <mc:Choice Requires="p14">
+      <p:transition p14:dur="10" advClick="0" advTm="5000"/>
     </mc:Choice>
-    <mc:Fallback>
-      <p:transition advClick="0" advTm="10000"/>
+    <mc:Fallback xmlns="">
+      <p:transition advClick="0" advTm="5000"/>
     </mc:Fallback>
   </mc:AlternateContent>
 </p:sld>
@@ -5897,52 +6356,63 @@
           <a:chExt cx="0" cy="0"/>
         </a:xfrm>
       </p:grpSpPr>
-      <p:pic>
-        <p:nvPicPr>
-          <p:cNvPr id="3" name="Immagine 2" descr="Immagine che contiene testo, uomo, fissando&#10;&#10;Descrizione generata automaticamente">
-            <a:extLst>
-              <a:ext uri="{FF2B5EF4-FFF2-40B4-BE49-F238E27FC236}">
-                <a16:creationId xmlns:a16="http://schemas.microsoft.com/office/drawing/2014/main" id="{7EFD96A6-EFD2-D9DD-0A9F-A68F4FE85887}"/>
-              </a:ext>
-            </a:extLst>
-          </p:cNvPr>
-          <p:cNvPicPr>
-            <a:picLocks noChangeAspect="1"/>
-          </p:cNvPicPr>
+      <p:sp>
+        <p:nvSpPr>
+          <p:cNvPr id="5" name="CasellaDiTesto 4">
+            <a:extLst>
+              <a:ext uri="{FF2B5EF4-FFF2-40B4-BE49-F238E27FC236}">
+                <a16:creationId xmlns:a16="http://schemas.microsoft.com/office/drawing/2014/main" id="{BD8962F1-B732-9259-B4E8-C6D18B78160E}"/>
+              </a:ext>
+            </a:extLst>
+          </p:cNvPr>
+          <p:cNvSpPr txBox="1">
+            <a:spLocks/>
+          </p:cNvSpPr>
           <p:nvPr/>
-        </p:nvPicPr>
-        <p:blipFill>
-          <a:blip r:embed="rId2"/>
-          <a:stretch>
-            <a:fillRect/>
-          </a:stretch>
-        </p:blipFill>
-        <p:spPr>
-          <a:xfrm>
-            <a:off x="4469023" y="1449000"/>
-            <a:ext cx="3253953" cy="3960000"/>
+        </p:nvSpPr>
+        <p:spPr>
+          <a:xfrm>
+            <a:off x="5677929" y="2613392"/>
+            <a:ext cx="836141" cy="1631216"/>
           </a:xfrm>
           <a:prstGeom prst="rect">
             <a:avLst/>
           </a:prstGeom>
-        </p:spPr>
-      </p:pic>
+          <a:noFill/>
+        </p:spPr>
+        <p:txBody>
+          <a:bodyPr wrap="square" rtlCol="0">
+            <a:spAutoFit/>
+          </a:bodyPr>
+          <a:lstStyle/>
+          <a:p>
+            <a:r>
+              <a:rPr lang="it-IT" sz="10000" b="1" dirty="0">
+                <a:solidFill>
+                  <a:schemeClr val="bg1"/>
+                </a:solidFill>
+              </a:rPr>
+              <a:t>+</a:t>
+            </a:r>
+          </a:p>
+        </p:txBody>
+      </p:sp>
     </p:spTree>
     <p:extLst>
       <p:ext uri="{BB962C8B-B14F-4D97-AF65-F5344CB8AC3E}">
-        <p14:creationId xmlns:p14="http://schemas.microsoft.com/office/powerpoint/2010/main" val="3334082772"/>
+        <p14:creationId xmlns:p14="http://schemas.microsoft.com/office/powerpoint/2010/main" val="1542700840"/>
       </p:ext>
     </p:extLst>
   </p:cSld>
   <p:clrMapOvr>
     <a:masterClrMapping/>
   </p:clrMapOvr>
-  <mc:AlternateContent xmlns:mc="http://schemas.openxmlformats.org/markup-compatibility/2006">
-    <mc:Choice xmlns:p14="http://schemas.microsoft.com/office/powerpoint/2010/main" Requires="p14">
-      <p:transition p14:dur="10" advClick="0" advTm="10000"/>
+  <mc:AlternateContent xmlns:mc="http://schemas.openxmlformats.org/markup-compatibility/2006" xmlns:p14="http://schemas.microsoft.com/office/powerpoint/2010/main">
+    <mc:Choice Requires="p14">
+      <p:transition p14:dur="10" advClick="0" advTm="5000"/>
     </mc:Choice>
-    <mc:Fallback>
-      <p:transition advClick="0" advTm="10000"/>
+    <mc:Fallback xmlns="">
+      <p:transition advClick="0" advTm="5000"/>
     </mc:Fallback>
   </mc:AlternateContent>
 </p:sld>
@@ -5965,51 +6435,40 @@
           <a:chExt cx="0" cy="0"/>
         </a:xfrm>
       </p:grpSpPr>
-      <p:sp>
-        <p:nvSpPr>
-          <p:cNvPr id="5" name="CasellaDiTesto 4">
-            <a:extLst>
-              <a:ext uri="{FF2B5EF4-FFF2-40B4-BE49-F238E27FC236}">
-                <a16:creationId xmlns:a16="http://schemas.microsoft.com/office/drawing/2014/main" id="{BD8962F1-B732-9259-B4E8-C6D18B78160E}"/>
-              </a:ext>
-            </a:extLst>
-          </p:cNvPr>
-          <p:cNvSpPr txBox="1">
-            <a:spLocks/>
-          </p:cNvSpPr>
+      <p:pic>
+        <p:nvPicPr>
+          <p:cNvPr id="3" name="Immagine 2" descr="Immagine che contiene testo, uomo, fissando&#10;&#10;Descrizione generata automaticamente">
+            <a:extLst>
+              <a:ext uri="{FF2B5EF4-FFF2-40B4-BE49-F238E27FC236}">
+                <a16:creationId xmlns:a16="http://schemas.microsoft.com/office/drawing/2014/main" id="{7EFD96A6-EFD2-D9DD-0A9F-A68F4FE85887}"/>
+              </a:ext>
+            </a:extLst>
+          </p:cNvPr>
+          <p:cNvPicPr>
+            <a:picLocks noChangeAspect="1"/>
+          </p:cNvPicPr>
           <p:nvPr/>
-        </p:nvSpPr>
-        <p:spPr>
-          <a:xfrm>
-            <a:off x="5677929" y="2613392"/>
-            <a:ext cx="836141" cy="1631216"/>
+        </p:nvPicPr>
+        <p:blipFill>
+          <a:blip r:embed="rId2"/>
+          <a:stretch>
+            <a:fillRect/>
+          </a:stretch>
+        </p:blipFill>
+        <p:spPr>
+          <a:xfrm>
+            <a:off x="4469023" y="1449000"/>
+            <a:ext cx="3253953" cy="3960000"/>
           </a:xfrm>
           <a:prstGeom prst="rect">
             <a:avLst/>
           </a:prstGeom>
-          <a:noFill/>
-        </p:spPr>
-        <p:txBody>
-          <a:bodyPr wrap="square" rtlCol="0">
-            <a:spAutoFit/>
-          </a:bodyPr>
-          <a:lstStyle/>
-          <a:p>
-            <a:r>
-              <a:rPr lang="it-IT" sz="10000" b="1" dirty="0">
-                <a:solidFill>
-                  <a:schemeClr val="bg1"/>
-                </a:solidFill>
-              </a:rPr>
-              <a:t>+</a:t>
-            </a:r>
-          </a:p>
-        </p:txBody>
-      </p:sp>
+        </p:spPr>
+      </p:pic>
     </p:spTree>
     <p:extLst>
       <p:ext uri="{BB962C8B-B14F-4D97-AF65-F5344CB8AC3E}">
-        <p14:creationId xmlns:p14="http://schemas.microsoft.com/office/powerpoint/2010/main" val="2758940287"/>
+        <p14:creationId xmlns:p14="http://schemas.microsoft.com/office/powerpoint/2010/main" val="3334082772"/>
       </p:ext>
     </p:extLst>
   </p:cSld>
@@ -6018,10 +6477,10 @@
   </p:clrMapOvr>
   <mc:AlternateContent xmlns:mc="http://schemas.openxmlformats.org/markup-compatibility/2006" xmlns:p14="http://schemas.microsoft.com/office/powerpoint/2010/main">
     <mc:Choice Requires="p14">
-      <p:transition p14:dur="10" advClick="0" advTm="5000"/>
+      <p:transition p14:dur="10" advClick="0" advTm="10000"/>
     </mc:Choice>
     <mc:Fallback xmlns="">
-      <p:transition advClick="0" advTm="5000"/>
+      <p:transition advClick="0" advTm="10000"/>
     </mc:Fallback>
   </mc:AlternateContent>
 </p:sld>
@@ -6044,52 +6503,63 @@
           <a:chExt cx="0" cy="0"/>
         </a:xfrm>
       </p:grpSpPr>
-      <p:pic>
-        <p:nvPicPr>
-          <p:cNvPr id="3" name="Immagine 2" descr="Immagine che contiene testo, uomo, primate, mammifero&#10;&#10;Descrizione generata automaticamente">
-            <a:extLst>
-              <a:ext uri="{FF2B5EF4-FFF2-40B4-BE49-F238E27FC236}">
-                <a16:creationId xmlns:a16="http://schemas.microsoft.com/office/drawing/2014/main" id="{0C036FCA-B572-3081-0776-8C95BAA291FF}"/>
-              </a:ext>
-            </a:extLst>
-          </p:cNvPr>
-          <p:cNvPicPr>
-            <a:picLocks noChangeAspect="1"/>
-          </p:cNvPicPr>
+      <p:sp>
+        <p:nvSpPr>
+          <p:cNvPr id="5" name="CasellaDiTesto 4">
+            <a:extLst>
+              <a:ext uri="{FF2B5EF4-FFF2-40B4-BE49-F238E27FC236}">
+                <a16:creationId xmlns:a16="http://schemas.microsoft.com/office/drawing/2014/main" id="{BD8962F1-B732-9259-B4E8-C6D18B78160E}"/>
+              </a:ext>
+            </a:extLst>
+          </p:cNvPr>
+          <p:cNvSpPr txBox="1">
+            <a:spLocks/>
+          </p:cNvSpPr>
           <p:nvPr/>
-        </p:nvPicPr>
-        <p:blipFill>
-          <a:blip r:embed="rId2"/>
-          <a:stretch>
-            <a:fillRect/>
-          </a:stretch>
-        </p:blipFill>
-        <p:spPr>
-          <a:xfrm>
-            <a:off x="4542461" y="1449000"/>
-            <a:ext cx="3107077" cy="3960000"/>
+        </p:nvSpPr>
+        <p:spPr>
+          <a:xfrm>
+            <a:off x="5677929" y="2613392"/>
+            <a:ext cx="836141" cy="1631216"/>
           </a:xfrm>
           <a:prstGeom prst="rect">
             <a:avLst/>
           </a:prstGeom>
-        </p:spPr>
-      </p:pic>
+          <a:noFill/>
+        </p:spPr>
+        <p:txBody>
+          <a:bodyPr wrap="square" rtlCol="0">
+            <a:spAutoFit/>
+          </a:bodyPr>
+          <a:lstStyle/>
+          <a:p>
+            <a:r>
+              <a:rPr lang="it-IT" sz="10000" b="1" dirty="0">
+                <a:solidFill>
+                  <a:schemeClr val="bg1"/>
+                </a:solidFill>
+              </a:rPr>
+              <a:t>+</a:t>
+            </a:r>
+          </a:p>
+        </p:txBody>
+      </p:sp>
     </p:spTree>
     <p:extLst>
       <p:ext uri="{BB962C8B-B14F-4D97-AF65-F5344CB8AC3E}">
-        <p14:creationId xmlns:p14="http://schemas.microsoft.com/office/powerpoint/2010/main" val="2886319372"/>
+        <p14:creationId xmlns:p14="http://schemas.microsoft.com/office/powerpoint/2010/main" val="2758940287"/>
       </p:ext>
     </p:extLst>
   </p:cSld>
   <p:clrMapOvr>
     <a:masterClrMapping/>
   </p:clrMapOvr>
-  <mc:AlternateContent xmlns:mc="http://schemas.openxmlformats.org/markup-compatibility/2006">
-    <mc:Choice xmlns:p14="http://schemas.microsoft.com/office/powerpoint/2010/main" Requires="p14">
-      <p:transition p14:dur="10" advClick="0" advTm="10000"/>
+  <mc:AlternateContent xmlns:mc="http://schemas.openxmlformats.org/markup-compatibility/2006" xmlns:p14="http://schemas.microsoft.com/office/powerpoint/2010/main">
+    <mc:Choice Requires="p14">
+      <p:transition p14:dur="10" advClick="0" advTm="5000"/>
     </mc:Choice>
-    <mc:Fallback>
-      <p:transition advClick="0" advTm="10000"/>
+    <mc:Fallback xmlns="">
+      <p:transition advClick="0" advTm="5000"/>
     </mc:Fallback>
   </mc:AlternateContent>
 </p:sld>
@@ -6112,51 +6582,40 @@
           <a:chExt cx="0" cy="0"/>
         </a:xfrm>
       </p:grpSpPr>
-      <p:sp>
-        <p:nvSpPr>
-          <p:cNvPr id="5" name="CasellaDiTesto 4">
-            <a:extLst>
-              <a:ext uri="{FF2B5EF4-FFF2-40B4-BE49-F238E27FC236}">
-                <a16:creationId xmlns:a16="http://schemas.microsoft.com/office/drawing/2014/main" id="{BD8962F1-B732-9259-B4E8-C6D18B78160E}"/>
-              </a:ext>
-            </a:extLst>
-          </p:cNvPr>
-          <p:cNvSpPr txBox="1">
-            <a:spLocks/>
-          </p:cNvSpPr>
+      <p:pic>
+        <p:nvPicPr>
+          <p:cNvPr id="3" name="Immagine 2" descr="Immagine che contiene testo, uomo, primate, mammifero&#10;&#10;Descrizione generata automaticamente">
+            <a:extLst>
+              <a:ext uri="{FF2B5EF4-FFF2-40B4-BE49-F238E27FC236}">
+                <a16:creationId xmlns:a16="http://schemas.microsoft.com/office/drawing/2014/main" id="{0C036FCA-B572-3081-0776-8C95BAA291FF}"/>
+              </a:ext>
+            </a:extLst>
+          </p:cNvPr>
+          <p:cNvPicPr>
+            <a:picLocks noChangeAspect="1"/>
+          </p:cNvPicPr>
           <p:nvPr/>
-        </p:nvSpPr>
-        <p:spPr>
-          <a:xfrm>
-            <a:off x="5677929" y="2613392"/>
-            <a:ext cx="836141" cy="1631216"/>
+        </p:nvPicPr>
+        <p:blipFill>
+          <a:blip r:embed="rId2"/>
+          <a:stretch>
+            <a:fillRect/>
+          </a:stretch>
+        </p:blipFill>
+        <p:spPr>
+          <a:xfrm>
+            <a:off x="4542461" y="1449000"/>
+            <a:ext cx="3107077" cy="3960000"/>
           </a:xfrm>
           <a:prstGeom prst="rect">
             <a:avLst/>
           </a:prstGeom>
-          <a:noFill/>
-        </p:spPr>
-        <p:txBody>
-          <a:bodyPr wrap="square" rtlCol="0">
-            <a:spAutoFit/>
-          </a:bodyPr>
-          <a:lstStyle/>
-          <a:p>
-            <a:r>
-              <a:rPr lang="it-IT" sz="10000" b="1" dirty="0">
-                <a:solidFill>
-                  <a:schemeClr val="bg1"/>
-                </a:solidFill>
-              </a:rPr>
-              <a:t>+</a:t>
-            </a:r>
-          </a:p>
-        </p:txBody>
-      </p:sp>
+        </p:spPr>
+      </p:pic>
     </p:spTree>
     <p:extLst>
       <p:ext uri="{BB962C8B-B14F-4D97-AF65-F5344CB8AC3E}">
-        <p14:creationId xmlns:p14="http://schemas.microsoft.com/office/powerpoint/2010/main" val="697571036"/>
+        <p14:creationId xmlns:p14="http://schemas.microsoft.com/office/powerpoint/2010/main" val="2886319372"/>
       </p:ext>
     </p:extLst>
   </p:cSld>
@@ -6165,10 +6624,10 @@
   </p:clrMapOvr>
   <mc:AlternateContent xmlns:mc="http://schemas.openxmlformats.org/markup-compatibility/2006" xmlns:p14="http://schemas.microsoft.com/office/powerpoint/2010/main">
     <mc:Choice Requires="p14">
-      <p:transition p14:dur="10" advClick="0" advTm="5000"/>
+      <p:transition p14:dur="10" advClick="0" advTm="10000"/>
     </mc:Choice>
     <mc:Fallback xmlns="">
-      <p:transition advClick="0" advTm="5000"/>
+      <p:transition advClick="0" advTm="10000"/>
     </mc:Fallback>
   </mc:AlternateContent>
 </p:sld>
@@ -6191,52 +6650,63 @@
           <a:chExt cx="0" cy="0"/>
         </a:xfrm>
       </p:grpSpPr>
-      <p:pic>
-        <p:nvPicPr>
-          <p:cNvPr id="3" name="Immagine 2" descr="Immagine che contiene testo, uomo&#10;&#10;Descrizione generata automaticamente">
-            <a:extLst>
-              <a:ext uri="{FF2B5EF4-FFF2-40B4-BE49-F238E27FC236}">
-                <a16:creationId xmlns:a16="http://schemas.microsoft.com/office/drawing/2014/main" id="{8B976846-25D3-377E-A672-00FCC1C87556}"/>
-              </a:ext>
-            </a:extLst>
-          </p:cNvPr>
-          <p:cNvPicPr>
-            <a:picLocks noChangeAspect="1"/>
-          </p:cNvPicPr>
+      <p:sp>
+        <p:nvSpPr>
+          <p:cNvPr id="5" name="CasellaDiTesto 4">
+            <a:extLst>
+              <a:ext uri="{FF2B5EF4-FFF2-40B4-BE49-F238E27FC236}">
+                <a16:creationId xmlns:a16="http://schemas.microsoft.com/office/drawing/2014/main" id="{BD8962F1-B732-9259-B4E8-C6D18B78160E}"/>
+              </a:ext>
+            </a:extLst>
+          </p:cNvPr>
+          <p:cNvSpPr txBox="1">
+            <a:spLocks/>
+          </p:cNvSpPr>
           <p:nvPr/>
-        </p:nvPicPr>
-        <p:blipFill>
-          <a:blip r:embed="rId2"/>
-          <a:stretch>
-            <a:fillRect/>
-          </a:stretch>
-        </p:blipFill>
-        <p:spPr>
-          <a:xfrm>
-            <a:off x="4591814" y="1449000"/>
-            <a:ext cx="3008372" cy="3960000"/>
+        </p:nvSpPr>
+        <p:spPr>
+          <a:xfrm>
+            <a:off x="5677929" y="2613392"/>
+            <a:ext cx="836141" cy="1631216"/>
           </a:xfrm>
           <a:prstGeom prst="rect">
             <a:avLst/>
           </a:prstGeom>
-        </p:spPr>
-      </p:pic>
+          <a:noFill/>
+        </p:spPr>
+        <p:txBody>
+          <a:bodyPr wrap="square" rtlCol="0">
+            <a:spAutoFit/>
+          </a:bodyPr>
+          <a:lstStyle/>
+          <a:p>
+            <a:r>
+              <a:rPr lang="it-IT" sz="10000" b="1" dirty="0">
+                <a:solidFill>
+                  <a:schemeClr val="bg1"/>
+                </a:solidFill>
+              </a:rPr>
+              <a:t>+</a:t>
+            </a:r>
+          </a:p>
+        </p:txBody>
+      </p:sp>
     </p:spTree>
     <p:extLst>
       <p:ext uri="{BB962C8B-B14F-4D97-AF65-F5344CB8AC3E}">
-        <p14:creationId xmlns:p14="http://schemas.microsoft.com/office/powerpoint/2010/main" val="4038196790"/>
+        <p14:creationId xmlns:p14="http://schemas.microsoft.com/office/powerpoint/2010/main" val="697571036"/>
       </p:ext>
     </p:extLst>
   </p:cSld>
   <p:clrMapOvr>
     <a:masterClrMapping/>
   </p:clrMapOvr>
-  <mc:AlternateContent xmlns:mc="http://schemas.openxmlformats.org/markup-compatibility/2006">
-    <mc:Choice xmlns:p14="http://schemas.microsoft.com/office/powerpoint/2010/main" Requires="p14">
-      <p:transition p14:dur="10" advClick="0" advTm="10000"/>
+  <mc:AlternateContent xmlns:mc="http://schemas.openxmlformats.org/markup-compatibility/2006" xmlns:p14="http://schemas.microsoft.com/office/powerpoint/2010/main">
+    <mc:Choice Requires="p14">
+      <p:transition p14:dur="10" advClick="0" advTm="5000"/>
     </mc:Choice>
-    <mc:Fallback>
-      <p:transition advClick="0" advTm="10000"/>
+    <mc:Fallback xmlns="">
+      <p:transition advClick="0" advTm="5000"/>
     </mc:Fallback>
   </mc:AlternateContent>
 </p:sld>
@@ -6259,51 +6729,40 @@
           <a:chExt cx="0" cy="0"/>
         </a:xfrm>
       </p:grpSpPr>
-      <p:sp>
-        <p:nvSpPr>
-          <p:cNvPr id="5" name="CasellaDiTesto 4">
-            <a:extLst>
-              <a:ext uri="{FF2B5EF4-FFF2-40B4-BE49-F238E27FC236}">
-                <a16:creationId xmlns:a16="http://schemas.microsoft.com/office/drawing/2014/main" id="{BD8962F1-B732-9259-B4E8-C6D18B78160E}"/>
-              </a:ext>
-            </a:extLst>
-          </p:cNvPr>
-          <p:cNvSpPr txBox="1">
-            <a:spLocks/>
-          </p:cNvSpPr>
+      <p:pic>
+        <p:nvPicPr>
+          <p:cNvPr id="3" name="Immagine 2" descr="Immagine che contiene testo, uomo&#10;&#10;Descrizione generata automaticamente">
+            <a:extLst>
+              <a:ext uri="{FF2B5EF4-FFF2-40B4-BE49-F238E27FC236}">
+                <a16:creationId xmlns:a16="http://schemas.microsoft.com/office/drawing/2014/main" id="{8B976846-25D3-377E-A672-00FCC1C87556}"/>
+              </a:ext>
+            </a:extLst>
+          </p:cNvPr>
+          <p:cNvPicPr>
+            <a:picLocks noChangeAspect="1"/>
+          </p:cNvPicPr>
           <p:nvPr/>
-        </p:nvSpPr>
-        <p:spPr>
-          <a:xfrm>
-            <a:off x="5677929" y="2613392"/>
-            <a:ext cx="836141" cy="1631216"/>
+        </p:nvPicPr>
+        <p:blipFill>
+          <a:blip r:embed="rId2"/>
+          <a:stretch>
+            <a:fillRect/>
+          </a:stretch>
+        </p:blipFill>
+        <p:spPr>
+          <a:xfrm>
+            <a:off x="4591814" y="1449000"/>
+            <a:ext cx="3008372" cy="3960000"/>
           </a:xfrm>
           <a:prstGeom prst="rect">
             <a:avLst/>
           </a:prstGeom>
-          <a:noFill/>
-        </p:spPr>
-        <p:txBody>
-          <a:bodyPr wrap="square" rtlCol="0">
-            <a:spAutoFit/>
-          </a:bodyPr>
-          <a:lstStyle/>
-          <a:p>
-            <a:r>
-              <a:rPr lang="it-IT" sz="10000" b="1" dirty="0">
-                <a:solidFill>
-                  <a:schemeClr val="bg1"/>
-                </a:solidFill>
-              </a:rPr>
-              <a:t>+</a:t>
-            </a:r>
-          </a:p>
-        </p:txBody>
-      </p:sp>
+        </p:spPr>
+      </p:pic>
     </p:spTree>
     <p:extLst>
       <p:ext uri="{BB962C8B-B14F-4D97-AF65-F5344CB8AC3E}">
-        <p14:creationId xmlns:p14="http://schemas.microsoft.com/office/powerpoint/2010/main" val="182435540"/>
+        <p14:creationId xmlns:p14="http://schemas.microsoft.com/office/powerpoint/2010/main" val="4038196790"/>
       </p:ext>
     </p:extLst>
   </p:cSld>
@@ -6312,10 +6771,10 @@
   </p:clrMapOvr>
   <mc:AlternateContent xmlns:mc="http://schemas.openxmlformats.org/markup-compatibility/2006" xmlns:p14="http://schemas.microsoft.com/office/powerpoint/2010/main">
     <mc:Choice Requires="p14">
-      <p:transition p14:dur="10" advClick="0" advTm="5000"/>
+      <p:transition p14:dur="10" advClick="0" advTm="10000"/>
     </mc:Choice>
     <mc:Fallback xmlns="">
-      <p:transition advClick="0" advTm="5000"/>
+      <p:transition advClick="0" advTm="10000"/>
     </mc:Fallback>
   </mc:AlternateContent>
 </p:sld>
@@ -6338,52 +6797,63 @@
           <a:chExt cx="0" cy="0"/>
         </a:xfrm>
       </p:grpSpPr>
-      <p:pic>
-        <p:nvPicPr>
-          <p:cNvPr id="3" name="Immagine 2" descr="Immagine che contiene testo, uomo, vecchio&#10;&#10;Descrizione generata automaticamente">
-            <a:extLst>
-              <a:ext uri="{FF2B5EF4-FFF2-40B4-BE49-F238E27FC236}">
-                <a16:creationId xmlns:a16="http://schemas.microsoft.com/office/drawing/2014/main" id="{8DD45351-5188-9ADE-8E5B-28B53FCBD450}"/>
-              </a:ext>
-            </a:extLst>
-          </p:cNvPr>
-          <p:cNvPicPr>
-            <a:picLocks noChangeAspect="1"/>
-          </p:cNvPicPr>
+      <p:sp>
+        <p:nvSpPr>
+          <p:cNvPr id="5" name="CasellaDiTesto 4">
+            <a:extLst>
+              <a:ext uri="{FF2B5EF4-FFF2-40B4-BE49-F238E27FC236}">
+                <a16:creationId xmlns:a16="http://schemas.microsoft.com/office/drawing/2014/main" id="{BD8962F1-B732-9259-B4E8-C6D18B78160E}"/>
+              </a:ext>
+            </a:extLst>
+          </p:cNvPr>
+          <p:cNvSpPr txBox="1">
+            <a:spLocks/>
+          </p:cNvSpPr>
           <p:nvPr/>
-        </p:nvPicPr>
-        <p:blipFill>
-          <a:blip r:embed="rId2"/>
-          <a:stretch>
-            <a:fillRect/>
-          </a:stretch>
-        </p:blipFill>
-        <p:spPr>
-          <a:xfrm>
-            <a:off x="4564594" y="1449000"/>
-            <a:ext cx="3062812" cy="3960000"/>
+        </p:nvSpPr>
+        <p:spPr>
+          <a:xfrm>
+            <a:off x="5677929" y="2613392"/>
+            <a:ext cx="836141" cy="1631216"/>
           </a:xfrm>
           <a:prstGeom prst="rect">
             <a:avLst/>
           </a:prstGeom>
-        </p:spPr>
-      </p:pic>
+          <a:noFill/>
+        </p:spPr>
+        <p:txBody>
+          <a:bodyPr wrap="square" rtlCol="0">
+            <a:spAutoFit/>
+          </a:bodyPr>
+          <a:lstStyle/>
+          <a:p>
+            <a:r>
+              <a:rPr lang="it-IT" sz="10000" b="1" dirty="0">
+                <a:solidFill>
+                  <a:schemeClr val="bg1"/>
+                </a:solidFill>
+              </a:rPr>
+              <a:t>+</a:t>
+            </a:r>
+          </a:p>
+        </p:txBody>
+      </p:sp>
     </p:spTree>
     <p:extLst>
       <p:ext uri="{BB962C8B-B14F-4D97-AF65-F5344CB8AC3E}">
-        <p14:creationId xmlns:p14="http://schemas.microsoft.com/office/powerpoint/2010/main" val="3140072041"/>
+        <p14:creationId xmlns:p14="http://schemas.microsoft.com/office/powerpoint/2010/main" val="182435540"/>
       </p:ext>
     </p:extLst>
   </p:cSld>
   <p:clrMapOvr>
     <a:masterClrMapping/>
   </p:clrMapOvr>
-  <mc:AlternateContent xmlns:mc="http://schemas.openxmlformats.org/markup-compatibility/2006">
-    <mc:Choice xmlns:p14="http://schemas.microsoft.com/office/powerpoint/2010/main" Requires="p14">
-      <p:transition p14:dur="10" advClick="0" advTm="10000"/>
+  <mc:AlternateContent xmlns:mc="http://schemas.openxmlformats.org/markup-compatibility/2006" xmlns:p14="http://schemas.microsoft.com/office/powerpoint/2010/main">
+    <mc:Choice Requires="p14">
+      <p:transition p14:dur="10" advClick="0" advTm="5000"/>
     </mc:Choice>
-    <mc:Fallback>
-      <p:transition advClick="0" advTm="10000"/>
+    <mc:Fallback xmlns="">
+      <p:transition advClick="0" advTm="5000"/>
     </mc:Fallback>
   </mc:AlternateContent>
 </p:sld>
@@ -6406,51 +6876,40 @@
           <a:chExt cx="0" cy="0"/>
         </a:xfrm>
       </p:grpSpPr>
-      <p:sp>
-        <p:nvSpPr>
-          <p:cNvPr id="5" name="CasellaDiTesto 4">
-            <a:extLst>
-              <a:ext uri="{FF2B5EF4-FFF2-40B4-BE49-F238E27FC236}">
-                <a16:creationId xmlns:a16="http://schemas.microsoft.com/office/drawing/2014/main" id="{BD8962F1-B732-9259-B4E8-C6D18B78160E}"/>
-              </a:ext>
-            </a:extLst>
-          </p:cNvPr>
-          <p:cNvSpPr txBox="1">
-            <a:spLocks/>
-          </p:cNvSpPr>
+      <p:pic>
+        <p:nvPicPr>
+          <p:cNvPr id="3" name="Immagine 2" descr="Immagine che contiene testo, uomo, vecchio&#10;&#10;Descrizione generata automaticamente">
+            <a:extLst>
+              <a:ext uri="{FF2B5EF4-FFF2-40B4-BE49-F238E27FC236}">
+                <a16:creationId xmlns:a16="http://schemas.microsoft.com/office/drawing/2014/main" id="{8DD45351-5188-9ADE-8E5B-28B53FCBD450}"/>
+              </a:ext>
+            </a:extLst>
+          </p:cNvPr>
+          <p:cNvPicPr>
+            <a:picLocks noChangeAspect="1"/>
+          </p:cNvPicPr>
           <p:nvPr/>
-        </p:nvSpPr>
-        <p:spPr>
-          <a:xfrm>
-            <a:off x="5677929" y="2613392"/>
-            <a:ext cx="836141" cy="1631216"/>
+        </p:nvPicPr>
+        <p:blipFill>
+          <a:blip r:embed="rId2"/>
+          <a:stretch>
+            <a:fillRect/>
+          </a:stretch>
+        </p:blipFill>
+        <p:spPr>
+          <a:xfrm>
+            <a:off x="4564594" y="1449000"/>
+            <a:ext cx="3062812" cy="3960000"/>
           </a:xfrm>
           <a:prstGeom prst="rect">
             <a:avLst/>
           </a:prstGeom>
-          <a:noFill/>
-        </p:spPr>
-        <p:txBody>
-          <a:bodyPr wrap="square" rtlCol="0">
-            <a:spAutoFit/>
-          </a:bodyPr>
-          <a:lstStyle/>
-          <a:p>
-            <a:r>
-              <a:rPr lang="it-IT" sz="10000" b="1" dirty="0">
-                <a:solidFill>
-                  <a:schemeClr val="bg1"/>
-                </a:solidFill>
-              </a:rPr>
-              <a:t>+</a:t>
-            </a:r>
-          </a:p>
-        </p:txBody>
-      </p:sp>
+        </p:spPr>
+      </p:pic>
     </p:spTree>
     <p:extLst>
       <p:ext uri="{BB962C8B-B14F-4D97-AF65-F5344CB8AC3E}">
-        <p14:creationId xmlns:p14="http://schemas.microsoft.com/office/powerpoint/2010/main" val="1844897224"/>
+        <p14:creationId xmlns:p14="http://schemas.microsoft.com/office/powerpoint/2010/main" val="3140072041"/>
       </p:ext>
     </p:extLst>
   </p:cSld>
@@ -6459,10 +6918,10 @@
   </p:clrMapOvr>
   <mc:AlternateContent xmlns:mc="http://schemas.openxmlformats.org/markup-compatibility/2006" xmlns:p14="http://schemas.microsoft.com/office/powerpoint/2010/main">
     <mc:Choice Requires="p14">
-      <p:transition p14:dur="10" advClick="0" advTm="5000"/>
+      <p:transition p14:dur="10" advClick="0" advTm="10000"/>
     </mc:Choice>
     <mc:Fallback xmlns="">
-      <p:transition advClick="0" advTm="5000"/>
+      <p:transition advClick="0" advTm="10000"/>
     </mc:Fallback>
   </mc:AlternateContent>
 </p:sld>
@@ -6485,52 +6944,63 @@
           <a:chExt cx="0" cy="0"/>
         </a:xfrm>
       </p:grpSpPr>
-      <p:pic>
-        <p:nvPicPr>
-          <p:cNvPr id="3" name="Immagine 2" descr="Immagine che contiene testo, uomo, fissando&#10;&#10;Descrizione generata automaticamente">
-            <a:extLst>
-              <a:ext uri="{FF2B5EF4-FFF2-40B4-BE49-F238E27FC236}">
-                <a16:creationId xmlns:a16="http://schemas.microsoft.com/office/drawing/2014/main" id="{7EFD96A6-EFD2-D9DD-0A9F-A68F4FE85887}"/>
-              </a:ext>
-            </a:extLst>
-          </p:cNvPr>
-          <p:cNvPicPr>
-            <a:picLocks noChangeAspect="1"/>
-          </p:cNvPicPr>
+      <p:sp>
+        <p:nvSpPr>
+          <p:cNvPr id="5" name="CasellaDiTesto 4">
+            <a:extLst>
+              <a:ext uri="{FF2B5EF4-FFF2-40B4-BE49-F238E27FC236}">
+                <a16:creationId xmlns:a16="http://schemas.microsoft.com/office/drawing/2014/main" id="{BD8962F1-B732-9259-B4E8-C6D18B78160E}"/>
+              </a:ext>
+            </a:extLst>
+          </p:cNvPr>
+          <p:cNvSpPr txBox="1">
+            <a:spLocks/>
+          </p:cNvSpPr>
           <p:nvPr/>
-        </p:nvPicPr>
-        <p:blipFill>
-          <a:blip r:embed="rId2"/>
-          <a:stretch>
-            <a:fillRect/>
-          </a:stretch>
-        </p:blipFill>
-        <p:spPr>
-          <a:xfrm>
-            <a:off x="4469023" y="1449000"/>
-            <a:ext cx="3253953" cy="3960000"/>
+        </p:nvSpPr>
+        <p:spPr>
+          <a:xfrm>
+            <a:off x="5677929" y="2613392"/>
+            <a:ext cx="836141" cy="1631216"/>
           </a:xfrm>
           <a:prstGeom prst="rect">
             <a:avLst/>
           </a:prstGeom>
-        </p:spPr>
-      </p:pic>
+          <a:noFill/>
+        </p:spPr>
+        <p:txBody>
+          <a:bodyPr wrap="square" rtlCol="0">
+            <a:spAutoFit/>
+          </a:bodyPr>
+          <a:lstStyle/>
+          <a:p>
+            <a:r>
+              <a:rPr lang="it-IT" sz="10000" b="1" dirty="0">
+                <a:solidFill>
+                  <a:schemeClr val="bg1"/>
+                </a:solidFill>
+              </a:rPr>
+              <a:t>+</a:t>
+            </a:r>
+          </a:p>
+        </p:txBody>
+      </p:sp>
     </p:spTree>
     <p:extLst>
       <p:ext uri="{BB962C8B-B14F-4D97-AF65-F5344CB8AC3E}">
-        <p14:creationId xmlns:p14="http://schemas.microsoft.com/office/powerpoint/2010/main" val="77911334"/>
+        <p14:creationId xmlns:p14="http://schemas.microsoft.com/office/powerpoint/2010/main" val="1844897224"/>
       </p:ext>
     </p:extLst>
   </p:cSld>
   <p:clrMapOvr>
     <a:masterClrMapping/>
   </p:clrMapOvr>
-  <mc:AlternateContent xmlns:mc="http://schemas.openxmlformats.org/markup-compatibility/2006">
-    <mc:Choice xmlns:p14="http://schemas.microsoft.com/office/powerpoint/2010/main" Requires="p14">
-      <p:transition p14:dur="10" advClick="0" advTm="10000"/>
+  <mc:AlternateContent xmlns:mc="http://schemas.openxmlformats.org/markup-compatibility/2006" xmlns:p14="http://schemas.microsoft.com/office/powerpoint/2010/main">
+    <mc:Choice Requires="p14">
+      <p:transition p14:dur="10" advClick="0" advTm="5000"/>
     </mc:Choice>
-    <mc:Fallback>
-      <p:transition advClick="0" advTm="10000"/>
+    <mc:Fallback xmlns="">
+      <p:transition advClick="0" advTm="5000"/>
     </mc:Fallback>
   </mc:AlternateContent>
 </p:sld>
@@ -6553,51 +7023,40 @@
           <a:chExt cx="0" cy="0"/>
         </a:xfrm>
       </p:grpSpPr>
-      <p:sp>
-        <p:nvSpPr>
-          <p:cNvPr id="5" name="CasellaDiTesto 4">
-            <a:extLst>
-              <a:ext uri="{FF2B5EF4-FFF2-40B4-BE49-F238E27FC236}">
-                <a16:creationId xmlns:a16="http://schemas.microsoft.com/office/drawing/2014/main" id="{BD8962F1-B732-9259-B4E8-C6D18B78160E}"/>
-              </a:ext>
-            </a:extLst>
-          </p:cNvPr>
-          <p:cNvSpPr txBox="1">
-            <a:spLocks/>
-          </p:cNvSpPr>
+      <p:pic>
+        <p:nvPicPr>
+          <p:cNvPr id="3" name="Immagine 2" descr="Immagine che contiene testo, uomo, fissando&#10;&#10;Descrizione generata automaticamente">
+            <a:extLst>
+              <a:ext uri="{FF2B5EF4-FFF2-40B4-BE49-F238E27FC236}">
+                <a16:creationId xmlns:a16="http://schemas.microsoft.com/office/drawing/2014/main" id="{7EFD96A6-EFD2-D9DD-0A9F-A68F4FE85887}"/>
+              </a:ext>
+            </a:extLst>
+          </p:cNvPr>
+          <p:cNvPicPr>
+            <a:picLocks noChangeAspect="1"/>
+          </p:cNvPicPr>
           <p:nvPr/>
-        </p:nvSpPr>
-        <p:spPr>
-          <a:xfrm>
-            <a:off x="5677929" y="2613392"/>
-            <a:ext cx="836141" cy="1631216"/>
+        </p:nvPicPr>
+        <p:blipFill>
+          <a:blip r:embed="rId2"/>
+          <a:stretch>
+            <a:fillRect/>
+          </a:stretch>
+        </p:blipFill>
+        <p:spPr>
+          <a:xfrm>
+            <a:off x="4469023" y="1449000"/>
+            <a:ext cx="3253953" cy="3960000"/>
           </a:xfrm>
           <a:prstGeom prst="rect">
             <a:avLst/>
           </a:prstGeom>
-          <a:noFill/>
-        </p:spPr>
-        <p:txBody>
-          <a:bodyPr wrap="square" rtlCol="0">
-            <a:spAutoFit/>
-          </a:bodyPr>
-          <a:lstStyle/>
-          <a:p>
-            <a:r>
-              <a:rPr lang="it-IT" sz="10000" b="1" dirty="0">
-                <a:solidFill>
-                  <a:schemeClr val="bg1"/>
-                </a:solidFill>
-              </a:rPr>
-              <a:t>+</a:t>
-            </a:r>
-          </a:p>
-        </p:txBody>
-      </p:sp>
+        </p:spPr>
+      </p:pic>
     </p:spTree>
     <p:extLst>
       <p:ext uri="{BB962C8B-B14F-4D97-AF65-F5344CB8AC3E}">
-        <p14:creationId xmlns:p14="http://schemas.microsoft.com/office/powerpoint/2010/main" val="1397206592"/>
+        <p14:creationId xmlns:p14="http://schemas.microsoft.com/office/powerpoint/2010/main" val="77911334"/>
       </p:ext>
     </p:extLst>
   </p:cSld>
@@ -6606,10 +7065,10 @@
   </p:clrMapOvr>
   <mc:AlternateContent xmlns:mc="http://schemas.openxmlformats.org/markup-compatibility/2006" xmlns:p14="http://schemas.microsoft.com/office/powerpoint/2010/main">
     <mc:Choice Requires="p14">
-      <p:transition p14:dur="10" advClick="0" advTm="5000"/>
+      <p:transition p14:dur="10" advClick="0" advTm="10000"/>
     </mc:Choice>
     <mc:Fallback xmlns="">
-      <p:transition advClick="0" advTm="5000"/>
+      <p:transition advClick="0" advTm="10000"/>
     </mc:Fallback>
   </mc:AlternateContent>
 </p:sld>
@@ -6632,51 +7091,40 @@
           <a:chExt cx="0" cy="0"/>
         </a:xfrm>
       </p:grpSpPr>
-      <p:sp>
-        <p:nvSpPr>
-          <p:cNvPr id="5" name="CasellaDiTesto 4">
-            <a:extLst>
-              <a:ext uri="{FF2B5EF4-FFF2-40B4-BE49-F238E27FC236}">
-                <a16:creationId xmlns:a16="http://schemas.microsoft.com/office/drawing/2014/main" id="{BD8962F1-B732-9259-B4E8-C6D18B78160E}"/>
-              </a:ext>
-            </a:extLst>
-          </p:cNvPr>
-          <p:cNvSpPr txBox="1">
-            <a:spLocks/>
-          </p:cNvSpPr>
+      <p:pic>
+        <p:nvPicPr>
+          <p:cNvPr id="3" name="Immagine 2" descr="Immagine che contiene testo, uomo, vecchio&#10;&#10;Descrizione generata automaticamente">
+            <a:extLst>
+              <a:ext uri="{FF2B5EF4-FFF2-40B4-BE49-F238E27FC236}">
+                <a16:creationId xmlns:a16="http://schemas.microsoft.com/office/drawing/2014/main" id="{8DD45351-5188-9ADE-8E5B-28B53FCBD450}"/>
+              </a:ext>
+            </a:extLst>
+          </p:cNvPr>
+          <p:cNvPicPr>
+            <a:picLocks noChangeAspect="1"/>
+          </p:cNvPicPr>
           <p:nvPr/>
-        </p:nvSpPr>
-        <p:spPr>
-          <a:xfrm>
-            <a:off x="5677929" y="2613392"/>
-            <a:ext cx="836141" cy="1631216"/>
+        </p:nvPicPr>
+        <p:blipFill>
+          <a:blip r:embed="rId2"/>
+          <a:stretch>
+            <a:fillRect/>
+          </a:stretch>
+        </p:blipFill>
+        <p:spPr>
+          <a:xfrm>
+            <a:off x="4564594" y="1449000"/>
+            <a:ext cx="3062812" cy="3960000"/>
           </a:xfrm>
           <a:prstGeom prst="rect">
             <a:avLst/>
           </a:prstGeom>
-          <a:noFill/>
-        </p:spPr>
-        <p:txBody>
-          <a:bodyPr wrap="square" rtlCol="0">
-            <a:spAutoFit/>
-          </a:bodyPr>
-          <a:lstStyle/>
-          <a:p>
-            <a:r>
-              <a:rPr lang="it-IT" sz="10000" b="1" dirty="0">
-                <a:solidFill>
-                  <a:schemeClr val="bg1"/>
-                </a:solidFill>
-              </a:rPr>
-              <a:t>+</a:t>
-            </a:r>
-          </a:p>
-        </p:txBody>
-      </p:sp>
+        </p:spPr>
+      </p:pic>
     </p:spTree>
     <p:extLst>
       <p:ext uri="{BB962C8B-B14F-4D97-AF65-F5344CB8AC3E}">
-        <p14:creationId xmlns:p14="http://schemas.microsoft.com/office/powerpoint/2010/main" val="970797210"/>
+        <p14:creationId xmlns:p14="http://schemas.microsoft.com/office/powerpoint/2010/main" val="2577775168"/>
       </p:ext>
     </p:extLst>
   </p:cSld>
@@ -6685,10 +7133,10 @@
   </p:clrMapOvr>
   <mc:AlternateContent xmlns:mc="http://schemas.openxmlformats.org/markup-compatibility/2006" xmlns:p14="http://schemas.microsoft.com/office/powerpoint/2010/main">
     <mc:Choice Requires="p14">
-      <p:transition p14:dur="10" advClick="0" advTm="5000"/>
+      <p:transition p14:dur="10" advClick="0" advTm="10000"/>
     </mc:Choice>
     <mc:Fallback xmlns="">
-      <p:transition advClick="0" advTm="5000"/>
+      <p:transition advClick="0" advTm="10000"/>
     </mc:Fallback>
   </mc:AlternateContent>
 </p:sld>
@@ -6711,52 +7159,63 @@
           <a:chExt cx="0" cy="0"/>
         </a:xfrm>
       </p:grpSpPr>
-      <p:pic>
-        <p:nvPicPr>
-          <p:cNvPr id="3" name="Immagine 2" descr="Immagine che contiene testo, uomo, vecchio&#10;&#10;Descrizione generata automaticamente">
-            <a:extLst>
-              <a:ext uri="{FF2B5EF4-FFF2-40B4-BE49-F238E27FC236}">
-                <a16:creationId xmlns:a16="http://schemas.microsoft.com/office/drawing/2014/main" id="{8DD45351-5188-9ADE-8E5B-28B53FCBD450}"/>
-              </a:ext>
-            </a:extLst>
-          </p:cNvPr>
-          <p:cNvPicPr>
-            <a:picLocks noChangeAspect="1"/>
-          </p:cNvPicPr>
+      <p:sp>
+        <p:nvSpPr>
+          <p:cNvPr id="5" name="CasellaDiTesto 4">
+            <a:extLst>
+              <a:ext uri="{FF2B5EF4-FFF2-40B4-BE49-F238E27FC236}">
+                <a16:creationId xmlns:a16="http://schemas.microsoft.com/office/drawing/2014/main" id="{BD8962F1-B732-9259-B4E8-C6D18B78160E}"/>
+              </a:ext>
+            </a:extLst>
+          </p:cNvPr>
+          <p:cNvSpPr txBox="1">
+            <a:spLocks/>
+          </p:cNvSpPr>
           <p:nvPr/>
-        </p:nvPicPr>
-        <p:blipFill>
-          <a:blip r:embed="rId2"/>
-          <a:stretch>
-            <a:fillRect/>
-          </a:stretch>
-        </p:blipFill>
-        <p:spPr>
-          <a:xfrm>
-            <a:off x="4564594" y="1449000"/>
-            <a:ext cx="3062812" cy="3960000"/>
+        </p:nvSpPr>
+        <p:spPr>
+          <a:xfrm>
+            <a:off x="5677929" y="2613392"/>
+            <a:ext cx="836141" cy="1631216"/>
           </a:xfrm>
           <a:prstGeom prst="rect">
             <a:avLst/>
           </a:prstGeom>
-        </p:spPr>
-      </p:pic>
+          <a:noFill/>
+        </p:spPr>
+        <p:txBody>
+          <a:bodyPr wrap="square" rtlCol="0">
+            <a:spAutoFit/>
+          </a:bodyPr>
+          <a:lstStyle/>
+          <a:p>
+            <a:r>
+              <a:rPr lang="it-IT" sz="10000" b="1" dirty="0">
+                <a:solidFill>
+                  <a:schemeClr val="bg1"/>
+                </a:solidFill>
+              </a:rPr>
+              <a:t>+</a:t>
+            </a:r>
+          </a:p>
+        </p:txBody>
+      </p:sp>
     </p:spTree>
     <p:extLst>
       <p:ext uri="{BB962C8B-B14F-4D97-AF65-F5344CB8AC3E}">
-        <p14:creationId xmlns:p14="http://schemas.microsoft.com/office/powerpoint/2010/main" val="1725078314"/>
+        <p14:creationId xmlns:p14="http://schemas.microsoft.com/office/powerpoint/2010/main" val="1397206592"/>
       </p:ext>
     </p:extLst>
   </p:cSld>
   <p:clrMapOvr>
     <a:masterClrMapping/>
   </p:clrMapOvr>
-  <mc:AlternateContent xmlns:mc="http://schemas.openxmlformats.org/markup-compatibility/2006">
-    <mc:Choice xmlns:p14="http://schemas.microsoft.com/office/powerpoint/2010/main" Requires="p14">
-      <p:transition p14:dur="10" advClick="0" advTm="10000"/>
+  <mc:AlternateContent xmlns:mc="http://schemas.openxmlformats.org/markup-compatibility/2006" xmlns:p14="http://schemas.microsoft.com/office/powerpoint/2010/main">
+    <mc:Choice Requires="p14">
+      <p:transition p14:dur="10" advClick="0" advTm="5000"/>
     </mc:Choice>
-    <mc:Fallback>
-      <p:transition advClick="0" advTm="10000"/>
+    <mc:Fallback xmlns="">
+      <p:transition advClick="0" advTm="5000"/>
     </mc:Fallback>
   </mc:AlternateContent>
 </p:sld>
@@ -6779,51 +7238,40 @@
           <a:chExt cx="0" cy="0"/>
         </a:xfrm>
       </p:grpSpPr>
-      <p:sp>
-        <p:nvSpPr>
-          <p:cNvPr id="5" name="CasellaDiTesto 4">
-            <a:extLst>
-              <a:ext uri="{FF2B5EF4-FFF2-40B4-BE49-F238E27FC236}">
-                <a16:creationId xmlns:a16="http://schemas.microsoft.com/office/drawing/2014/main" id="{BD8962F1-B732-9259-B4E8-C6D18B78160E}"/>
-              </a:ext>
-            </a:extLst>
-          </p:cNvPr>
-          <p:cNvSpPr txBox="1">
-            <a:spLocks/>
-          </p:cNvSpPr>
+      <p:pic>
+        <p:nvPicPr>
+          <p:cNvPr id="3" name="Immagine 2" descr="Immagine che contiene testo, uomo, vecchio&#10;&#10;Descrizione generata automaticamente">
+            <a:extLst>
+              <a:ext uri="{FF2B5EF4-FFF2-40B4-BE49-F238E27FC236}">
+                <a16:creationId xmlns:a16="http://schemas.microsoft.com/office/drawing/2014/main" id="{8DD45351-5188-9ADE-8E5B-28B53FCBD450}"/>
+              </a:ext>
+            </a:extLst>
+          </p:cNvPr>
+          <p:cNvPicPr>
+            <a:picLocks noChangeAspect="1"/>
+          </p:cNvPicPr>
           <p:nvPr/>
-        </p:nvSpPr>
-        <p:spPr>
-          <a:xfrm>
-            <a:off x="5677929" y="2613392"/>
-            <a:ext cx="836141" cy="1631216"/>
+        </p:nvPicPr>
+        <p:blipFill>
+          <a:blip r:embed="rId2"/>
+          <a:stretch>
+            <a:fillRect/>
+          </a:stretch>
+        </p:blipFill>
+        <p:spPr>
+          <a:xfrm>
+            <a:off x="4564594" y="1449000"/>
+            <a:ext cx="3062812" cy="3960000"/>
           </a:xfrm>
           <a:prstGeom prst="rect">
             <a:avLst/>
           </a:prstGeom>
-          <a:noFill/>
-        </p:spPr>
-        <p:txBody>
-          <a:bodyPr wrap="square" rtlCol="0">
-            <a:spAutoFit/>
-          </a:bodyPr>
-          <a:lstStyle/>
-          <a:p>
-            <a:r>
-              <a:rPr lang="it-IT" sz="10000" b="1" dirty="0">
-                <a:solidFill>
-                  <a:schemeClr val="bg1"/>
-                </a:solidFill>
-              </a:rPr>
-              <a:t>+</a:t>
-            </a:r>
-          </a:p>
-        </p:txBody>
-      </p:sp>
+        </p:spPr>
+      </p:pic>
     </p:spTree>
     <p:extLst>
       <p:ext uri="{BB962C8B-B14F-4D97-AF65-F5344CB8AC3E}">
-        <p14:creationId xmlns:p14="http://schemas.microsoft.com/office/powerpoint/2010/main" val="954637305"/>
+        <p14:creationId xmlns:p14="http://schemas.microsoft.com/office/powerpoint/2010/main" val="1725078314"/>
       </p:ext>
     </p:extLst>
   </p:cSld>
@@ -6832,10 +7280,10 @@
   </p:clrMapOvr>
   <mc:AlternateContent xmlns:mc="http://schemas.openxmlformats.org/markup-compatibility/2006" xmlns:p14="http://schemas.microsoft.com/office/powerpoint/2010/main">
     <mc:Choice Requires="p14">
-      <p:transition p14:dur="10" advClick="0" advTm="5000"/>
+      <p:transition p14:dur="10" advClick="0" advTm="10000"/>
     </mc:Choice>
     <mc:Fallback xmlns="">
-      <p:transition advClick="0" advTm="5000"/>
+      <p:transition advClick="0" advTm="10000"/>
     </mc:Fallback>
   </mc:AlternateContent>
 </p:sld>
@@ -6858,52 +7306,63 @@
           <a:chExt cx="0" cy="0"/>
         </a:xfrm>
       </p:grpSpPr>
-      <p:pic>
-        <p:nvPicPr>
-          <p:cNvPr id="3" name="Immagine 2" descr="Immagine che contiene testo, uomo, vecchio&#10;&#10;Descrizione generata automaticamente">
-            <a:extLst>
-              <a:ext uri="{FF2B5EF4-FFF2-40B4-BE49-F238E27FC236}">
-                <a16:creationId xmlns:a16="http://schemas.microsoft.com/office/drawing/2014/main" id="{2B93BBFE-63A8-0457-F443-54EB79E496F7}"/>
-              </a:ext>
-            </a:extLst>
-          </p:cNvPr>
-          <p:cNvPicPr>
-            <a:picLocks noChangeAspect="1"/>
-          </p:cNvPicPr>
+      <p:sp>
+        <p:nvSpPr>
+          <p:cNvPr id="5" name="CasellaDiTesto 4">
+            <a:extLst>
+              <a:ext uri="{FF2B5EF4-FFF2-40B4-BE49-F238E27FC236}">
+                <a16:creationId xmlns:a16="http://schemas.microsoft.com/office/drawing/2014/main" id="{BD8962F1-B732-9259-B4E8-C6D18B78160E}"/>
+              </a:ext>
+            </a:extLst>
+          </p:cNvPr>
+          <p:cNvSpPr txBox="1">
+            <a:spLocks/>
+          </p:cNvSpPr>
           <p:nvPr/>
-        </p:nvPicPr>
-        <p:blipFill>
-          <a:blip r:embed="rId2"/>
-          <a:stretch>
-            <a:fillRect/>
-          </a:stretch>
-        </p:blipFill>
-        <p:spPr>
-          <a:xfrm>
-            <a:off x="4484372" y="1449000"/>
-            <a:ext cx="3223256" cy="3960000"/>
+        </p:nvSpPr>
+        <p:spPr>
+          <a:xfrm>
+            <a:off x="5677929" y="2613392"/>
+            <a:ext cx="836141" cy="1631216"/>
           </a:xfrm>
           <a:prstGeom prst="rect">
             <a:avLst/>
           </a:prstGeom>
-        </p:spPr>
-      </p:pic>
+          <a:noFill/>
+        </p:spPr>
+        <p:txBody>
+          <a:bodyPr wrap="square" rtlCol="0">
+            <a:spAutoFit/>
+          </a:bodyPr>
+          <a:lstStyle/>
+          <a:p>
+            <a:r>
+              <a:rPr lang="it-IT" sz="10000" b="1" dirty="0">
+                <a:solidFill>
+                  <a:schemeClr val="bg1"/>
+                </a:solidFill>
+              </a:rPr>
+              <a:t>+</a:t>
+            </a:r>
+          </a:p>
+        </p:txBody>
+      </p:sp>
     </p:spTree>
     <p:extLst>
       <p:ext uri="{BB962C8B-B14F-4D97-AF65-F5344CB8AC3E}">
-        <p14:creationId xmlns:p14="http://schemas.microsoft.com/office/powerpoint/2010/main" val="714792364"/>
+        <p14:creationId xmlns:p14="http://schemas.microsoft.com/office/powerpoint/2010/main" val="954637305"/>
       </p:ext>
     </p:extLst>
   </p:cSld>
   <p:clrMapOvr>
     <a:masterClrMapping/>
   </p:clrMapOvr>
-  <mc:AlternateContent xmlns:mc="http://schemas.openxmlformats.org/markup-compatibility/2006">
-    <mc:Choice xmlns:p14="http://schemas.microsoft.com/office/powerpoint/2010/main" Requires="p14">
-      <p:transition p14:dur="10" advClick="0" advTm="10000"/>
+  <mc:AlternateContent xmlns:mc="http://schemas.openxmlformats.org/markup-compatibility/2006" xmlns:p14="http://schemas.microsoft.com/office/powerpoint/2010/main">
+    <mc:Choice Requires="p14">
+      <p:transition p14:dur="10" advClick="0" advTm="5000"/>
     </mc:Choice>
-    <mc:Fallback>
-      <p:transition advClick="0" advTm="10000"/>
+    <mc:Fallback xmlns="">
+      <p:transition advClick="0" advTm="5000"/>
     </mc:Fallback>
   </mc:AlternateContent>
 </p:sld>
@@ -6926,51 +7385,40 @@
           <a:chExt cx="0" cy="0"/>
         </a:xfrm>
       </p:grpSpPr>
-      <p:sp>
-        <p:nvSpPr>
-          <p:cNvPr id="5" name="CasellaDiTesto 4">
-            <a:extLst>
-              <a:ext uri="{FF2B5EF4-FFF2-40B4-BE49-F238E27FC236}">
-                <a16:creationId xmlns:a16="http://schemas.microsoft.com/office/drawing/2014/main" id="{BD8962F1-B732-9259-B4E8-C6D18B78160E}"/>
-              </a:ext>
-            </a:extLst>
-          </p:cNvPr>
-          <p:cNvSpPr txBox="1">
-            <a:spLocks/>
-          </p:cNvSpPr>
+      <p:pic>
+        <p:nvPicPr>
+          <p:cNvPr id="3" name="Immagine 2" descr="Immagine che contiene testo, uomo, vecchio&#10;&#10;Descrizione generata automaticamente">
+            <a:extLst>
+              <a:ext uri="{FF2B5EF4-FFF2-40B4-BE49-F238E27FC236}">
+                <a16:creationId xmlns:a16="http://schemas.microsoft.com/office/drawing/2014/main" id="{2B93BBFE-63A8-0457-F443-54EB79E496F7}"/>
+              </a:ext>
+            </a:extLst>
+          </p:cNvPr>
+          <p:cNvPicPr>
+            <a:picLocks noChangeAspect="1"/>
+          </p:cNvPicPr>
           <p:nvPr/>
-        </p:nvSpPr>
-        <p:spPr>
-          <a:xfrm>
-            <a:off x="5677929" y="2613392"/>
-            <a:ext cx="836141" cy="1631216"/>
+        </p:nvPicPr>
+        <p:blipFill>
+          <a:blip r:embed="rId2"/>
+          <a:stretch>
+            <a:fillRect/>
+          </a:stretch>
+        </p:blipFill>
+        <p:spPr>
+          <a:xfrm>
+            <a:off x="4484372" y="1449000"/>
+            <a:ext cx="3223256" cy="3960000"/>
           </a:xfrm>
           <a:prstGeom prst="rect">
             <a:avLst/>
           </a:prstGeom>
-          <a:noFill/>
-        </p:spPr>
-        <p:txBody>
-          <a:bodyPr wrap="square" rtlCol="0">
-            <a:spAutoFit/>
-          </a:bodyPr>
-          <a:lstStyle/>
-          <a:p>
-            <a:r>
-              <a:rPr lang="it-IT" sz="10000" b="1" dirty="0">
-                <a:solidFill>
-                  <a:schemeClr val="bg1"/>
-                </a:solidFill>
-              </a:rPr>
-              <a:t>+</a:t>
-            </a:r>
-          </a:p>
-        </p:txBody>
-      </p:sp>
+        </p:spPr>
+      </p:pic>
     </p:spTree>
     <p:extLst>
       <p:ext uri="{BB962C8B-B14F-4D97-AF65-F5344CB8AC3E}">
-        <p14:creationId xmlns:p14="http://schemas.microsoft.com/office/powerpoint/2010/main" val="1392786631"/>
+        <p14:creationId xmlns:p14="http://schemas.microsoft.com/office/powerpoint/2010/main" val="714792364"/>
       </p:ext>
     </p:extLst>
   </p:cSld>
@@ -6979,10 +7427,10 @@
   </p:clrMapOvr>
   <mc:AlternateContent xmlns:mc="http://schemas.openxmlformats.org/markup-compatibility/2006" xmlns:p14="http://schemas.microsoft.com/office/powerpoint/2010/main">
     <mc:Choice Requires="p14">
-      <p:transition p14:dur="10" advClick="0" advTm="5000"/>
+      <p:transition p14:dur="10" advClick="0" advTm="10000"/>
     </mc:Choice>
     <mc:Fallback xmlns="">
-      <p:transition advClick="0" advTm="5000"/>
+      <p:transition advClick="0" advTm="10000"/>
     </mc:Fallback>
   </mc:AlternateContent>
 </p:sld>
@@ -7005,52 +7453,63 @@
           <a:chExt cx="0" cy="0"/>
         </a:xfrm>
       </p:grpSpPr>
-      <p:pic>
-        <p:nvPicPr>
-          <p:cNvPr id="3" name="Immagine 2" descr="Immagine che contiene testo, uomo, primate, mammifero&#10;&#10;Descrizione generata automaticamente">
-            <a:extLst>
-              <a:ext uri="{FF2B5EF4-FFF2-40B4-BE49-F238E27FC236}">
-                <a16:creationId xmlns:a16="http://schemas.microsoft.com/office/drawing/2014/main" id="{0C036FCA-B572-3081-0776-8C95BAA291FF}"/>
-              </a:ext>
-            </a:extLst>
-          </p:cNvPr>
-          <p:cNvPicPr>
-            <a:picLocks noChangeAspect="1"/>
-          </p:cNvPicPr>
+      <p:sp>
+        <p:nvSpPr>
+          <p:cNvPr id="5" name="CasellaDiTesto 4">
+            <a:extLst>
+              <a:ext uri="{FF2B5EF4-FFF2-40B4-BE49-F238E27FC236}">
+                <a16:creationId xmlns:a16="http://schemas.microsoft.com/office/drawing/2014/main" id="{BD8962F1-B732-9259-B4E8-C6D18B78160E}"/>
+              </a:ext>
+            </a:extLst>
+          </p:cNvPr>
+          <p:cNvSpPr txBox="1">
+            <a:spLocks/>
+          </p:cNvSpPr>
           <p:nvPr/>
-        </p:nvPicPr>
-        <p:blipFill>
-          <a:blip r:embed="rId2"/>
-          <a:stretch>
-            <a:fillRect/>
-          </a:stretch>
-        </p:blipFill>
-        <p:spPr>
-          <a:xfrm>
-            <a:off x="4542461" y="1449000"/>
-            <a:ext cx="3107077" cy="3960000"/>
+        </p:nvSpPr>
+        <p:spPr>
+          <a:xfrm>
+            <a:off x="5677929" y="2613392"/>
+            <a:ext cx="836141" cy="1631216"/>
           </a:xfrm>
           <a:prstGeom prst="rect">
             <a:avLst/>
           </a:prstGeom>
-        </p:spPr>
-      </p:pic>
+          <a:noFill/>
+        </p:spPr>
+        <p:txBody>
+          <a:bodyPr wrap="square" rtlCol="0">
+            <a:spAutoFit/>
+          </a:bodyPr>
+          <a:lstStyle/>
+          <a:p>
+            <a:r>
+              <a:rPr lang="it-IT" sz="10000" b="1" dirty="0">
+                <a:solidFill>
+                  <a:schemeClr val="bg1"/>
+                </a:solidFill>
+              </a:rPr>
+              <a:t>+</a:t>
+            </a:r>
+          </a:p>
+        </p:txBody>
+      </p:sp>
     </p:spTree>
     <p:extLst>
       <p:ext uri="{BB962C8B-B14F-4D97-AF65-F5344CB8AC3E}">
-        <p14:creationId xmlns:p14="http://schemas.microsoft.com/office/powerpoint/2010/main" val="130980263"/>
+        <p14:creationId xmlns:p14="http://schemas.microsoft.com/office/powerpoint/2010/main" val="1392786631"/>
       </p:ext>
     </p:extLst>
   </p:cSld>
   <p:clrMapOvr>
     <a:masterClrMapping/>
   </p:clrMapOvr>
-  <mc:AlternateContent xmlns:mc="http://schemas.openxmlformats.org/markup-compatibility/2006">
-    <mc:Choice xmlns:p14="http://schemas.microsoft.com/office/powerpoint/2010/main" Requires="p14">
-      <p:transition p14:dur="10" advClick="0" advTm="10000"/>
+  <mc:AlternateContent xmlns:mc="http://schemas.openxmlformats.org/markup-compatibility/2006" xmlns:p14="http://schemas.microsoft.com/office/powerpoint/2010/main">
+    <mc:Choice Requires="p14">
+      <p:transition p14:dur="10" advClick="0" advTm="5000"/>
     </mc:Choice>
-    <mc:Fallback>
-      <p:transition advClick="0" advTm="10000"/>
+    <mc:Fallback xmlns="">
+      <p:transition advClick="0" advTm="5000"/>
     </mc:Fallback>
   </mc:AlternateContent>
 </p:sld>
@@ -7073,51 +7532,40 @@
           <a:chExt cx="0" cy="0"/>
         </a:xfrm>
       </p:grpSpPr>
-      <p:sp>
-        <p:nvSpPr>
-          <p:cNvPr id="5" name="CasellaDiTesto 4">
-            <a:extLst>
-              <a:ext uri="{FF2B5EF4-FFF2-40B4-BE49-F238E27FC236}">
-                <a16:creationId xmlns:a16="http://schemas.microsoft.com/office/drawing/2014/main" id="{BD8962F1-B732-9259-B4E8-C6D18B78160E}"/>
-              </a:ext>
-            </a:extLst>
-          </p:cNvPr>
-          <p:cNvSpPr txBox="1">
-            <a:spLocks/>
-          </p:cNvSpPr>
+      <p:pic>
+        <p:nvPicPr>
+          <p:cNvPr id="3" name="Immagine 2" descr="Immagine che contiene testo, uomo, primate, mammifero&#10;&#10;Descrizione generata automaticamente">
+            <a:extLst>
+              <a:ext uri="{FF2B5EF4-FFF2-40B4-BE49-F238E27FC236}">
+                <a16:creationId xmlns:a16="http://schemas.microsoft.com/office/drawing/2014/main" id="{0C036FCA-B572-3081-0776-8C95BAA291FF}"/>
+              </a:ext>
+            </a:extLst>
+          </p:cNvPr>
+          <p:cNvPicPr>
+            <a:picLocks noChangeAspect="1"/>
+          </p:cNvPicPr>
           <p:nvPr/>
-        </p:nvSpPr>
-        <p:spPr>
-          <a:xfrm>
-            <a:off x="5677929" y="2613392"/>
-            <a:ext cx="836141" cy="1631216"/>
+        </p:nvPicPr>
+        <p:blipFill>
+          <a:blip r:embed="rId2"/>
+          <a:stretch>
+            <a:fillRect/>
+          </a:stretch>
+        </p:blipFill>
+        <p:spPr>
+          <a:xfrm>
+            <a:off x="4542461" y="1449000"/>
+            <a:ext cx="3107077" cy="3960000"/>
           </a:xfrm>
           <a:prstGeom prst="rect">
             <a:avLst/>
           </a:prstGeom>
-          <a:noFill/>
-        </p:spPr>
-        <p:txBody>
-          <a:bodyPr wrap="square" rtlCol="0">
-            <a:spAutoFit/>
-          </a:bodyPr>
-          <a:lstStyle/>
-          <a:p>
-            <a:r>
-              <a:rPr lang="it-IT" sz="10000" b="1" dirty="0">
-                <a:solidFill>
-                  <a:schemeClr val="bg1"/>
-                </a:solidFill>
-              </a:rPr>
-              <a:t>+</a:t>
-            </a:r>
-          </a:p>
-        </p:txBody>
-      </p:sp>
+        </p:spPr>
+      </p:pic>
     </p:spTree>
     <p:extLst>
       <p:ext uri="{BB962C8B-B14F-4D97-AF65-F5344CB8AC3E}">
-        <p14:creationId xmlns:p14="http://schemas.microsoft.com/office/powerpoint/2010/main" val="3733923400"/>
+        <p14:creationId xmlns:p14="http://schemas.microsoft.com/office/powerpoint/2010/main" val="130980263"/>
       </p:ext>
     </p:extLst>
   </p:cSld>
@@ -7126,10 +7574,10 @@
   </p:clrMapOvr>
   <mc:AlternateContent xmlns:mc="http://schemas.openxmlformats.org/markup-compatibility/2006" xmlns:p14="http://schemas.microsoft.com/office/powerpoint/2010/main">
     <mc:Choice Requires="p14">
-      <p:transition p14:dur="10" advClick="0" advTm="5000"/>
+      <p:transition p14:dur="10" advClick="0" advTm="10000"/>
     </mc:Choice>
     <mc:Fallback xmlns="">
-      <p:transition advClick="0" advTm="5000"/>
+      <p:transition advClick="0" advTm="10000"/>
     </mc:Fallback>
   </mc:AlternateContent>
 </p:sld>
@@ -7152,52 +7600,63 @@
           <a:chExt cx="0" cy="0"/>
         </a:xfrm>
       </p:grpSpPr>
-      <p:pic>
-        <p:nvPicPr>
-          <p:cNvPr id="3" name="Immagine 2" descr="Immagine che contiene testo, uomo, persona, interni&#10;&#10;Descrizione generata automaticamente">
-            <a:extLst>
-              <a:ext uri="{FF2B5EF4-FFF2-40B4-BE49-F238E27FC236}">
-                <a16:creationId xmlns:a16="http://schemas.microsoft.com/office/drawing/2014/main" id="{50E155B5-E615-3378-BADC-6A8D28332CC4}"/>
-              </a:ext>
-            </a:extLst>
-          </p:cNvPr>
-          <p:cNvPicPr>
-            <a:picLocks noChangeAspect="1"/>
-          </p:cNvPicPr>
+      <p:sp>
+        <p:nvSpPr>
+          <p:cNvPr id="5" name="CasellaDiTesto 4">
+            <a:extLst>
+              <a:ext uri="{FF2B5EF4-FFF2-40B4-BE49-F238E27FC236}">
+                <a16:creationId xmlns:a16="http://schemas.microsoft.com/office/drawing/2014/main" id="{BD8962F1-B732-9259-B4E8-C6D18B78160E}"/>
+              </a:ext>
+            </a:extLst>
+          </p:cNvPr>
+          <p:cNvSpPr txBox="1">
+            <a:spLocks/>
+          </p:cNvSpPr>
           <p:nvPr/>
-        </p:nvPicPr>
-        <p:blipFill>
-          <a:blip r:embed="rId2"/>
-          <a:stretch>
-            <a:fillRect/>
-          </a:stretch>
-        </p:blipFill>
-        <p:spPr>
-          <a:xfrm>
-            <a:off x="4728857" y="1449000"/>
-            <a:ext cx="2734286" cy="3960000"/>
+        </p:nvSpPr>
+        <p:spPr>
+          <a:xfrm>
+            <a:off x="5677929" y="2613392"/>
+            <a:ext cx="836141" cy="1631216"/>
           </a:xfrm>
           <a:prstGeom prst="rect">
             <a:avLst/>
           </a:prstGeom>
-        </p:spPr>
-      </p:pic>
+          <a:noFill/>
+        </p:spPr>
+        <p:txBody>
+          <a:bodyPr wrap="square" rtlCol="0">
+            <a:spAutoFit/>
+          </a:bodyPr>
+          <a:lstStyle/>
+          <a:p>
+            <a:r>
+              <a:rPr lang="it-IT" sz="10000" b="1" dirty="0">
+                <a:solidFill>
+                  <a:schemeClr val="bg1"/>
+                </a:solidFill>
+              </a:rPr>
+              <a:t>+</a:t>
+            </a:r>
+          </a:p>
+        </p:txBody>
+      </p:sp>
     </p:spTree>
     <p:extLst>
       <p:ext uri="{BB962C8B-B14F-4D97-AF65-F5344CB8AC3E}">
-        <p14:creationId xmlns:p14="http://schemas.microsoft.com/office/powerpoint/2010/main" val="1984735103"/>
+        <p14:creationId xmlns:p14="http://schemas.microsoft.com/office/powerpoint/2010/main" val="3733923400"/>
       </p:ext>
     </p:extLst>
   </p:cSld>
   <p:clrMapOvr>
     <a:masterClrMapping/>
   </p:clrMapOvr>
-  <mc:AlternateContent xmlns:mc="http://schemas.openxmlformats.org/markup-compatibility/2006">
-    <mc:Choice xmlns:p14="http://schemas.microsoft.com/office/powerpoint/2010/main" Requires="p14">
-      <p:transition p14:dur="10" advClick="0" advTm="10000"/>
+  <mc:AlternateContent xmlns:mc="http://schemas.openxmlformats.org/markup-compatibility/2006" xmlns:p14="http://schemas.microsoft.com/office/powerpoint/2010/main">
+    <mc:Choice Requires="p14">
+      <p:transition p14:dur="10" advClick="0" advTm="5000"/>
     </mc:Choice>
-    <mc:Fallback>
-      <p:transition advClick="0" advTm="10000"/>
+    <mc:Fallback xmlns="">
+      <p:transition advClick="0" advTm="5000"/>
     </mc:Fallback>
   </mc:AlternateContent>
 </p:sld>
@@ -7220,51 +7679,40 @@
           <a:chExt cx="0" cy="0"/>
         </a:xfrm>
       </p:grpSpPr>
-      <p:sp>
-        <p:nvSpPr>
-          <p:cNvPr id="5" name="CasellaDiTesto 4">
-            <a:extLst>
-              <a:ext uri="{FF2B5EF4-FFF2-40B4-BE49-F238E27FC236}">
-                <a16:creationId xmlns:a16="http://schemas.microsoft.com/office/drawing/2014/main" id="{BD8962F1-B732-9259-B4E8-C6D18B78160E}"/>
-              </a:ext>
-            </a:extLst>
-          </p:cNvPr>
-          <p:cNvSpPr txBox="1">
-            <a:spLocks/>
-          </p:cNvSpPr>
+      <p:pic>
+        <p:nvPicPr>
+          <p:cNvPr id="3" name="Immagine 2" descr="Immagine che contiene testo, uomo, persona, interni&#10;&#10;Descrizione generata automaticamente">
+            <a:extLst>
+              <a:ext uri="{FF2B5EF4-FFF2-40B4-BE49-F238E27FC236}">
+                <a16:creationId xmlns:a16="http://schemas.microsoft.com/office/drawing/2014/main" id="{50E155B5-E615-3378-BADC-6A8D28332CC4}"/>
+              </a:ext>
+            </a:extLst>
+          </p:cNvPr>
+          <p:cNvPicPr>
+            <a:picLocks noChangeAspect="1"/>
+          </p:cNvPicPr>
           <p:nvPr/>
-        </p:nvSpPr>
-        <p:spPr>
-          <a:xfrm>
-            <a:off x="5677929" y="2613392"/>
-            <a:ext cx="836141" cy="1631216"/>
+        </p:nvPicPr>
+        <p:blipFill>
+          <a:blip r:embed="rId2"/>
+          <a:stretch>
+            <a:fillRect/>
+          </a:stretch>
+        </p:blipFill>
+        <p:spPr>
+          <a:xfrm>
+            <a:off x="4728857" y="1449000"/>
+            <a:ext cx="2734286" cy="3960000"/>
           </a:xfrm>
           <a:prstGeom prst="rect">
             <a:avLst/>
           </a:prstGeom>
-          <a:noFill/>
-        </p:spPr>
-        <p:txBody>
-          <a:bodyPr wrap="square" rtlCol="0">
-            <a:spAutoFit/>
-          </a:bodyPr>
-          <a:lstStyle/>
-          <a:p>
-            <a:r>
-              <a:rPr lang="it-IT" sz="10000" b="1" dirty="0">
-                <a:solidFill>
-                  <a:schemeClr val="bg1"/>
-                </a:solidFill>
-              </a:rPr>
-              <a:t>+</a:t>
-            </a:r>
-          </a:p>
-        </p:txBody>
-      </p:sp>
+        </p:spPr>
+      </p:pic>
     </p:spTree>
     <p:extLst>
       <p:ext uri="{BB962C8B-B14F-4D97-AF65-F5344CB8AC3E}">
-        <p14:creationId xmlns:p14="http://schemas.microsoft.com/office/powerpoint/2010/main" val="2605138610"/>
+        <p14:creationId xmlns:p14="http://schemas.microsoft.com/office/powerpoint/2010/main" val="1984735103"/>
       </p:ext>
     </p:extLst>
   </p:cSld>
@@ -7273,10 +7721,10 @@
   </p:clrMapOvr>
   <mc:AlternateContent xmlns:mc="http://schemas.openxmlformats.org/markup-compatibility/2006" xmlns:p14="http://schemas.microsoft.com/office/powerpoint/2010/main">
     <mc:Choice Requires="p14">
-      <p:transition p14:dur="10" advClick="0" advTm="5000"/>
+      <p:transition p14:dur="10" advClick="0" advTm="10000"/>
     </mc:Choice>
     <mc:Fallback xmlns="">
-      <p:transition advClick="0" advTm="5000"/>
+      <p:transition advClick="0" advTm="10000"/>
     </mc:Fallback>
   </mc:AlternateContent>
 </p:sld>
@@ -7299,52 +7747,63 @@
           <a:chExt cx="0" cy="0"/>
         </a:xfrm>
       </p:grpSpPr>
-      <p:pic>
-        <p:nvPicPr>
-          <p:cNvPr id="3" name="Immagine 2" descr="Immagine che contiene testo, uomo, vecchio&#10;&#10;Descrizione generata automaticamente">
-            <a:extLst>
-              <a:ext uri="{FF2B5EF4-FFF2-40B4-BE49-F238E27FC236}">
-                <a16:creationId xmlns:a16="http://schemas.microsoft.com/office/drawing/2014/main" id="{8DD45351-5188-9ADE-8E5B-28B53FCBD450}"/>
-              </a:ext>
-            </a:extLst>
-          </p:cNvPr>
-          <p:cNvPicPr>
-            <a:picLocks noChangeAspect="1"/>
-          </p:cNvPicPr>
+      <p:sp>
+        <p:nvSpPr>
+          <p:cNvPr id="5" name="CasellaDiTesto 4">
+            <a:extLst>
+              <a:ext uri="{FF2B5EF4-FFF2-40B4-BE49-F238E27FC236}">
+                <a16:creationId xmlns:a16="http://schemas.microsoft.com/office/drawing/2014/main" id="{BD8962F1-B732-9259-B4E8-C6D18B78160E}"/>
+              </a:ext>
+            </a:extLst>
+          </p:cNvPr>
+          <p:cNvSpPr txBox="1">
+            <a:spLocks/>
+          </p:cNvSpPr>
           <p:nvPr/>
-        </p:nvPicPr>
-        <p:blipFill>
-          <a:blip r:embed="rId2"/>
-          <a:stretch>
-            <a:fillRect/>
-          </a:stretch>
-        </p:blipFill>
-        <p:spPr>
-          <a:xfrm>
-            <a:off x="4564594" y="1449000"/>
-            <a:ext cx="3062812" cy="3960000"/>
+        </p:nvSpPr>
+        <p:spPr>
+          <a:xfrm>
+            <a:off x="5677929" y="2613392"/>
+            <a:ext cx="836141" cy="1631216"/>
           </a:xfrm>
           <a:prstGeom prst="rect">
             <a:avLst/>
           </a:prstGeom>
-        </p:spPr>
-      </p:pic>
+          <a:noFill/>
+        </p:spPr>
+        <p:txBody>
+          <a:bodyPr wrap="square" rtlCol="0">
+            <a:spAutoFit/>
+          </a:bodyPr>
+          <a:lstStyle/>
+          <a:p>
+            <a:r>
+              <a:rPr lang="it-IT" sz="10000" b="1" dirty="0">
+                <a:solidFill>
+                  <a:schemeClr val="bg1"/>
+                </a:solidFill>
+              </a:rPr>
+              <a:t>+</a:t>
+            </a:r>
+          </a:p>
+        </p:txBody>
+      </p:sp>
     </p:spTree>
     <p:extLst>
       <p:ext uri="{BB962C8B-B14F-4D97-AF65-F5344CB8AC3E}">
-        <p14:creationId xmlns:p14="http://schemas.microsoft.com/office/powerpoint/2010/main" val="685647255"/>
+        <p14:creationId xmlns:p14="http://schemas.microsoft.com/office/powerpoint/2010/main" val="2605138610"/>
       </p:ext>
     </p:extLst>
   </p:cSld>
   <p:clrMapOvr>
     <a:masterClrMapping/>
   </p:clrMapOvr>
-  <mc:AlternateContent xmlns:mc="http://schemas.openxmlformats.org/markup-compatibility/2006">
-    <mc:Choice xmlns:p14="http://schemas.microsoft.com/office/powerpoint/2010/main" Requires="p14">
-      <p:transition p14:dur="10" advClick="0" advTm="10000"/>
+  <mc:AlternateContent xmlns:mc="http://schemas.openxmlformats.org/markup-compatibility/2006" xmlns:p14="http://schemas.microsoft.com/office/powerpoint/2010/main">
+    <mc:Choice Requires="p14">
+      <p:transition p14:dur="10" advClick="0" advTm="5000"/>
     </mc:Choice>
-    <mc:Fallback>
-      <p:transition advClick="0" advTm="10000"/>
+    <mc:Fallback xmlns="">
+      <p:transition advClick="0" advTm="5000"/>
     </mc:Fallback>
   </mc:AlternateContent>
 </p:sld>
@@ -7367,51 +7826,40 @@
           <a:chExt cx="0" cy="0"/>
         </a:xfrm>
       </p:grpSpPr>
-      <p:sp>
-        <p:nvSpPr>
-          <p:cNvPr id="5" name="CasellaDiTesto 4">
-            <a:extLst>
-              <a:ext uri="{FF2B5EF4-FFF2-40B4-BE49-F238E27FC236}">
-                <a16:creationId xmlns:a16="http://schemas.microsoft.com/office/drawing/2014/main" id="{BD8962F1-B732-9259-B4E8-C6D18B78160E}"/>
-              </a:ext>
-            </a:extLst>
-          </p:cNvPr>
-          <p:cNvSpPr txBox="1">
-            <a:spLocks/>
-          </p:cNvSpPr>
+      <p:pic>
+        <p:nvPicPr>
+          <p:cNvPr id="3" name="Immagine 2" descr="Immagine che contiene testo, uomo, vecchio&#10;&#10;Descrizione generata automaticamente">
+            <a:extLst>
+              <a:ext uri="{FF2B5EF4-FFF2-40B4-BE49-F238E27FC236}">
+                <a16:creationId xmlns:a16="http://schemas.microsoft.com/office/drawing/2014/main" id="{8DD45351-5188-9ADE-8E5B-28B53FCBD450}"/>
+              </a:ext>
+            </a:extLst>
+          </p:cNvPr>
+          <p:cNvPicPr>
+            <a:picLocks noChangeAspect="1"/>
+          </p:cNvPicPr>
           <p:nvPr/>
-        </p:nvSpPr>
-        <p:spPr>
-          <a:xfrm>
-            <a:off x="5677929" y="2613392"/>
-            <a:ext cx="836141" cy="1631216"/>
+        </p:nvPicPr>
+        <p:blipFill>
+          <a:blip r:embed="rId2"/>
+          <a:stretch>
+            <a:fillRect/>
+          </a:stretch>
+        </p:blipFill>
+        <p:spPr>
+          <a:xfrm>
+            <a:off x="4564594" y="1449000"/>
+            <a:ext cx="3062812" cy="3960000"/>
           </a:xfrm>
           <a:prstGeom prst="rect">
             <a:avLst/>
           </a:prstGeom>
-          <a:noFill/>
-        </p:spPr>
-        <p:txBody>
-          <a:bodyPr wrap="square" rtlCol="0">
-            <a:spAutoFit/>
-          </a:bodyPr>
-          <a:lstStyle/>
-          <a:p>
-            <a:r>
-              <a:rPr lang="it-IT" sz="10000" b="1" dirty="0">
-                <a:solidFill>
-                  <a:schemeClr val="bg1"/>
-                </a:solidFill>
-              </a:rPr>
-              <a:t>+</a:t>
-            </a:r>
-          </a:p>
-        </p:txBody>
-      </p:sp>
+        </p:spPr>
+      </p:pic>
     </p:spTree>
     <p:extLst>
       <p:ext uri="{BB962C8B-B14F-4D97-AF65-F5344CB8AC3E}">
-        <p14:creationId xmlns:p14="http://schemas.microsoft.com/office/powerpoint/2010/main" val="3017385312"/>
+        <p14:creationId xmlns:p14="http://schemas.microsoft.com/office/powerpoint/2010/main" val="685647255"/>
       </p:ext>
     </p:extLst>
   </p:cSld>
@@ -7420,10 +7868,10 @@
   </p:clrMapOvr>
   <mc:AlternateContent xmlns:mc="http://schemas.openxmlformats.org/markup-compatibility/2006" xmlns:p14="http://schemas.microsoft.com/office/powerpoint/2010/main">
     <mc:Choice Requires="p14">
-      <p:transition p14:dur="10" advClick="0" advTm="5000"/>
+      <p:transition p14:dur="10" advClick="0" advTm="10000"/>
     </mc:Choice>
     <mc:Fallback xmlns="">
-      <p:transition advClick="0" advTm="5000"/>
+      <p:transition advClick="0" advTm="10000"/>
     </mc:Fallback>
   </mc:AlternateContent>
 </p:sld>
@@ -7446,52 +7894,63 @@
           <a:chExt cx="0" cy="0"/>
         </a:xfrm>
       </p:grpSpPr>
-      <p:pic>
-        <p:nvPicPr>
-          <p:cNvPr id="3" name="Immagine 2" descr="Immagine che contiene testo, uomo, primate, mammifero&#10;&#10;Descrizione generata automaticamente">
-            <a:extLst>
-              <a:ext uri="{FF2B5EF4-FFF2-40B4-BE49-F238E27FC236}">
-                <a16:creationId xmlns:a16="http://schemas.microsoft.com/office/drawing/2014/main" id="{149FF073-E05B-2B61-13AA-33497CC8BBBC}"/>
-              </a:ext>
-            </a:extLst>
-          </p:cNvPr>
-          <p:cNvPicPr>
-            <a:picLocks noChangeAspect="1"/>
-          </p:cNvPicPr>
+      <p:sp>
+        <p:nvSpPr>
+          <p:cNvPr id="5" name="CasellaDiTesto 4">
+            <a:extLst>
+              <a:ext uri="{FF2B5EF4-FFF2-40B4-BE49-F238E27FC236}">
+                <a16:creationId xmlns:a16="http://schemas.microsoft.com/office/drawing/2014/main" id="{BD8962F1-B732-9259-B4E8-C6D18B78160E}"/>
+              </a:ext>
+            </a:extLst>
+          </p:cNvPr>
+          <p:cNvSpPr txBox="1">
+            <a:spLocks/>
+          </p:cNvSpPr>
           <p:nvPr/>
-        </p:nvPicPr>
-        <p:blipFill>
-          <a:blip r:embed="rId2"/>
-          <a:stretch>
-            <a:fillRect/>
-          </a:stretch>
-        </p:blipFill>
-        <p:spPr>
-          <a:xfrm>
-            <a:off x="4588154" y="1449000"/>
-            <a:ext cx="3015692" cy="3960000"/>
+        </p:nvSpPr>
+        <p:spPr>
+          <a:xfrm>
+            <a:off x="5677929" y="2613392"/>
+            <a:ext cx="836141" cy="1631216"/>
           </a:xfrm>
           <a:prstGeom prst="rect">
             <a:avLst/>
           </a:prstGeom>
-        </p:spPr>
-      </p:pic>
+          <a:noFill/>
+        </p:spPr>
+        <p:txBody>
+          <a:bodyPr wrap="square" rtlCol="0">
+            <a:spAutoFit/>
+          </a:bodyPr>
+          <a:lstStyle/>
+          <a:p>
+            <a:r>
+              <a:rPr lang="it-IT" sz="10000" b="1" dirty="0">
+                <a:solidFill>
+                  <a:schemeClr val="bg1"/>
+                </a:solidFill>
+              </a:rPr>
+              <a:t>+</a:t>
+            </a:r>
+          </a:p>
+        </p:txBody>
+      </p:sp>
     </p:spTree>
     <p:extLst>
       <p:ext uri="{BB962C8B-B14F-4D97-AF65-F5344CB8AC3E}">
-        <p14:creationId xmlns:p14="http://schemas.microsoft.com/office/powerpoint/2010/main" val="2945476539"/>
+        <p14:creationId xmlns:p14="http://schemas.microsoft.com/office/powerpoint/2010/main" val="970797210"/>
       </p:ext>
     </p:extLst>
   </p:cSld>
   <p:clrMapOvr>
     <a:masterClrMapping/>
   </p:clrMapOvr>
-  <mc:AlternateContent xmlns:mc="http://schemas.openxmlformats.org/markup-compatibility/2006">
-    <mc:Choice xmlns:p14="http://schemas.microsoft.com/office/powerpoint/2010/main" Requires="p14">
-      <p:transition p14:dur="10" advClick="0" advTm="10000"/>
+  <mc:AlternateContent xmlns:mc="http://schemas.openxmlformats.org/markup-compatibility/2006" xmlns:p14="http://schemas.microsoft.com/office/powerpoint/2010/main">
+    <mc:Choice Requires="p14">
+      <p:transition p14:dur="10" advClick="0" advTm="5000"/>
     </mc:Choice>
-    <mc:Fallback>
-      <p:transition advClick="0" advTm="10000"/>
+    <mc:Fallback xmlns="">
+      <p:transition advClick="0" advTm="5000"/>
     </mc:Fallback>
   </mc:AlternateContent>
 </p:sld>
@@ -7514,52 +7973,63 @@
           <a:chExt cx="0" cy="0"/>
         </a:xfrm>
       </p:grpSpPr>
-      <p:pic>
-        <p:nvPicPr>
-          <p:cNvPr id="3" name="Immagine 2" descr="Immagine che contiene testo, uomo&#10;&#10;Descrizione generata automaticamente">
-            <a:extLst>
-              <a:ext uri="{FF2B5EF4-FFF2-40B4-BE49-F238E27FC236}">
-                <a16:creationId xmlns:a16="http://schemas.microsoft.com/office/drawing/2014/main" id="{8B976846-25D3-377E-A672-00FCC1C87556}"/>
-              </a:ext>
-            </a:extLst>
-          </p:cNvPr>
-          <p:cNvPicPr>
-            <a:picLocks noChangeAspect="1"/>
-          </p:cNvPicPr>
+      <p:sp>
+        <p:nvSpPr>
+          <p:cNvPr id="5" name="CasellaDiTesto 4">
+            <a:extLst>
+              <a:ext uri="{FF2B5EF4-FFF2-40B4-BE49-F238E27FC236}">
+                <a16:creationId xmlns:a16="http://schemas.microsoft.com/office/drawing/2014/main" id="{BD8962F1-B732-9259-B4E8-C6D18B78160E}"/>
+              </a:ext>
+            </a:extLst>
+          </p:cNvPr>
+          <p:cNvSpPr txBox="1">
+            <a:spLocks/>
+          </p:cNvSpPr>
           <p:nvPr/>
-        </p:nvPicPr>
-        <p:blipFill>
-          <a:blip r:embed="rId2"/>
-          <a:stretch>
-            <a:fillRect/>
-          </a:stretch>
-        </p:blipFill>
-        <p:spPr>
-          <a:xfrm>
-            <a:off x="4591814" y="1449000"/>
-            <a:ext cx="3008372" cy="3960000"/>
+        </p:nvSpPr>
+        <p:spPr>
+          <a:xfrm>
+            <a:off x="5677929" y="2613392"/>
+            <a:ext cx="836141" cy="1631216"/>
           </a:xfrm>
           <a:prstGeom prst="rect">
             <a:avLst/>
           </a:prstGeom>
-        </p:spPr>
-      </p:pic>
+          <a:noFill/>
+        </p:spPr>
+        <p:txBody>
+          <a:bodyPr wrap="square" rtlCol="0">
+            <a:spAutoFit/>
+          </a:bodyPr>
+          <a:lstStyle/>
+          <a:p>
+            <a:r>
+              <a:rPr lang="it-IT" sz="10000" b="1" dirty="0">
+                <a:solidFill>
+                  <a:schemeClr val="bg1"/>
+                </a:solidFill>
+              </a:rPr>
+              <a:t>+</a:t>
+            </a:r>
+          </a:p>
+        </p:txBody>
+      </p:sp>
     </p:spTree>
     <p:extLst>
       <p:ext uri="{BB962C8B-B14F-4D97-AF65-F5344CB8AC3E}">
-        <p14:creationId xmlns:p14="http://schemas.microsoft.com/office/powerpoint/2010/main" val="3802433447"/>
+        <p14:creationId xmlns:p14="http://schemas.microsoft.com/office/powerpoint/2010/main" val="3017385312"/>
       </p:ext>
     </p:extLst>
   </p:cSld>
   <p:clrMapOvr>
     <a:masterClrMapping/>
   </p:clrMapOvr>
-  <mc:AlternateContent xmlns:mc="http://schemas.openxmlformats.org/markup-compatibility/2006">
-    <mc:Choice xmlns:p14="http://schemas.microsoft.com/office/powerpoint/2010/main" Requires="p14">
-      <p:transition p14:dur="10" advClick="0" advTm="10000"/>
+  <mc:AlternateContent xmlns:mc="http://schemas.openxmlformats.org/markup-compatibility/2006" xmlns:p14="http://schemas.microsoft.com/office/powerpoint/2010/main">
+    <mc:Choice Requires="p14">
+      <p:transition p14:dur="10" advClick="0" advTm="5000"/>
     </mc:Choice>
-    <mc:Fallback>
-      <p:transition advClick="0" advTm="10000"/>
+    <mc:Fallback xmlns="">
+      <p:transition advClick="0" advTm="5000"/>
     </mc:Fallback>
   </mc:AlternateContent>
 </p:sld>
@@ -7582,51 +8052,40 @@
           <a:chExt cx="0" cy="0"/>
         </a:xfrm>
       </p:grpSpPr>
-      <p:sp>
-        <p:nvSpPr>
-          <p:cNvPr id="5" name="CasellaDiTesto 4">
-            <a:extLst>
-              <a:ext uri="{FF2B5EF4-FFF2-40B4-BE49-F238E27FC236}">
-                <a16:creationId xmlns:a16="http://schemas.microsoft.com/office/drawing/2014/main" id="{BD8962F1-B732-9259-B4E8-C6D18B78160E}"/>
-              </a:ext>
-            </a:extLst>
-          </p:cNvPr>
-          <p:cNvSpPr txBox="1">
-            <a:spLocks/>
-          </p:cNvSpPr>
+      <p:pic>
+        <p:nvPicPr>
+          <p:cNvPr id="3" name="Immagine 2" descr="Immagine che contiene testo, uomo&#10;&#10;Descrizione generata automaticamente">
+            <a:extLst>
+              <a:ext uri="{FF2B5EF4-FFF2-40B4-BE49-F238E27FC236}">
+                <a16:creationId xmlns:a16="http://schemas.microsoft.com/office/drawing/2014/main" id="{8B976846-25D3-377E-A672-00FCC1C87556}"/>
+              </a:ext>
+            </a:extLst>
+          </p:cNvPr>
+          <p:cNvPicPr>
+            <a:picLocks noChangeAspect="1"/>
+          </p:cNvPicPr>
           <p:nvPr/>
-        </p:nvSpPr>
-        <p:spPr>
-          <a:xfrm>
-            <a:off x="5677929" y="2613392"/>
-            <a:ext cx="836141" cy="1631216"/>
+        </p:nvPicPr>
+        <p:blipFill>
+          <a:blip r:embed="rId2"/>
+          <a:stretch>
+            <a:fillRect/>
+          </a:stretch>
+        </p:blipFill>
+        <p:spPr>
+          <a:xfrm>
+            <a:off x="4591814" y="1449000"/>
+            <a:ext cx="3008372" cy="3960000"/>
           </a:xfrm>
           <a:prstGeom prst="rect">
             <a:avLst/>
           </a:prstGeom>
-          <a:noFill/>
-        </p:spPr>
-        <p:txBody>
-          <a:bodyPr wrap="square" rtlCol="0">
-            <a:spAutoFit/>
-          </a:bodyPr>
-          <a:lstStyle/>
-          <a:p>
-            <a:r>
-              <a:rPr lang="it-IT" sz="10000" b="1" dirty="0">
-                <a:solidFill>
-                  <a:schemeClr val="bg1"/>
-                </a:solidFill>
-              </a:rPr>
-              <a:t>+</a:t>
-            </a:r>
-          </a:p>
-        </p:txBody>
-      </p:sp>
+        </p:spPr>
+      </p:pic>
     </p:spTree>
     <p:extLst>
       <p:ext uri="{BB962C8B-B14F-4D97-AF65-F5344CB8AC3E}">
-        <p14:creationId xmlns:p14="http://schemas.microsoft.com/office/powerpoint/2010/main" val="1346674968"/>
+        <p14:creationId xmlns:p14="http://schemas.microsoft.com/office/powerpoint/2010/main" val="3802433447"/>
       </p:ext>
     </p:extLst>
   </p:cSld>
@@ -7635,10 +8094,10 @@
   </p:clrMapOvr>
   <mc:AlternateContent xmlns:mc="http://schemas.openxmlformats.org/markup-compatibility/2006" xmlns:p14="http://schemas.microsoft.com/office/powerpoint/2010/main">
     <mc:Choice Requires="p14">
-      <p:transition p14:dur="10" advClick="0" advTm="5000"/>
+      <p:transition p14:dur="10" advClick="0" advTm="10000"/>
     </mc:Choice>
     <mc:Fallback xmlns="">
-      <p:transition advClick="0" advTm="5000"/>
+      <p:transition advClick="0" advTm="10000"/>
     </mc:Fallback>
   </mc:AlternateContent>
 </p:sld>
@@ -7661,52 +8120,63 @@
           <a:chExt cx="0" cy="0"/>
         </a:xfrm>
       </p:grpSpPr>
-      <p:pic>
-        <p:nvPicPr>
-          <p:cNvPr id="3" name="Immagine 2" descr="Immagine che contiene testo, uomo, primate, mammifero&#10;&#10;Descrizione generata automaticamente">
-            <a:extLst>
-              <a:ext uri="{FF2B5EF4-FFF2-40B4-BE49-F238E27FC236}">
-                <a16:creationId xmlns:a16="http://schemas.microsoft.com/office/drawing/2014/main" id="{0C036FCA-B572-3081-0776-8C95BAA291FF}"/>
-              </a:ext>
-            </a:extLst>
-          </p:cNvPr>
-          <p:cNvPicPr>
-            <a:picLocks noChangeAspect="1"/>
-          </p:cNvPicPr>
+      <p:sp>
+        <p:nvSpPr>
+          <p:cNvPr id="5" name="CasellaDiTesto 4">
+            <a:extLst>
+              <a:ext uri="{FF2B5EF4-FFF2-40B4-BE49-F238E27FC236}">
+                <a16:creationId xmlns:a16="http://schemas.microsoft.com/office/drawing/2014/main" id="{BD8962F1-B732-9259-B4E8-C6D18B78160E}"/>
+              </a:ext>
+            </a:extLst>
+          </p:cNvPr>
+          <p:cNvSpPr txBox="1">
+            <a:spLocks/>
+          </p:cNvSpPr>
           <p:nvPr/>
-        </p:nvPicPr>
-        <p:blipFill>
-          <a:blip r:embed="rId2"/>
-          <a:stretch>
-            <a:fillRect/>
-          </a:stretch>
-        </p:blipFill>
-        <p:spPr>
-          <a:xfrm>
-            <a:off x="4542461" y="1449000"/>
-            <a:ext cx="3107077" cy="3960000"/>
+        </p:nvSpPr>
+        <p:spPr>
+          <a:xfrm>
+            <a:off x="5677929" y="2613392"/>
+            <a:ext cx="836141" cy="1631216"/>
           </a:xfrm>
           <a:prstGeom prst="rect">
             <a:avLst/>
           </a:prstGeom>
-        </p:spPr>
-      </p:pic>
+          <a:noFill/>
+        </p:spPr>
+        <p:txBody>
+          <a:bodyPr wrap="square" rtlCol="0">
+            <a:spAutoFit/>
+          </a:bodyPr>
+          <a:lstStyle/>
+          <a:p>
+            <a:r>
+              <a:rPr lang="it-IT" sz="10000" b="1" dirty="0">
+                <a:solidFill>
+                  <a:schemeClr val="bg1"/>
+                </a:solidFill>
+              </a:rPr>
+              <a:t>+</a:t>
+            </a:r>
+          </a:p>
+        </p:txBody>
+      </p:sp>
     </p:spTree>
     <p:extLst>
       <p:ext uri="{BB962C8B-B14F-4D97-AF65-F5344CB8AC3E}">
-        <p14:creationId xmlns:p14="http://schemas.microsoft.com/office/powerpoint/2010/main" val="4173235107"/>
+        <p14:creationId xmlns:p14="http://schemas.microsoft.com/office/powerpoint/2010/main" val="1346674968"/>
       </p:ext>
     </p:extLst>
   </p:cSld>
   <p:clrMapOvr>
     <a:masterClrMapping/>
   </p:clrMapOvr>
-  <mc:AlternateContent xmlns:mc="http://schemas.openxmlformats.org/markup-compatibility/2006">
-    <mc:Choice xmlns:p14="http://schemas.microsoft.com/office/powerpoint/2010/main" Requires="p14">
-      <p:transition p14:dur="10" advClick="0" advTm="10000"/>
+  <mc:AlternateContent xmlns:mc="http://schemas.openxmlformats.org/markup-compatibility/2006" xmlns:p14="http://schemas.microsoft.com/office/powerpoint/2010/main">
+    <mc:Choice Requires="p14">
+      <p:transition p14:dur="10" advClick="0" advTm="5000"/>
     </mc:Choice>
-    <mc:Fallback>
-      <p:transition advClick="0" advTm="10000"/>
+    <mc:Fallback xmlns="">
+      <p:transition advClick="0" advTm="5000"/>
     </mc:Fallback>
   </mc:AlternateContent>
 </p:sld>
@@ -7729,51 +8199,40 @@
           <a:chExt cx="0" cy="0"/>
         </a:xfrm>
       </p:grpSpPr>
-      <p:sp>
-        <p:nvSpPr>
-          <p:cNvPr id="5" name="CasellaDiTesto 4">
-            <a:extLst>
-              <a:ext uri="{FF2B5EF4-FFF2-40B4-BE49-F238E27FC236}">
-                <a16:creationId xmlns:a16="http://schemas.microsoft.com/office/drawing/2014/main" id="{BD8962F1-B732-9259-B4E8-C6D18B78160E}"/>
-              </a:ext>
-            </a:extLst>
-          </p:cNvPr>
-          <p:cNvSpPr txBox="1">
-            <a:spLocks/>
-          </p:cNvSpPr>
+      <p:pic>
+        <p:nvPicPr>
+          <p:cNvPr id="3" name="Immagine 2" descr="Immagine che contiene testo, uomo, primate, mammifero&#10;&#10;Descrizione generata automaticamente">
+            <a:extLst>
+              <a:ext uri="{FF2B5EF4-FFF2-40B4-BE49-F238E27FC236}">
+                <a16:creationId xmlns:a16="http://schemas.microsoft.com/office/drawing/2014/main" id="{0C036FCA-B572-3081-0776-8C95BAA291FF}"/>
+              </a:ext>
+            </a:extLst>
+          </p:cNvPr>
+          <p:cNvPicPr>
+            <a:picLocks noChangeAspect="1"/>
+          </p:cNvPicPr>
           <p:nvPr/>
-        </p:nvSpPr>
-        <p:spPr>
-          <a:xfrm>
-            <a:off x="5677929" y="2613392"/>
-            <a:ext cx="836141" cy="1631216"/>
+        </p:nvPicPr>
+        <p:blipFill>
+          <a:blip r:embed="rId2"/>
+          <a:stretch>
+            <a:fillRect/>
+          </a:stretch>
+        </p:blipFill>
+        <p:spPr>
+          <a:xfrm>
+            <a:off x="4542461" y="1449000"/>
+            <a:ext cx="3107077" cy="3960000"/>
           </a:xfrm>
           <a:prstGeom prst="rect">
             <a:avLst/>
           </a:prstGeom>
-          <a:noFill/>
-        </p:spPr>
-        <p:txBody>
-          <a:bodyPr wrap="square" rtlCol="0">
-            <a:spAutoFit/>
-          </a:bodyPr>
-          <a:lstStyle/>
-          <a:p>
-            <a:r>
-              <a:rPr lang="it-IT" sz="10000" b="1" dirty="0">
-                <a:solidFill>
-                  <a:schemeClr val="bg1"/>
-                </a:solidFill>
-              </a:rPr>
-              <a:t>+</a:t>
-            </a:r>
-          </a:p>
-        </p:txBody>
-      </p:sp>
+        </p:spPr>
+      </p:pic>
     </p:spTree>
     <p:extLst>
       <p:ext uri="{BB962C8B-B14F-4D97-AF65-F5344CB8AC3E}">
-        <p14:creationId xmlns:p14="http://schemas.microsoft.com/office/powerpoint/2010/main" val="1125950135"/>
+        <p14:creationId xmlns:p14="http://schemas.microsoft.com/office/powerpoint/2010/main" val="4173235107"/>
       </p:ext>
     </p:extLst>
   </p:cSld>
@@ -7782,10 +8241,10 @@
   </p:clrMapOvr>
   <mc:AlternateContent xmlns:mc="http://schemas.openxmlformats.org/markup-compatibility/2006" xmlns:p14="http://schemas.microsoft.com/office/powerpoint/2010/main">
     <mc:Choice Requires="p14">
-      <p:transition p14:dur="10" advClick="0" advTm="5000"/>
+      <p:transition p14:dur="10" advClick="0" advTm="10000"/>
     </mc:Choice>
     <mc:Fallback xmlns="">
-      <p:transition advClick="0" advTm="5000"/>
+      <p:transition advClick="0" advTm="10000"/>
     </mc:Fallback>
   </mc:AlternateContent>
 </p:sld>
@@ -7808,52 +8267,63 @@
           <a:chExt cx="0" cy="0"/>
         </a:xfrm>
       </p:grpSpPr>
-      <p:pic>
-        <p:nvPicPr>
-          <p:cNvPr id="3" name="Immagine 2" descr="Immagine che contiene testo, uomo, primate, mammifero&#10;&#10;Descrizione generata automaticamente">
-            <a:extLst>
-              <a:ext uri="{FF2B5EF4-FFF2-40B4-BE49-F238E27FC236}">
-                <a16:creationId xmlns:a16="http://schemas.microsoft.com/office/drawing/2014/main" id="{149FF073-E05B-2B61-13AA-33497CC8BBBC}"/>
-              </a:ext>
-            </a:extLst>
-          </p:cNvPr>
-          <p:cNvPicPr>
-            <a:picLocks noChangeAspect="1"/>
-          </p:cNvPicPr>
+      <p:sp>
+        <p:nvSpPr>
+          <p:cNvPr id="5" name="CasellaDiTesto 4">
+            <a:extLst>
+              <a:ext uri="{FF2B5EF4-FFF2-40B4-BE49-F238E27FC236}">
+                <a16:creationId xmlns:a16="http://schemas.microsoft.com/office/drawing/2014/main" id="{BD8962F1-B732-9259-B4E8-C6D18B78160E}"/>
+              </a:ext>
+            </a:extLst>
+          </p:cNvPr>
+          <p:cNvSpPr txBox="1">
+            <a:spLocks/>
+          </p:cNvSpPr>
           <p:nvPr/>
-        </p:nvPicPr>
-        <p:blipFill>
-          <a:blip r:embed="rId2"/>
-          <a:stretch>
-            <a:fillRect/>
-          </a:stretch>
-        </p:blipFill>
-        <p:spPr>
-          <a:xfrm>
-            <a:off x="4588154" y="1449000"/>
-            <a:ext cx="3015692" cy="3960000"/>
+        </p:nvSpPr>
+        <p:spPr>
+          <a:xfrm>
+            <a:off x="5677929" y="2613392"/>
+            <a:ext cx="836141" cy="1631216"/>
           </a:xfrm>
           <a:prstGeom prst="rect">
             <a:avLst/>
           </a:prstGeom>
-        </p:spPr>
-      </p:pic>
+          <a:noFill/>
+        </p:spPr>
+        <p:txBody>
+          <a:bodyPr wrap="square" rtlCol="0">
+            <a:spAutoFit/>
+          </a:bodyPr>
+          <a:lstStyle/>
+          <a:p>
+            <a:r>
+              <a:rPr lang="it-IT" sz="10000" b="1" dirty="0">
+                <a:solidFill>
+                  <a:schemeClr val="bg1"/>
+                </a:solidFill>
+              </a:rPr>
+              <a:t>+</a:t>
+            </a:r>
+          </a:p>
+        </p:txBody>
+      </p:sp>
     </p:spTree>
     <p:extLst>
       <p:ext uri="{BB962C8B-B14F-4D97-AF65-F5344CB8AC3E}">
-        <p14:creationId xmlns:p14="http://schemas.microsoft.com/office/powerpoint/2010/main" val="1409033991"/>
+        <p14:creationId xmlns:p14="http://schemas.microsoft.com/office/powerpoint/2010/main" val="1125950135"/>
       </p:ext>
     </p:extLst>
   </p:cSld>
   <p:clrMapOvr>
     <a:masterClrMapping/>
   </p:clrMapOvr>
-  <mc:AlternateContent xmlns:mc="http://schemas.openxmlformats.org/markup-compatibility/2006">
-    <mc:Choice xmlns:p14="http://schemas.microsoft.com/office/powerpoint/2010/main" Requires="p14">
-      <p:transition p14:dur="10" advClick="0" advTm="10000"/>
+  <mc:AlternateContent xmlns:mc="http://schemas.openxmlformats.org/markup-compatibility/2006" xmlns:p14="http://schemas.microsoft.com/office/powerpoint/2010/main">
+    <mc:Choice Requires="p14">
+      <p:transition p14:dur="10" advClick="0" advTm="5000"/>
     </mc:Choice>
-    <mc:Fallback>
-      <p:transition advClick="0" advTm="10000"/>
+    <mc:Fallback xmlns="">
+      <p:transition advClick="0" advTm="5000"/>
     </mc:Fallback>
   </mc:AlternateContent>
 </p:sld>
@@ -7876,51 +8346,40 @@
           <a:chExt cx="0" cy="0"/>
         </a:xfrm>
       </p:grpSpPr>
-      <p:sp>
-        <p:nvSpPr>
-          <p:cNvPr id="5" name="CasellaDiTesto 4">
-            <a:extLst>
-              <a:ext uri="{FF2B5EF4-FFF2-40B4-BE49-F238E27FC236}">
-                <a16:creationId xmlns:a16="http://schemas.microsoft.com/office/drawing/2014/main" id="{BD8962F1-B732-9259-B4E8-C6D18B78160E}"/>
-              </a:ext>
-            </a:extLst>
-          </p:cNvPr>
-          <p:cNvSpPr txBox="1">
-            <a:spLocks/>
-          </p:cNvSpPr>
+      <p:pic>
+        <p:nvPicPr>
+          <p:cNvPr id="3" name="Immagine 2" descr="Immagine che contiene testo, uomo, primate, mammifero&#10;&#10;Descrizione generata automaticamente">
+            <a:extLst>
+              <a:ext uri="{FF2B5EF4-FFF2-40B4-BE49-F238E27FC236}">
+                <a16:creationId xmlns:a16="http://schemas.microsoft.com/office/drawing/2014/main" id="{149FF073-E05B-2B61-13AA-33497CC8BBBC}"/>
+              </a:ext>
+            </a:extLst>
+          </p:cNvPr>
+          <p:cNvPicPr>
+            <a:picLocks noChangeAspect="1"/>
+          </p:cNvPicPr>
           <p:nvPr/>
-        </p:nvSpPr>
-        <p:spPr>
-          <a:xfrm>
-            <a:off x="5677929" y="2613392"/>
-            <a:ext cx="836141" cy="1631216"/>
+        </p:nvPicPr>
+        <p:blipFill>
+          <a:blip r:embed="rId2"/>
+          <a:stretch>
+            <a:fillRect/>
+          </a:stretch>
+        </p:blipFill>
+        <p:spPr>
+          <a:xfrm>
+            <a:off x="4588154" y="1449000"/>
+            <a:ext cx="3015692" cy="3960000"/>
           </a:xfrm>
           <a:prstGeom prst="rect">
             <a:avLst/>
           </a:prstGeom>
-          <a:noFill/>
-        </p:spPr>
-        <p:txBody>
-          <a:bodyPr wrap="square" rtlCol="0">
-            <a:spAutoFit/>
-          </a:bodyPr>
-          <a:lstStyle/>
-          <a:p>
-            <a:r>
-              <a:rPr lang="it-IT" sz="10000" b="1" dirty="0">
-                <a:solidFill>
-                  <a:schemeClr val="bg1"/>
-                </a:solidFill>
-              </a:rPr>
-              <a:t>+</a:t>
-            </a:r>
-          </a:p>
-        </p:txBody>
-      </p:sp>
+        </p:spPr>
+      </p:pic>
     </p:spTree>
     <p:extLst>
       <p:ext uri="{BB962C8B-B14F-4D97-AF65-F5344CB8AC3E}">
-        <p14:creationId xmlns:p14="http://schemas.microsoft.com/office/powerpoint/2010/main" val="1302855695"/>
+        <p14:creationId xmlns:p14="http://schemas.microsoft.com/office/powerpoint/2010/main" val="1409033991"/>
       </p:ext>
     </p:extLst>
   </p:cSld>
@@ -7929,10 +8388,10 @@
   </p:clrMapOvr>
   <mc:AlternateContent xmlns:mc="http://schemas.openxmlformats.org/markup-compatibility/2006" xmlns:p14="http://schemas.microsoft.com/office/powerpoint/2010/main">
     <mc:Choice Requires="p14">
-      <p:transition p14:dur="10" advClick="0" advTm="5000"/>
+      <p:transition p14:dur="10" advClick="0" advTm="10000"/>
     </mc:Choice>
     <mc:Fallback xmlns="">
-      <p:transition advClick="0" advTm="5000"/>
+      <p:transition advClick="0" advTm="10000"/>
     </mc:Fallback>
   </mc:AlternateContent>
 </p:sld>
@@ -7955,52 +8414,63 @@
           <a:chExt cx="0" cy="0"/>
         </a:xfrm>
       </p:grpSpPr>
-      <p:pic>
-        <p:nvPicPr>
-          <p:cNvPr id="3" name="Immagine 2" descr="Immagine che contiene testo, uomo, vecchio&#10;&#10;Descrizione generata automaticamente">
-            <a:extLst>
-              <a:ext uri="{FF2B5EF4-FFF2-40B4-BE49-F238E27FC236}">
-                <a16:creationId xmlns:a16="http://schemas.microsoft.com/office/drawing/2014/main" id="{2B93BBFE-63A8-0457-F443-54EB79E496F7}"/>
-              </a:ext>
-            </a:extLst>
-          </p:cNvPr>
-          <p:cNvPicPr>
-            <a:picLocks noChangeAspect="1"/>
-          </p:cNvPicPr>
+      <p:sp>
+        <p:nvSpPr>
+          <p:cNvPr id="5" name="CasellaDiTesto 4">
+            <a:extLst>
+              <a:ext uri="{FF2B5EF4-FFF2-40B4-BE49-F238E27FC236}">
+                <a16:creationId xmlns:a16="http://schemas.microsoft.com/office/drawing/2014/main" id="{BD8962F1-B732-9259-B4E8-C6D18B78160E}"/>
+              </a:ext>
+            </a:extLst>
+          </p:cNvPr>
+          <p:cNvSpPr txBox="1">
+            <a:spLocks/>
+          </p:cNvSpPr>
           <p:nvPr/>
-        </p:nvPicPr>
-        <p:blipFill>
-          <a:blip r:embed="rId2"/>
-          <a:stretch>
-            <a:fillRect/>
-          </a:stretch>
-        </p:blipFill>
-        <p:spPr>
-          <a:xfrm>
-            <a:off x="4484372" y="1449000"/>
-            <a:ext cx="3223256" cy="3960000"/>
+        </p:nvSpPr>
+        <p:spPr>
+          <a:xfrm>
+            <a:off x="5677929" y="2613392"/>
+            <a:ext cx="836141" cy="1631216"/>
           </a:xfrm>
           <a:prstGeom prst="rect">
             <a:avLst/>
           </a:prstGeom>
-        </p:spPr>
-      </p:pic>
+          <a:noFill/>
+        </p:spPr>
+        <p:txBody>
+          <a:bodyPr wrap="square" rtlCol="0">
+            <a:spAutoFit/>
+          </a:bodyPr>
+          <a:lstStyle/>
+          <a:p>
+            <a:r>
+              <a:rPr lang="it-IT" sz="10000" b="1" dirty="0">
+                <a:solidFill>
+                  <a:schemeClr val="bg1"/>
+                </a:solidFill>
+              </a:rPr>
+              <a:t>+</a:t>
+            </a:r>
+          </a:p>
+        </p:txBody>
+      </p:sp>
     </p:spTree>
     <p:extLst>
       <p:ext uri="{BB962C8B-B14F-4D97-AF65-F5344CB8AC3E}">
-        <p14:creationId xmlns:p14="http://schemas.microsoft.com/office/powerpoint/2010/main" val="172423253"/>
+        <p14:creationId xmlns:p14="http://schemas.microsoft.com/office/powerpoint/2010/main" val="1302855695"/>
       </p:ext>
     </p:extLst>
   </p:cSld>
   <p:clrMapOvr>
     <a:masterClrMapping/>
   </p:clrMapOvr>
-  <mc:AlternateContent xmlns:mc="http://schemas.openxmlformats.org/markup-compatibility/2006">
-    <mc:Choice xmlns:p14="http://schemas.microsoft.com/office/powerpoint/2010/main" Requires="p14">
-      <p:transition p14:dur="10" advClick="0" advTm="10000"/>
+  <mc:AlternateContent xmlns:mc="http://schemas.openxmlformats.org/markup-compatibility/2006" xmlns:p14="http://schemas.microsoft.com/office/powerpoint/2010/main">
+    <mc:Choice Requires="p14">
+      <p:transition p14:dur="10" advClick="0" advTm="5000"/>
     </mc:Choice>
-    <mc:Fallback>
-      <p:transition advClick="0" advTm="10000"/>
+    <mc:Fallback xmlns="">
+      <p:transition advClick="0" advTm="5000"/>
     </mc:Fallback>
   </mc:AlternateContent>
 </p:sld>
@@ -8023,51 +8493,40 @@
           <a:chExt cx="0" cy="0"/>
         </a:xfrm>
       </p:grpSpPr>
-      <p:sp>
-        <p:nvSpPr>
-          <p:cNvPr id="5" name="CasellaDiTesto 4">
-            <a:extLst>
-              <a:ext uri="{FF2B5EF4-FFF2-40B4-BE49-F238E27FC236}">
-                <a16:creationId xmlns:a16="http://schemas.microsoft.com/office/drawing/2014/main" id="{BD8962F1-B732-9259-B4E8-C6D18B78160E}"/>
-              </a:ext>
-            </a:extLst>
-          </p:cNvPr>
-          <p:cNvSpPr txBox="1">
-            <a:spLocks/>
-          </p:cNvSpPr>
+      <p:pic>
+        <p:nvPicPr>
+          <p:cNvPr id="3" name="Immagine 2" descr="Immagine che contiene testo, uomo, vecchio&#10;&#10;Descrizione generata automaticamente">
+            <a:extLst>
+              <a:ext uri="{FF2B5EF4-FFF2-40B4-BE49-F238E27FC236}">
+                <a16:creationId xmlns:a16="http://schemas.microsoft.com/office/drawing/2014/main" id="{2B93BBFE-63A8-0457-F443-54EB79E496F7}"/>
+              </a:ext>
+            </a:extLst>
+          </p:cNvPr>
+          <p:cNvPicPr>
+            <a:picLocks noChangeAspect="1"/>
+          </p:cNvPicPr>
           <p:nvPr/>
-        </p:nvSpPr>
-        <p:spPr>
-          <a:xfrm>
-            <a:off x="5677929" y="2613392"/>
-            <a:ext cx="836141" cy="1631216"/>
+        </p:nvPicPr>
+        <p:blipFill>
+          <a:blip r:embed="rId2"/>
+          <a:stretch>
+            <a:fillRect/>
+          </a:stretch>
+        </p:blipFill>
+        <p:spPr>
+          <a:xfrm>
+            <a:off x="4484372" y="1449000"/>
+            <a:ext cx="3223256" cy="3960000"/>
           </a:xfrm>
           <a:prstGeom prst="rect">
             <a:avLst/>
           </a:prstGeom>
-          <a:noFill/>
-        </p:spPr>
-        <p:txBody>
-          <a:bodyPr wrap="square" rtlCol="0">
-            <a:spAutoFit/>
-          </a:bodyPr>
-          <a:lstStyle/>
-          <a:p>
-            <a:r>
-              <a:rPr lang="it-IT" sz="10000" b="1" dirty="0">
-                <a:solidFill>
-                  <a:schemeClr val="bg1"/>
-                </a:solidFill>
-              </a:rPr>
-              <a:t>+</a:t>
-            </a:r>
-          </a:p>
-        </p:txBody>
-      </p:sp>
+        </p:spPr>
+      </p:pic>
     </p:spTree>
     <p:extLst>
       <p:ext uri="{BB962C8B-B14F-4D97-AF65-F5344CB8AC3E}">
-        <p14:creationId xmlns:p14="http://schemas.microsoft.com/office/powerpoint/2010/main" val="1765020031"/>
+        <p14:creationId xmlns:p14="http://schemas.microsoft.com/office/powerpoint/2010/main" val="172423253"/>
       </p:ext>
     </p:extLst>
   </p:cSld>
@@ -8076,10 +8535,10 @@
   </p:clrMapOvr>
   <mc:AlternateContent xmlns:mc="http://schemas.openxmlformats.org/markup-compatibility/2006" xmlns:p14="http://schemas.microsoft.com/office/powerpoint/2010/main">
     <mc:Choice Requires="p14">
-      <p:transition p14:dur="10" advClick="0" advTm="5000"/>
+      <p:transition p14:dur="10" advClick="0" advTm="10000"/>
     </mc:Choice>
     <mc:Fallback xmlns="">
-      <p:transition advClick="0" advTm="5000"/>
+      <p:transition advClick="0" advTm="10000"/>
     </mc:Fallback>
   </mc:AlternateContent>
 </p:sld>
@@ -8102,52 +8561,63 @@
           <a:chExt cx="0" cy="0"/>
         </a:xfrm>
       </p:grpSpPr>
-      <p:pic>
-        <p:nvPicPr>
-          <p:cNvPr id="3" name="Immagine 2" descr="Immagine che contiene testo, uomo, fissando&#10;&#10;Descrizione generata automaticamente">
-            <a:extLst>
-              <a:ext uri="{FF2B5EF4-FFF2-40B4-BE49-F238E27FC236}">
-                <a16:creationId xmlns:a16="http://schemas.microsoft.com/office/drawing/2014/main" id="{7EFD96A6-EFD2-D9DD-0A9F-A68F4FE85887}"/>
-              </a:ext>
-            </a:extLst>
-          </p:cNvPr>
-          <p:cNvPicPr>
-            <a:picLocks noChangeAspect="1"/>
-          </p:cNvPicPr>
+      <p:sp>
+        <p:nvSpPr>
+          <p:cNvPr id="5" name="CasellaDiTesto 4">
+            <a:extLst>
+              <a:ext uri="{FF2B5EF4-FFF2-40B4-BE49-F238E27FC236}">
+                <a16:creationId xmlns:a16="http://schemas.microsoft.com/office/drawing/2014/main" id="{BD8962F1-B732-9259-B4E8-C6D18B78160E}"/>
+              </a:ext>
+            </a:extLst>
+          </p:cNvPr>
+          <p:cNvSpPr txBox="1">
+            <a:spLocks/>
+          </p:cNvSpPr>
           <p:nvPr/>
-        </p:nvPicPr>
-        <p:blipFill>
-          <a:blip r:embed="rId2"/>
-          <a:stretch>
-            <a:fillRect/>
-          </a:stretch>
-        </p:blipFill>
-        <p:spPr>
-          <a:xfrm>
-            <a:off x="4469023" y="1449000"/>
-            <a:ext cx="3253953" cy="3960000"/>
+        </p:nvSpPr>
+        <p:spPr>
+          <a:xfrm>
+            <a:off x="5677929" y="2613392"/>
+            <a:ext cx="836141" cy="1631216"/>
           </a:xfrm>
           <a:prstGeom prst="rect">
             <a:avLst/>
           </a:prstGeom>
-        </p:spPr>
-      </p:pic>
+          <a:noFill/>
+        </p:spPr>
+        <p:txBody>
+          <a:bodyPr wrap="square" rtlCol="0">
+            <a:spAutoFit/>
+          </a:bodyPr>
+          <a:lstStyle/>
+          <a:p>
+            <a:r>
+              <a:rPr lang="it-IT" sz="10000" b="1" dirty="0">
+                <a:solidFill>
+                  <a:schemeClr val="bg1"/>
+                </a:solidFill>
+              </a:rPr>
+              <a:t>+</a:t>
+            </a:r>
+          </a:p>
+        </p:txBody>
+      </p:sp>
     </p:spTree>
     <p:extLst>
       <p:ext uri="{BB962C8B-B14F-4D97-AF65-F5344CB8AC3E}">
-        <p14:creationId xmlns:p14="http://schemas.microsoft.com/office/powerpoint/2010/main" val="4196496438"/>
+        <p14:creationId xmlns:p14="http://schemas.microsoft.com/office/powerpoint/2010/main" val="1765020031"/>
       </p:ext>
     </p:extLst>
   </p:cSld>
   <p:clrMapOvr>
     <a:masterClrMapping/>
   </p:clrMapOvr>
-  <mc:AlternateContent xmlns:mc="http://schemas.openxmlformats.org/markup-compatibility/2006">
-    <mc:Choice xmlns:p14="http://schemas.microsoft.com/office/powerpoint/2010/main" Requires="p14">
-      <p:transition p14:dur="10" advClick="0" advTm="10000"/>
+  <mc:AlternateContent xmlns:mc="http://schemas.openxmlformats.org/markup-compatibility/2006" xmlns:p14="http://schemas.microsoft.com/office/powerpoint/2010/main">
+    <mc:Choice Requires="p14">
+      <p:transition p14:dur="10" advClick="0" advTm="5000"/>
     </mc:Choice>
-    <mc:Fallback>
-      <p:transition advClick="0" advTm="10000"/>
+    <mc:Fallback xmlns="">
+      <p:transition advClick="0" advTm="5000"/>
     </mc:Fallback>
   </mc:AlternateContent>
 </p:sld>
@@ -8170,51 +8640,40 @@
           <a:chExt cx="0" cy="0"/>
         </a:xfrm>
       </p:grpSpPr>
-      <p:sp>
-        <p:nvSpPr>
-          <p:cNvPr id="5" name="CasellaDiTesto 4">
-            <a:extLst>
-              <a:ext uri="{FF2B5EF4-FFF2-40B4-BE49-F238E27FC236}">
-                <a16:creationId xmlns:a16="http://schemas.microsoft.com/office/drawing/2014/main" id="{BD8962F1-B732-9259-B4E8-C6D18B78160E}"/>
-              </a:ext>
-            </a:extLst>
-          </p:cNvPr>
-          <p:cNvSpPr txBox="1">
-            <a:spLocks/>
-          </p:cNvSpPr>
+      <p:pic>
+        <p:nvPicPr>
+          <p:cNvPr id="3" name="Immagine 2" descr="Immagine che contiene testo, uomo, fissando&#10;&#10;Descrizione generata automaticamente">
+            <a:extLst>
+              <a:ext uri="{FF2B5EF4-FFF2-40B4-BE49-F238E27FC236}">
+                <a16:creationId xmlns:a16="http://schemas.microsoft.com/office/drawing/2014/main" id="{7EFD96A6-EFD2-D9DD-0A9F-A68F4FE85887}"/>
+              </a:ext>
+            </a:extLst>
+          </p:cNvPr>
+          <p:cNvPicPr>
+            <a:picLocks noChangeAspect="1"/>
+          </p:cNvPicPr>
           <p:nvPr/>
-        </p:nvSpPr>
-        <p:spPr>
-          <a:xfrm>
-            <a:off x="5677929" y="2613392"/>
-            <a:ext cx="836141" cy="1631216"/>
+        </p:nvPicPr>
+        <p:blipFill>
+          <a:blip r:embed="rId2"/>
+          <a:stretch>
+            <a:fillRect/>
+          </a:stretch>
+        </p:blipFill>
+        <p:spPr>
+          <a:xfrm>
+            <a:off x="4469023" y="1449000"/>
+            <a:ext cx="3253953" cy="3960000"/>
           </a:xfrm>
           <a:prstGeom prst="rect">
             <a:avLst/>
           </a:prstGeom>
-          <a:noFill/>
-        </p:spPr>
-        <p:txBody>
-          <a:bodyPr wrap="square" rtlCol="0">
-            <a:spAutoFit/>
-          </a:bodyPr>
-          <a:lstStyle/>
-          <a:p>
-            <a:r>
-              <a:rPr lang="it-IT" sz="10000" b="1" dirty="0">
-                <a:solidFill>
-                  <a:schemeClr val="bg1"/>
-                </a:solidFill>
-              </a:rPr>
-              <a:t>+</a:t>
-            </a:r>
-          </a:p>
-        </p:txBody>
-      </p:sp>
+        </p:spPr>
+      </p:pic>
     </p:spTree>
     <p:extLst>
       <p:ext uri="{BB962C8B-B14F-4D97-AF65-F5344CB8AC3E}">
-        <p14:creationId xmlns:p14="http://schemas.microsoft.com/office/powerpoint/2010/main" val="3632991580"/>
+        <p14:creationId xmlns:p14="http://schemas.microsoft.com/office/powerpoint/2010/main" val="4196496438"/>
       </p:ext>
     </p:extLst>
   </p:cSld>
@@ -8223,10 +8682,10 @@
   </p:clrMapOvr>
   <mc:AlternateContent xmlns:mc="http://schemas.openxmlformats.org/markup-compatibility/2006" xmlns:p14="http://schemas.microsoft.com/office/powerpoint/2010/main">
     <mc:Choice Requires="p14">
-      <p:transition p14:dur="10" advClick="0" advTm="5000"/>
+      <p:transition p14:dur="10" advClick="0" advTm="10000"/>
     </mc:Choice>
     <mc:Fallback xmlns="">
-      <p:transition advClick="0" advTm="5000"/>
+      <p:transition advClick="0" advTm="10000"/>
     </mc:Fallback>
   </mc:AlternateContent>
 </p:sld>
@@ -8249,51 +8708,40 @@
           <a:chExt cx="0" cy="0"/>
         </a:xfrm>
       </p:grpSpPr>
-      <p:sp>
-        <p:nvSpPr>
-          <p:cNvPr id="5" name="CasellaDiTesto 4">
-            <a:extLst>
-              <a:ext uri="{FF2B5EF4-FFF2-40B4-BE49-F238E27FC236}">
-                <a16:creationId xmlns:a16="http://schemas.microsoft.com/office/drawing/2014/main" id="{BD8962F1-B732-9259-B4E8-C6D18B78160E}"/>
-              </a:ext>
-            </a:extLst>
-          </p:cNvPr>
-          <p:cNvSpPr txBox="1">
-            <a:spLocks/>
-          </p:cNvSpPr>
+      <p:pic>
+        <p:nvPicPr>
+          <p:cNvPr id="3" name="Immagine 2" descr="Immagine che contiene testo, uomo, primate, mammifero&#10;&#10;Descrizione generata automaticamente">
+            <a:extLst>
+              <a:ext uri="{FF2B5EF4-FFF2-40B4-BE49-F238E27FC236}">
+                <a16:creationId xmlns:a16="http://schemas.microsoft.com/office/drawing/2014/main" id="{149FF073-E05B-2B61-13AA-33497CC8BBBC}"/>
+              </a:ext>
+            </a:extLst>
+          </p:cNvPr>
+          <p:cNvPicPr>
+            <a:picLocks noChangeAspect="1"/>
+          </p:cNvPicPr>
           <p:nvPr/>
-        </p:nvSpPr>
-        <p:spPr>
-          <a:xfrm>
-            <a:off x="5677929" y="2613392"/>
-            <a:ext cx="836141" cy="1631216"/>
+        </p:nvPicPr>
+        <p:blipFill>
+          <a:blip r:embed="rId2"/>
+          <a:stretch>
+            <a:fillRect/>
+          </a:stretch>
+        </p:blipFill>
+        <p:spPr>
+          <a:xfrm>
+            <a:off x="4588154" y="1449000"/>
+            <a:ext cx="3015692" cy="3960000"/>
           </a:xfrm>
           <a:prstGeom prst="rect">
             <a:avLst/>
           </a:prstGeom>
-          <a:noFill/>
-        </p:spPr>
-        <p:txBody>
-          <a:bodyPr wrap="square" rtlCol="0">
-            <a:spAutoFit/>
-          </a:bodyPr>
-          <a:lstStyle/>
-          <a:p>
-            <a:r>
-              <a:rPr lang="it-IT" sz="10000" b="1" dirty="0">
-                <a:solidFill>
-                  <a:schemeClr val="bg1"/>
-                </a:solidFill>
-              </a:rPr>
-              <a:t>+</a:t>
-            </a:r>
-          </a:p>
-        </p:txBody>
-      </p:sp>
+        </p:spPr>
+      </p:pic>
     </p:spTree>
     <p:extLst>
       <p:ext uri="{BB962C8B-B14F-4D97-AF65-F5344CB8AC3E}">
-        <p14:creationId xmlns:p14="http://schemas.microsoft.com/office/powerpoint/2010/main" val="1934058031"/>
+        <p14:creationId xmlns:p14="http://schemas.microsoft.com/office/powerpoint/2010/main" val="2945476539"/>
       </p:ext>
     </p:extLst>
   </p:cSld>
@@ -8302,10 +8750,10 @@
   </p:clrMapOvr>
   <mc:AlternateContent xmlns:mc="http://schemas.openxmlformats.org/markup-compatibility/2006" xmlns:p14="http://schemas.microsoft.com/office/powerpoint/2010/main">
     <mc:Choice Requires="p14">
-      <p:transition p14:dur="10" advClick="0" advTm="5000"/>
+      <p:transition p14:dur="10" advClick="0" advTm="10000"/>
     </mc:Choice>
     <mc:Fallback xmlns="">
-      <p:transition advClick="0" advTm="5000"/>
+      <p:transition advClick="0" advTm="10000"/>
     </mc:Fallback>
   </mc:AlternateContent>
 </p:sld>
@@ -8328,6 +8776,85 @@
           <a:chExt cx="0" cy="0"/>
         </a:xfrm>
       </p:grpSpPr>
+      <p:sp>
+        <p:nvSpPr>
+          <p:cNvPr id="5" name="CasellaDiTesto 4">
+            <a:extLst>
+              <a:ext uri="{FF2B5EF4-FFF2-40B4-BE49-F238E27FC236}">
+                <a16:creationId xmlns:a16="http://schemas.microsoft.com/office/drawing/2014/main" id="{BD8962F1-B732-9259-B4E8-C6D18B78160E}"/>
+              </a:ext>
+            </a:extLst>
+          </p:cNvPr>
+          <p:cNvSpPr txBox="1">
+            <a:spLocks/>
+          </p:cNvSpPr>
+          <p:nvPr/>
+        </p:nvSpPr>
+        <p:spPr>
+          <a:xfrm>
+            <a:off x="5677929" y="2613392"/>
+            <a:ext cx="836141" cy="1631216"/>
+          </a:xfrm>
+          <a:prstGeom prst="rect">
+            <a:avLst/>
+          </a:prstGeom>
+          <a:noFill/>
+        </p:spPr>
+        <p:txBody>
+          <a:bodyPr wrap="square" rtlCol="0">
+            <a:spAutoFit/>
+          </a:bodyPr>
+          <a:lstStyle/>
+          <a:p>
+            <a:r>
+              <a:rPr lang="it-IT" sz="10000" b="1" dirty="0">
+                <a:solidFill>
+                  <a:schemeClr val="bg1"/>
+                </a:solidFill>
+              </a:rPr>
+              <a:t>+</a:t>
+            </a:r>
+          </a:p>
+        </p:txBody>
+      </p:sp>
+    </p:spTree>
+    <p:extLst>
+      <p:ext uri="{BB962C8B-B14F-4D97-AF65-F5344CB8AC3E}">
+        <p14:creationId xmlns:p14="http://schemas.microsoft.com/office/powerpoint/2010/main" val="3632991580"/>
+      </p:ext>
+    </p:extLst>
+  </p:cSld>
+  <p:clrMapOvr>
+    <a:masterClrMapping/>
+  </p:clrMapOvr>
+  <mc:AlternateContent xmlns:mc="http://schemas.openxmlformats.org/markup-compatibility/2006" xmlns:p14="http://schemas.microsoft.com/office/powerpoint/2010/main">
+    <mc:Choice Requires="p14">
+      <p:transition p14:dur="10" advClick="0" advTm="5000"/>
+    </mc:Choice>
+    <mc:Fallback xmlns="">
+      <p:transition advClick="0" advTm="5000"/>
+    </mc:Fallback>
+  </mc:AlternateContent>
+</p:sld>
+</file>
+
+<file path=ppt/slides/slide71.xml><?xml version="1.0" encoding="utf-8"?>
+<p:sld xmlns:a="http://schemas.openxmlformats.org/drawingml/2006/main" xmlns:r="http://schemas.openxmlformats.org/officeDocument/2006/relationships" xmlns:p="http://schemas.openxmlformats.org/presentationml/2006/main">
+  <p:cSld>
+    <p:spTree>
+      <p:nvGrpSpPr>
+        <p:cNvPr id="1" name=""/>
+        <p:cNvGrpSpPr/>
+        <p:nvPr/>
+      </p:nvGrpSpPr>
+      <p:grpSpPr>
+        <a:xfrm>
+          <a:off x="0" y="0"/>
+          <a:ext cx="0" cy="0"/>
+          <a:chOff x="0" y="0"/>
+          <a:chExt cx="0" cy="0"/>
+        </a:xfrm>
+      </p:grpSpPr>
       <p:pic>
         <p:nvPicPr>
           <p:cNvPr id="3" name="Immagine 2" descr="Immagine che contiene testo, uomo, persona, interni&#10;&#10;Descrizione generata automaticamente">
@@ -8368,12 +8895,179 @@
   <p:clrMapOvr>
     <a:masterClrMapping/>
   </p:clrMapOvr>
-  <mc:AlternateContent xmlns:mc="http://schemas.openxmlformats.org/markup-compatibility/2006">
-    <mc:Choice xmlns:p14="http://schemas.microsoft.com/office/powerpoint/2010/main" Requires="p14">
+  <mc:AlternateContent xmlns:mc="http://schemas.openxmlformats.org/markup-compatibility/2006" xmlns:p14="http://schemas.microsoft.com/office/powerpoint/2010/main">
+    <mc:Choice Requires="p14">
       <p:transition p14:dur="10" advClick="0" advTm="10000"/>
     </mc:Choice>
-    <mc:Fallback>
+    <mc:Fallback xmlns="">
       <p:transition advClick="0" advTm="10000"/>
+    </mc:Fallback>
+  </mc:AlternateContent>
+</p:sld>
+</file>
+
+<file path=ppt/slides/slide72.xml><?xml version="1.0" encoding="utf-8"?>
+<p:sld xmlns:a="http://schemas.openxmlformats.org/drawingml/2006/main" xmlns:r="http://schemas.openxmlformats.org/officeDocument/2006/relationships" xmlns:p="http://schemas.openxmlformats.org/presentationml/2006/main">
+  <p:cSld>
+    <p:spTree>
+      <p:nvGrpSpPr>
+        <p:cNvPr id="1" name=""/>
+        <p:cNvGrpSpPr/>
+        <p:nvPr/>
+      </p:nvGrpSpPr>
+      <p:grpSpPr>
+        <a:xfrm>
+          <a:off x="0" y="0"/>
+          <a:ext cx="0" cy="0"/>
+          <a:chOff x="0" y="0"/>
+          <a:chExt cx="0" cy="0"/>
+        </a:xfrm>
+      </p:grpSpPr>
+      <p:sp>
+        <p:nvSpPr>
+          <p:cNvPr id="2" name="Titolo 1">
+            <a:extLst>
+              <a:ext uri="{FF2B5EF4-FFF2-40B4-BE49-F238E27FC236}">
+                <a16:creationId xmlns:a16="http://schemas.microsoft.com/office/drawing/2014/main" id="{F87BCF18-1269-31A8-5462-DE3764673A96}"/>
+              </a:ext>
+            </a:extLst>
+          </p:cNvPr>
+          <p:cNvSpPr>
+            <a:spLocks noGrp="1"/>
+          </p:cNvSpPr>
+          <p:nvPr>
+            <p:ph type="title"/>
+          </p:nvPr>
+        </p:nvSpPr>
+        <p:spPr/>
+        <p:txBody>
+          <a:bodyPr/>
+          <a:lstStyle/>
+          <a:p>
+            <a:endParaRPr lang="it-IT"/>
+          </a:p>
+        </p:txBody>
+      </p:sp>
+      <p:sp>
+        <p:nvSpPr>
+          <p:cNvPr id="3" name="Segnaposto contenuto 2">
+            <a:extLst>
+              <a:ext uri="{FF2B5EF4-FFF2-40B4-BE49-F238E27FC236}">
+                <a16:creationId xmlns:a16="http://schemas.microsoft.com/office/drawing/2014/main" id="{BA16E854-17D9-A48B-86A5-1D34B75A47BA}"/>
+              </a:ext>
+            </a:extLst>
+          </p:cNvPr>
+          <p:cNvSpPr>
+            <a:spLocks noGrp="1"/>
+          </p:cNvSpPr>
+          <p:nvPr>
+            <p:ph idx="1"/>
+          </p:nvPr>
+        </p:nvSpPr>
+        <p:spPr/>
+        <p:txBody>
+          <a:bodyPr/>
+          <a:lstStyle/>
+          <a:p>
+            <a:endParaRPr lang="it-IT"/>
+          </a:p>
+        </p:txBody>
+      </p:sp>
+    </p:spTree>
+    <p:extLst>
+      <p:ext uri="{BB962C8B-B14F-4D97-AF65-F5344CB8AC3E}">
+        <p14:creationId xmlns:p14="http://schemas.microsoft.com/office/powerpoint/2010/main" val="1056980234"/>
+      </p:ext>
+    </p:extLst>
+  </p:cSld>
+  <p:clrMapOvr>
+    <a:masterClrMapping/>
+  </p:clrMapOvr>
+  <mc:AlternateContent xmlns:mc="http://schemas.openxmlformats.org/markup-compatibility/2006" xmlns:p14="http://schemas.microsoft.com/office/powerpoint/2010/main">
+    <mc:Choice Requires="p14">
+      <p:transition p14:dur="10" advTm="30000"/>
+    </mc:Choice>
+    <mc:Fallback xmlns="">
+      <p:transition advTm="30000"/>
+    </mc:Fallback>
+  </mc:AlternateContent>
+</p:sld>
+</file>
+
+<file path=ppt/slides/slide73.xml><?xml version="1.0" encoding="utf-8"?>
+<p:sld xmlns:a="http://schemas.openxmlformats.org/drawingml/2006/main" xmlns:r="http://schemas.openxmlformats.org/officeDocument/2006/relationships" xmlns:p="http://schemas.openxmlformats.org/presentationml/2006/main">
+  <p:cSld>
+    <p:spTree>
+      <p:nvGrpSpPr>
+        <p:cNvPr id="1" name=""/>
+        <p:cNvGrpSpPr/>
+        <p:nvPr/>
+      </p:nvGrpSpPr>
+      <p:grpSpPr>
+        <a:xfrm>
+          <a:off x="0" y="0"/>
+          <a:ext cx="0" cy="0"/>
+          <a:chOff x="0" y="0"/>
+          <a:chExt cx="0" cy="0"/>
+        </a:xfrm>
+      </p:grpSpPr>
+      <p:sp>
+        <p:nvSpPr>
+          <p:cNvPr id="5" name="CasellaDiTesto 4">
+            <a:extLst>
+              <a:ext uri="{FF2B5EF4-FFF2-40B4-BE49-F238E27FC236}">
+                <a16:creationId xmlns:a16="http://schemas.microsoft.com/office/drawing/2014/main" id="{BD8962F1-B732-9259-B4E8-C6D18B78160E}"/>
+              </a:ext>
+            </a:extLst>
+          </p:cNvPr>
+          <p:cNvSpPr txBox="1">
+            <a:spLocks/>
+          </p:cNvSpPr>
+          <p:nvPr/>
+        </p:nvSpPr>
+        <p:spPr>
+          <a:xfrm>
+            <a:off x="4804873" y="2613392"/>
+            <a:ext cx="2582253" cy="1631216"/>
+          </a:xfrm>
+          <a:prstGeom prst="rect">
+            <a:avLst/>
+          </a:prstGeom>
+          <a:noFill/>
+        </p:spPr>
+        <p:txBody>
+          <a:bodyPr wrap="square" rtlCol="0">
+            <a:spAutoFit/>
+          </a:bodyPr>
+          <a:lstStyle/>
+          <a:p>
+            <a:r>
+              <a:rPr lang="it-IT" sz="10000" b="1" dirty="0">
+                <a:solidFill>
+                  <a:schemeClr val="bg1"/>
+                </a:solidFill>
+              </a:rPr>
+              <a:t>FINE</a:t>
+            </a:r>
+          </a:p>
+        </p:txBody>
+      </p:sp>
+    </p:spTree>
+    <p:extLst>
+      <p:ext uri="{BB962C8B-B14F-4D97-AF65-F5344CB8AC3E}">
+        <p14:creationId xmlns:p14="http://schemas.microsoft.com/office/powerpoint/2010/main" val="4195096278"/>
+      </p:ext>
+    </p:extLst>
+  </p:cSld>
+  <p:clrMapOvr>
+    <a:masterClrMapping/>
+  </p:clrMapOvr>
+  <mc:AlternateContent xmlns:mc="http://schemas.openxmlformats.org/markup-compatibility/2006" xmlns:p14="http://schemas.microsoft.com/office/powerpoint/2010/main">
+    <mc:Choice Requires="p14">
+      <p:transition p14:dur="10" advClick="0" advTm="300000"/>
+    </mc:Choice>
+    <mc:Fallback xmlns="">
+      <p:transition advClick="0" advTm="300000"/>
     </mc:Fallback>
   </mc:AlternateContent>
 </p:sld>
@@ -8396,52 +9090,63 @@
           <a:chExt cx="0" cy="0"/>
         </a:xfrm>
       </p:grpSpPr>
-      <p:pic>
-        <p:nvPicPr>
-          <p:cNvPr id="3" name="Immagine 2" descr="Immagine che contiene testo, uomo, vecchio&#10;&#10;Descrizione generata automaticamente">
-            <a:extLst>
-              <a:ext uri="{FF2B5EF4-FFF2-40B4-BE49-F238E27FC236}">
-                <a16:creationId xmlns:a16="http://schemas.microsoft.com/office/drawing/2014/main" id="{2B93BBFE-63A8-0457-F443-54EB79E496F7}"/>
-              </a:ext>
-            </a:extLst>
-          </p:cNvPr>
-          <p:cNvPicPr>
-            <a:picLocks noChangeAspect="1"/>
-          </p:cNvPicPr>
+      <p:sp>
+        <p:nvSpPr>
+          <p:cNvPr id="5" name="CasellaDiTesto 4">
+            <a:extLst>
+              <a:ext uri="{FF2B5EF4-FFF2-40B4-BE49-F238E27FC236}">
+                <a16:creationId xmlns:a16="http://schemas.microsoft.com/office/drawing/2014/main" id="{BD8962F1-B732-9259-B4E8-C6D18B78160E}"/>
+              </a:ext>
+            </a:extLst>
+          </p:cNvPr>
+          <p:cNvSpPr txBox="1">
+            <a:spLocks/>
+          </p:cNvSpPr>
           <p:nvPr/>
-        </p:nvPicPr>
-        <p:blipFill>
-          <a:blip r:embed="rId2"/>
-          <a:stretch>
-            <a:fillRect/>
-          </a:stretch>
-        </p:blipFill>
-        <p:spPr>
-          <a:xfrm>
-            <a:off x="4484372" y="1449000"/>
-            <a:ext cx="3223256" cy="3960000"/>
+        </p:nvSpPr>
+        <p:spPr>
+          <a:xfrm>
+            <a:off x="5677929" y="2613392"/>
+            <a:ext cx="836141" cy="1631216"/>
           </a:xfrm>
           <a:prstGeom prst="rect">
             <a:avLst/>
           </a:prstGeom>
-        </p:spPr>
-      </p:pic>
+          <a:noFill/>
+        </p:spPr>
+        <p:txBody>
+          <a:bodyPr wrap="square" rtlCol="0">
+            <a:spAutoFit/>
+          </a:bodyPr>
+          <a:lstStyle/>
+          <a:p>
+            <a:r>
+              <a:rPr lang="it-IT" sz="10000" b="1" dirty="0">
+                <a:solidFill>
+                  <a:schemeClr val="bg1"/>
+                </a:solidFill>
+              </a:rPr>
+              <a:t>+</a:t>
+            </a:r>
+          </a:p>
+        </p:txBody>
+      </p:sp>
     </p:spTree>
     <p:extLst>
       <p:ext uri="{BB962C8B-B14F-4D97-AF65-F5344CB8AC3E}">
-        <p14:creationId xmlns:p14="http://schemas.microsoft.com/office/powerpoint/2010/main" val="1747124663"/>
+        <p14:creationId xmlns:p14="http://schemas.microsoft.com/office/powerpoint/2010/main" val="1934058031"/>
       </p:ext>
     </p:extLst>
   </p:cSld>
   <p:clrMapOvr>
     <a:masterClrMapping/>
   </p:clrMapOvr>
-  <mc:AlternateContent xmlns:mc="http://schemas.openxmlformats.org/markup-compatibility/2006">
-    <mc:Choice xmlns:p14="http://schemas.microsoft.com/office/powerpoint/2010/main" Requires="p14">
-      <p:transition p14:dur="10" advClick="0" advTm="10000"/>
+  <mc:AlternateContent xmlns:mc="http://schemas.openxmlformats.org/markup-compatibility/2006" xmlns:p14="http://schemas.microsoft.com/office/powerpoint/2010/main">
+    <mc:Choice Requires="p14">
+      <p:transition p14:dur="10" advClick="0" advTm="5000"/>
     </mc:Choice>
-    <mc:Fallback>
-      <p:transition advClick="0" advTm="10000"/>
+    <mc:Fallback xmlns="">
+      <p:transition advClick="0" advTm="5000"/>
     </mc:Fallback>
   </mc:AlternateContent>
 </p:sld>
@@ -8464,51 +9169,40 @@
           <a:chExt cx="0" cy="0"/>
         </a:xfrm>
       </p:grpSpPr>
-      <p:sp>
-        <p:nvSpPr>
-          <p:cNvPr id="5" name="CasellaDiTesto 4">
-            <a:extLst>
-              <a:ext uri="{FF2B5EF4-FFF2-40B4-BE49-F238E27FC236}">
-                <a16:creationId xmlns:a16="http://schemas.microsoft.com/office/drawing/2014/main" id="{BD8962F1-B732-9259-B4E8-C6D18B78160E}"/>
-              </a:ext>
-            </a:extLst>
-          </p:cNvPr>
-          <p:cNvSpPr txBox="1">
-            <a:spLocks/>
-          </p:cNvSpPr>
+      <p:pic>
+        <p:nvPicPr>
+          <p:cNvPr id="3" name="Immagine 2" descr="Immagine che contiene testo, uomo, vecchio&#10;&#10;Descrizione generata automaticamente">
+            <a:extLst>
+              <a:ext uri="{FF2B5EF4-FFF2-40B4-BE49-F238E27FC236}">
+                <a16:creationId xmlns:a16="http://schemas.microsoft.com/office/drawing/2014/main" id="{2B93BBFE-63A8-0457-F443-54EB79E496F7}"/>
+              </a:ext>
+            </a:extLst>
+          </p:cNvPr>
+          <p:cNvPicPr>
+            <a:picLocks noChangeAspect="1"/>
+          </p:cNvPicPr>
           <p:nvPr/>
-        </p:nvSpPr>
-        <p:spPr>
-          <a:xfrm>
-            <a:off x="5677929" y="2613392"/>
-            <a:ext cx="836141" cy="1631216"/>
+        </p:nvPicPr>
+        <p:blipFill>
+          <a:blip r:embed="rId2"/>
+          <a:stretch>
+            <a:fillRect/>
+          </a:stretch>
+        </p:blipFill>
+        <p:spPr>
+          <a:xfrm>
+            <a:off x="4484372" y="1449000"/>
+            <a:ext cx="3223256" cy="3960000"/>
           </a:xfrm>
           <a:prstGeom prst="rect">
             <a:avLst/>
           </a:prstGeom>
-          <a:noFill/>
-        </p:spPr>
-        <p:txBody>
-          <a:bodyPr wrap="square" rtlCol="0">
-            <a:spAutoFit/>
-          </a:bodyPr>
-          <a:lstStyle/>
-          <a:p>
-            <a:r>
-              <a:rPr lang="it-IT" sz="10000" b="1" dirty="0">
-                <a:solidFill>
-                  <a:schemeClr val="bg1"/>
-                </a:solidFill>
-              </a:rPr>
-              <a:t>+</a:t>
-            </a:r>
-          </a:p>
-        </p:txBody>
-      </p:sp>
+        </p:spPr>
+      </p:pic>
     </p:spTree>
     <p:extLst>
       <p:ext uri="{BB962C8B-B14F-4D97-AF65-F5344CB8AC3E}">
-        <p14:creationId xmlns:p14="http://schemas.microsoft.com/office/powerpoint/2010/main" val="2944098668"/>
+        <p14:creationId xmlns:p14="http://schemas.microsoft.com/office/powerpoint/2010/main" val="1747124663"/>
       </p:ext>
     </p:extLst>
   </p:cSld>
@@ -8517,10 +9211,10 @@
   </p:clrMapOvr>
   <mc:AlternateContent xmlns:mc="http://schemas.openxmlformats.org/markup-compatibility/2006" xmlns:p14="http://schemas.microsoft.com/office/powerpoint/2010/main">
     <mc:Choice Requires="p14">
-      <p:transition p14:dur="10" advClick="0" advTm="5000"/>
+      <p:transition p14:dur="10" advClick="0" advTm="10000"/>
     </mc:Choice>
     <mc:Fallback xmlns="">
-      <p:transition advClick="0" advTm="5000"/>
+      <p:transition advClick="0" advTm="10000"/>
     </mc:Fallback>
   </mc:AlternateContent>
 </p:sld>
@@ -8819,4 +9513,299 @@
     </a:ext>
   </a:extLst>
 </a:theme>
+</file>
+
+<file path=ppt/theme/theme2.xml><?xml version="1.0" encoding="utf-8"?>
+<a:theme xmlns:a="http://schemas.openxmlformats.org/drawingml/2006/main" name="Tema di Office">
+  <a:themeElements>
+    <a:clrScheme name="Office">
+      <a:dk1>
+        <a:sysClr val="windowText" lastClr="000000"/>
+      </a:dk1>
+      <a:lt1>
+        <a:sysClr val="window" lastClr="FFFFFF"/>
+      </a:lt1>
+      <a:dk2>
+        <a:srgbClr val="44546A"/>
+      </a:dk2>
+      <a:lt2>
+        <a:srgbClr val="E7E6E6"/>
+      </a:lt2>
+      <a:accent1>
+        <a:srgbClr val="4472C4"/>
+      </a:accent1>
+      <a:accent2>
+        <a:srgbClr val="ED7D31"/>
+      </a:accent2>
+      <a:accent3>
+        <a:srgbClr val="A5A5A5"/>
+      </a:accent3>
+      <a:accent4>
+        <a:srgbClr val="FFC000"/>
+      </a:accent4>
+      <a:accent5>
+        <a:srgbClr val="5B9BD5"/>
+      </a:accent5>
+      <a:accent6>
+        <a:srgbClr val="70AD47"/>
+      </a:accent6>
+      <a:hlink>
+        <a:srgbClr val="0563C1"/>
+      </a:hlink>
+      <a:folHlink>
+        <a:srgbClr val="954F72"/>
+      </a:folHlink>
+    </a:clrScheme>
+    <a:fontScheme name="Office">
+      <a:majorFont>
+        <a:latin typeface="Calibri Light" panose="020F0302020204030204"/>
+        <a:ea typeface=""/>
+        <a:cs typeface=""/>
+        <a:font script="Jpan" typeface="游ゴシック Light"/>
+        <a:font script="Hang" typeface="맑은 고딕"/>
+        <a:font script="Hans" typeface="等线 Light"/>
+        <a:font script="Hant" typeface="新細明體"/>
+        <a:font script="Arab" typeface="Times New Roman"/>
+        <a:font script="Hebr" typeface="Times New Roman"/>
+        <a:font script="Thai" typeface="Angsana New"/>
+        <a:font script="Ethi" typeface="Nyala"/>
+        <a:font script="Beng" typeface="Vrinda"/>
+        <a:font script="Gujr" typeface="Shruti"/>
+        <a:font script="Khmr" typeface="MoolBoran"/>
+        <a:font script="Knda" typeface="Tunga"/>
+        <a:font script="Guru" typeface="Raavi"/>
+        <a:font script="Cans" typeface="Euphemia"/>
+        <a:font script="Cher" typeface="Plantagenet Cherokee"/>
+        <a:font script="Yiii" typeface="Microsoft Yi Baiti"/>
+        <a:font script="Tibt" typeface="Microsoft Himalaya"/>
+        <a:font script="Thaa" typeface="MV Boli"/>
+        <a:font script="Deva" typeface="Mangal"/>
+        <a:font script="Telu" typeface="Gautami"/>
+        <a:font script="Taml" typeface="Latha"/>
+        <a:font script="Syrc" typeface="Estrangelo Edessa"/>
+        <a:font script="Orya" typeface="Kalinga"/>
+        <a:font script="Mlym" typeface="Kartika"/>
+        <a:font script="Laoo" typeface="DokChampa"/>
+        <a:font script="Sinh" typeface="Iskoola Pota"/>
+        <a:font script="Mong" typeface="Mongolian Baiti"/>
+        <a:font script="Viet" typeface="Times New Roman"/>
+        <a:font script="Uigh" typeface="Microsoft Uighur"/>
+        <a:font script="Geor" typeface="Sylfaen"/>
+        <a:font script="Armn" typeface="Arial"/>
+        <a:font script="Bugi" typeface="Leelawadee UI"/>
+        <a:font script="Bopo" typeface="Microsoft JhengHei"/>
+        <a:font script="Java" typeface="Javanese Text"/>
+        <a:font script="Lisu" typeface="Segoe UI"/>
+        <a:font script="Mymr" typeface="Myanmar Text"/>
+        <a:font script="Nkoo" typeface="Ebrima"/>
+        <a:font script="Olck" typeface="Nirmala UI"/>
+        <a:font script="Osma" typeface="Ebrima"/>
+        <a:font script="Phag" typeface="Phagspa"/>
+        <a:font script="Syrn" typeface="Estrangelo Edessa"/>
+        <a:font script="Syrj" typeface="Estrangelo Edessa"/>
+        <a:font script="Syre" typeface="Estrangelo Edessa"/>
+        <a:font script="Sora" typeface="Nirmala UI"/>
+        <a:font script="Tale" typeface="Microsoft Tai Le"/>
+        <a:font script="Talu" typeface="Microsoft New Tai Lue"/>
+        <a:font script="Tfng" typeface="Ebrima"/>
+      </a:majorFont>
+      <a:minorFont>
+        <a:latin typeface="Calibri" panose="020F0502020204030204"/>
+        <a:ea typeface=""/>
+        <a:cs typeface=""/>
+        <a:font script="Jpan" typeface="游ゴシック"/>
+        <a:font script="Hang" typeface="맑은 고딕"/>
+        <a:font script="Hans" typeface="等线"/>
+        <a:font script="Hant" typeface="新細明體"/>
+        <a:font script="Arab" typeface="Arial"/>
+        <a:font script="Hebr" typeface="Arial"/>
+        <a:font script="Thai" typeface="Cordia New"/>
+        <a:font script="Ethi" typeface="Nyala"/>
+        <a:font script="Beng" typeface="Vrinda"/>
+        <a:font script="Gujr" typeface="Shruti"/>
+        <a:font script="Khmr" typeface="DaunPenh"/>
+        <a:font script="Knda" typeface="Tunga"/>
+        <a:font script="Guru" typeface="Raavi"/>
+        <a:font script="Cans" typeface="Euphemia"/>
+        <a:font script="Cher" typeface="Plantagenet Cherokee"/>
+        <a:font script="Yiii" typeface="Microsoft Yi Baiti"/>
+        <a:font script="Tibt" typeface="Microsoft Himalaya"/>
+        <a:font script="Thaa" typeface="MV Boli"/>
+        <a:font script="Deva" typeface="Mangal"/>
+        <a:font script="Telu" typeface="Gautami"/>
+        <a:font script="Taml" typeface="Latha"/>
+        <a:font script="Syrc" typeface="Estrangelo Edessa"/>
+        <a:font script="Orya" typeface="Kalinga"/>
+        <a:font script="Mlym" typeface="Kartika"/>
+        <a:font script="Laoo" typeface="DokChampa"/>
+        <a:font script="Sinh" typeface="Iskoola Pota"/>
+        <a:font script="Mong" typeface="Mongolian Baiti"/>
+        <a:font script="Viet" typeface="Arial"/>
+        <a:font script="Uigh" typeface="Microsoft Uighur"/>
+        <a:font script="Geor" typeface="Sylfaen"/>
+        <a:font script="Armn" typeface="Arial"/>
+        <a:font script="Bugi" typeface="Leelawadee UI"/>
+        <a:font script="Bopo" typeface="Microsoft JhengHei"/>
+        <a:font script="Java" typeface="Javanese Text"/>
+        <a:font script="Lisu" typeface="Segoe UI"/>
+        <a:font script="Mymr" typeface="Myanmar Text"/>
+        <a:font script="Nkoo" typeface="Ebrima"/>
+        <a:font script="Olck" typeface="Nirmala UI"/>
+        <a:font script="Osma" typeface="Ebrima"/>
+        <a:font script="Phag" typeface="Phagspa"/>
+        <a:font script="Syrn" typeface="Estrangelo Edessa"/>
+        <a:font script="Syrj" typeface="Estrangelo Edessa"/>
+        <a:font script="Syre" typeface="Estrangelo Edessa"/>
+        <a:font script="Sora" typeface="Nirmala UI"/>
+        <a:font script="Tale" typeface="Microsoft Tai Le"/>
+        <a:font script="Talu" typeface="Microsoft New Tai Lue"/>
+        <a:font script="Tfng" typeface="Ebrima"/>
+      </a:minorFont>
+    </a:fontScheme>
+    <a:fmtScheme name="Office">
+      <a:fillStyleLst>
+        <a:solidFill>
+          <a:schemeClr val="phClr"/>
+        </a:solidFill>
+        <a:gradFill rotWithShape="1">
+          <a:gsLst>
+            <a:gs pos="0">
+              <a:schemeClr val="phClr">
+                <a:lumMod val="110000"/>
+                <a:satMod val="105000"/>
+                <a:tint val="67000"/>
+              </a:schemeClr>
+            </a:gs>
+            <a:gs pos="50000">
+              <a:schemeClr val="phClr">
+                <a:lumMod val="105000"/>
+                <a:satMod val="103000"/>
+                <a:tint val="73000"/>
+              </a:schemeClr>
+            </a:gs>
+            <a:gs pos="100000">
+              <a:schemeClr val="phClr">
+                <a:lumMod val="105000"/>
+                <a:satMod val="109000"/>
+                <a:tint val="81000"/>
+              </a:schemeClr>
+            </a:gs>
+          </a:gsLst>
+          <a:lin ang="5400000" scaled="0"/>
+        </a:gradFill>
+        <a:gradFill rotWithShape="1">
+          <a:gsLst>
+            <a:gs pos="0">
+              <a:schemeClr val="phClr">
+                <a:satMod val="103000"/>
+                <a:lumMod val="102000"/>
+                <a:tint val="94000"/>
+              </a:schemeClr>
+            </a:gs>
+            <a:gs pos="50000">
+              <a:schemeClr val="phClr">
+                <a:satMod val="110000"/>
+                <a:lumMod val="100000"/>
+                <a:shade val="100000"/>
+              </a:schemeClr>
+            </a:gs>
+            <a:gs pos="100000">
+              <a:schemeClr val="phClr">
+                <a:lumMod val="99000"/>
+                <a:satMod val="120000"/>
+                <a:shade val="78000"/>
+              </a:schemeClr>
+            </a:gs>
+          </a:gsLst>
+          <a:lin ang="5400000" scaled="0"/>
+        </a:gradFill>
+      </a:fillStyleLst>
+      <a:lnStyleLst>
+        <a:ln w="6350" cap="flat" cmpd="sng" algn="ctr">
+          <a:solidFill>
+            <a:schemeClr val="phClr"/>
+          </a:solidFill>
+          <a:prstDash val="solid"/>
+          <a:miter lim="800000"/>
+        </a:ln>
+        <a:ln w="12700" cap="flat" cmpd="sng" algn="ctr">
+          <a:solidFill>
+            <a:schemeClr val="phClr"/>
+          </a:solidFill>
+          <a:prstDash val="solid"/>
+          <a:miter lim="800000"/>
+        </a:ln>
+        <a:ln w="19050" cap="flat" cmpd="sng" algn="ctr">
+          <a:solidFill>
+            <a:schemeClr val="phClr"/>
+          </a:solidFill>
+          <a:prstDash val="solid"/>
+          <a:miter lim="800000"/>
+        </a:ln>
+      </a:lnStyleLst>
+      <a:effectStyleLst>
+        <a:effectStyle>
+          <a:effectLst/>
+        </a:effectStyle>
+        <a:effectStyle>
+          <a:effectLst/>
+        </a:effectStyle>
+        <a:effectStyle>
+          <a:effectLst>
+            <a:outerShdw blurRad="57150" dist="19050" dir="5400000" algn="ctr" rotWithShape="0">
+              <a:srgbClr val="000000">
+                <a:alpha val="63000"/>
+              </a:srgbClr>
+            </a:outerShdw>
+          </a:effectLst>
+        </a:effectStyle>
+      </a:effectStyleLst>
+      <a:bgFillStyleLst>
+        <a:solidFill>
+          <a:schemeClr val="phClr"/>
+        </a:solidFill>
+        <a:solidFill>
+          <a:schemeClr val="phClr">
+            <a:tint val="95000"/>
+            <a:satMod val="170000"/>
+          </a:schemeClr>
+        </a:solidFill>
+        <a:gradFill rotWithShape="1">
+          <a:gsLst>
+            <a:gs pos="0">
+              <a:schemeClr val="phClr">
+                <a:tint val="93000"/>
+                <a:satMod val="150000"/>
+                <a:shade val="98000"/>
+                <a:lumMod val="102000"/>
+              </a:schemeClr>
+            </a:gs>
+            <a:gs pos="50000">
+              <a:schemeClr val="phClr">
+                <a:tint val="98000"/>
+                <a:satMod val="130000"/>
+                <a:shade val="90000"/>
+                <a:lumMod val="103000"/>
+              </a:schemeClr>
+            </a:gs>
+            <a:gs pos="100000">
+              <a:schemeClr val="phClr">
+                <a:shade val="63000"/>
+                <a:satMod val="120000"/>
+              </a:schemeClr>
+            </a:gs>
+          </a:gsLst>
+          <a:lin ang="5400000" scaled="0"/>
+        </a:gradFill>
+      </a:bgFillStyleLst>
+    </a:fmtScheme>
+  </a:themeElements>
+  <a:objectDefaults/>
+  <a:extraClrSchemeLst/>
+  <a:extLst>
+    <a:ext uri="{05A4C25C-085E-4340-85A3-A5531E510DB2}">
+      <thm15:themeFamily xmlns:thm15="http://schemas.microsoft.com/office/thememl/2012/main" name="Office Theme" id="{62F939B6-93AF-4DB8-9C6B-D6C7DFDC589F}" vid="{4A3C46E8-61CC-4603-A589-7422A47A8E4A}"/>
+    </a:ext>
+  </a:extLst>
+</a:theme>
 </file>